--- a/dsa2017-java-online/handouts/data-day05/Lecture 07 - Chapter 06 - Binary Trees - Day 2.pptx
+++ b/dsa2017-java-online/handouts/data-day05/Lecture 07 - Chapter 06 - Binary Trees - Day 2.pptx
@@ -5,7 +5,7 @@
     <p:sldMasterId id="2147483648" r:id="rId1"/>
   </p:sldMasterIdLst>
   <p:notesMasterIdLst>
-    <p:notesMasterId r:id="rId67"/>
+    <p:notesMasterId r:id="rId69"/>
   </p:notesMasterIdLst>
   <p:sldIdLst>
     <p:sldId id="279" r:id="rId2"/>
@@ -56,23 +56,25 @@
     <p:sldId id="292" r:id="rId47"/>
     <p:sldId id="293" r:id="rId48"/>
     <p:sldId id="294" r:id="rId49"/>
-    <p:sldId id="325" r:id="rId50"/>
-    <p:sldId id="316" r:id="rId51"/>
-    <p:sldId id="317" r:id="rId52"/>
-    <p:sldId id="318" r:id="rId53"/>
-    <p:sldId id="319" r:id="rId54"/>
-    <p:sldId id="320" r:id="rId55"/>
-    <p:sldId id="321" r:id="rId56"/>
-    <p:sldId id="322" r:id="rId57"/>
-    <p:sldId id="323" r:id="rId58"/>
-    <p:sldId id="324" r:id="rId59"/>
-    <p:sldId id="286" r:id="rId60"/>
-    <p:sldId id="295" r:id="rId61"/>
-    <p:sldId id="296" r:id="rId62"/>
-    <p:sldId id="297" r:id="rId63"/>
-    <p:sldId id="298" r:id="rId64"/>
-    <p:sldId id="299" r:id="rId65"/>
-    <p:sldId id="278" r:id="rId66"/>
+    <p:sldId id="328" r:id="rId50"/>
+    <p:sldId id="325" r:id="rId51"/>
+    <p:sldId id="316" r:id="rId52"/>
+    <p:sldId id="317" r:id="rId53"/>
+    <p:sldId id="318" r:id="rId54"/>
+    <p:sldId id="319" r:id="rId55"/>
+    <p:sldId id="320" r:id="rId56"/>
+    <p:sldId id="321" r:id="rId57"/>
+    <p:sldId id="322" r:id="rId58"/>
+    <p:sldId id="323" r:id="rId59"/>
+    <p:sldId id="324" r:id="rId60"/>
+    <p:sldId id="329" r:id="rId61"/>
+    <p:sldId id="286" r:id="rId62"/>
+    <p:sldId id="295" r:id="rId63"/>
+    <p:sldId id="296" r:id="rId64"/>
+    <p:sldId id="297" r:id="rId65"/>
+    <p:sldId id="298" r:id="rId66"/>
+    <p:sldId id="299" r:id="rId67"/>
+    <p:sldId id="278" r:id="rId68"/>
   </p:sldIdLst>
   <p:sldSz cx="9144000" cy="6858000" type="screen4x3"/>
   <p:notesSz cx="6858000" cy="9144000"/>
@@ -306,7 +308,7 @@
           <a:p>
             <a:fld id="{912909EE-3318-2B49-BBCA-50C0EA6484E2}" type="datetimeFigureOut">
               <a:rPr lang="en-US" smtClean="0"/>
-              <a:t>20-May-17</a:t>
+              <a:t>23-May-17</a:t>
             </a:fld>
             <a:endParaRPr lang="en-US"/>
           </a:p>
@@ -746,7 +748,7 @@
           <a:p>
             <a:fld id="{0F700D64-C8A8-F44C-A3D6-898140BB9211}" type="slidenum">
               <a:rPr lang="en-US" smtClean="0"/>
-              <a:t>65</a:t>
+              <a:t>67</a:t>
             </a:fld>
             <a:endParaRPr lang="en-US"/>
           </a:p>
@@ -817,14 +819,14 @@
           </a:ln>
           <a:extLst>
             <a:ext uri="{909E8E84-426E-40dd-AFC4-6F175D3DCCD1}">
-              <a14:hiddenFill xmlns:a14="http://schemas.microsoft.com/office/drawing/2010/main" xmlns="">
+              <a14:hiddenFill xmlns="" xmlns:a14="http://schemas.microsoft.com/office/drawing/2010/main">
                 <a:solidFill>
                   <a:srgbClr val="FFFFFF"/>
                 </a:solidFill>
               </a14:hiddenFill>
             </a:ext>
             <a:ext uri="{91240B29-F687-4f45-9708-019B960494DF}">
-              <a14:hiddenLine xmlns:a14="http://schemas.microsoft.com/office/drawing/2010/main" xmlns="" w="9525">
+              <a14:hiddenLine xmlns="" xmlns:a14="http://schemas.microsoft.com/office/drawing/2010/main" w="9525">
                 <a:solidFill>
                   <a:srgbClr val="000000"/>
                 </a:solidFill>
@@ -3797,14 +3799,14 @@
           </a:ln>
           <a:extLst>
             <a:ext uri="{909E8E84-426E-40dd-AFC4-6F175D3DCCD1}">
-              <a14:hiddenFill xmlns:a14="http://schemas.microsoft.com/office/drawing/2010/main" xmlns="">
+              <a14:hiddenFill xmlns="" xmlns:a14="http://schemas.microsoft.com/office/drawing/2010/main">
                 <a:solidFill>
                   <a:srgbClr val="FFFFFF"/>
                 </a:solidFill>
               </a14:hiddenFill>
             </a:ext>
             <a:ext uri="{91240B29-F687-4f45-9708-019B960494DF}">
-              <a14:hiddenLine xmlns:a14="http://schemas.microsoft.com/office/drawing/2010/main" xmlns="" w="9525">
+              <a14:hiddenLine xmlns="" xmlns:a14="http://schemas.microsoft.com/office/drawing/2010/main" w="9525">
                 <a:solidFill>
                   <a:srgbClr val="000000"/>
                 </a:solidFill>
@@ -4257,14 +4259,14 @@
           <a:noFill/>
           <a:extLst>
             <a:ext uri="{909E8E84-426E-40dd-AFC4-6F175D3DCCD1}">
-              <a14:hiddenFill xmlns:a14="http://schemas.microsoft.com/office/drawing/2010/main" xmlns="">
+              <a14:hiddenFill xmlns="" xmlns:a14="http://schemas.microsoft.com/office/drawing/2010/main">
                 <a:solidFill>
                   <a:srgbClr val="FFFFFF"/>
                 </a:solidFill>
               </a14:hiddenFill>
             </a:ext>
             <a:ext uri="{91240B29-F687-4f45-9708-019B960494DF}">
-              <a14:hiddenLine xmlns:a14="http://schemas.microsoft.com/office/drawing/2010/main" xmlns="" w="9525">
+              <a14:hiddenLine xmlns="" xmlns:a14="http://schemas.microsoft.com/office/drawing/2010/main" w="9525">
                 <a:solidFill>
                   <a:srgbClr val="000000"/>
                 </a:solidFill>
@@ -4274,7 +4276,7 @@
               </a14:hiddenLine>
             </a:ext>
             <a:ext uri="{FAA26D3D-D897-4be2-8F04-BA451C77F1D7}">
-              <ma14:placeholderFlag xmlns:ma14="http://schemas.microsoft.com/office/mac/drawingml/2011/main" xmlns="" val="1"/>
+              <ma14:placeholderFlag xmlns="" xmlns:ma14="http://schemas.microsoft.com/office/mac/drawingml/2011/main" val="1"/>
             </a:ext>
           </a:extLst>
         </p:spPr>
@@ -6748,14 +6750,14 @@
           <a:noFill/>
           <a:extLst>
             <a:ext uri="{909E8E84-426E-40dd-AFC4-6F175D3DCCD1}">
-              <a14:hiddenFill xmlns:a14="http://schemas.microsoft.com/office/drawing/2010/main" xmlns="">
+              <a14:hiddenFill xmlns="" xmlns:a14="http://schemas.microsoft.com/office/drawing/2010/main">
                 <a:solidFill>
                   <a:srgbClr val="FFFFFF"/>
                 </a:solidFill>
               </a14:hiddenFill>
             </a:ext>
             <a:ext uri="{91240B29-F687-4f45-9708-019B960494DF}">
-              <a14:hiddenLine xmlns:a14="http://schemas.microsoft.com/office/drawing/2010/main" xmlns="" w="9525">
+              <a14:hiddenLine xmlns="" xmlns:a14="http://schemas.microsoft.com/office/drawing/2010/main" w="9525">
                 <a:solidFill>
                   <a:srgbClr val="000000"/>
                 </a:solidFill>
@@ -6765,7 +6767,7 @@
               </a14:hiddenLine>
             </a:ext>
             <a:ext uri="{FAA26D3D-D897-4be2-8F04-BA451C77F1D7}">
-              <ma14:placeholderFlag xmlns:ma14="http://schemas.microsoft.com/office/mac/drawingml/2011/main" xmlns="" val="1"/>
+              <ma14:placeholderFlag xmlns="" xmlns:ma14="http://schemas.microsoft.com/office/mac/drawingml/2011/main" val="1"/>
             </a:ext>
           </a:extLst>
         </p:spPr>
@@ -6801,14 +6803,14 @@
           <a:noFill/>
           <a:extLst>
             <a:ext uri="{909E8E84-426E-40dd-AFC4-6F175D3DCCD1}">
-              <a14:hiddenFill xmlns:a14="http://schemas.microsoft.com/office/drawing/2010/main" xmlns="">
+              <a14:hiddenFill xmlns="" xmlns:a14="http://schemas.microsoft.com/office/drawing/2010/main">
                 <a:solidFill>
                   <a:srgbClr val="FFFFFF"/>
                 </a:solidFill>
               </a14:hiddenFill>
             </a:ext>
             <a:ext uri="{91240B29-F687-4f45-9708-019B960494DF}">
-              <a14:hiddenLine xmlns:a14="http://schemas.microsoft.com/office/drawing/2010/main" xmlns="" w="9525">
+              <a14:hiddenLine xmlns="" xmlns:a14="http://schemas.microsoft.com/office/drawing/2010/main" w="9525">
                 <a:solidFill>
                   <a:srgbClr val="000000"/>
                 </a:solidFill>
@@ -6818,7 +6820,7 @@
               </a14:hiddenLine>
             </a:ext>
             <a:ext uri="{FAA26D3D-D897-4be2-8F04-BA451C77F1D7}">
-              <ma14:placeholderFlag xmlns:ma14="http://schemas.microsoft.com/office/mac/drawingml/2011/main" xmlns="" val="1"/>
+              <ma14:placeholderFlag xmlns="" xmlns:ma14="http://schemas.microsoft.com/office/mac/drawingml/2011/main" val="1"/>
             </a:ext>
           </a:extLst>
         </p:spPr>
@@ -24804,55 +24806,1956 @@
       </p:grpSpPr>
       <p:sp>
         <p:nvSpPr>
-          <p:cNvPr id="4" name="Title 3"/>
-          <p:cNvSpPr>
-            <a:spLocks noGrp="1"/>
-          </p:cNvSpPr>
-          <p:nvPr>
-            <p:ph type="title"/>
-          </p:nvPr>
-        </p:nvSpPr>
-        <p:spPr/>
-        <p:txBody>
-          <a:bodyPr/>
-          <a:lstStyle/>
-          <a:p>
-            <a:r>
-              <a:rPr lang="en-US" dirty="0"/>
-              <a:t>Left rotation</a:t>
-            </a:r>
-          </a:p>
-        </p:txBody>
-      </p:sp>
-      <p:sp>
-        <p:nvSpPr>
-          <p:cNvPr id="5" name="Text Placeholder 4"/>
-          <p:cNvSpPr>
-            <a:spLocks noGrp="1"/>
-          </p:cNvSpPr>
-          <p:nvPr>
-            <p:ph type="body" idx="1"/>
-          </p:nvPr>
-        </p:nvSpPr>
-        <p:spPr/>
-        <p:txBody>
-          <a:bodyPr/>
-          <a:lstStyle/>
-          <a:p>
-            <a:endParaRPr lang="en-US"/>
+          <p:cNvPr id="5" name="Oval 4"/>
+          <p:cNvSpPr/>
+          <p:nvPr/>
+        </p:nvSpPr>
+        <p:spPr>
+          <a:xfrm>
+            <a:off x="1734900" y="1091033"/>
+            <a:ext cx="685800" cy="685800"/>
+          </a:xfrm>
+          <a:prstGeom prst="ellipse">
+            <a:avLst/>
+          </a:prstGeom>
+        </p:spPr>
+        <p:style>
+          <a:lnRef idx="2">
+            <a:schemeClr val="accent2">
+              <a:shade val="50000"/>
+            </a:schemeClr>
+          </a:lnRef>
+          <a:fillRef idx="1">
+            <a:schemeClr val="accent2"/>
+          </a:fillRef>
+          <a:effectRef idx="0">
+            <a:schemeClr val="accent2"/>
+          </a:effectRef>
+          <a:fontRef idx="minor">
+            <a:schemeClr val="lt1"/>
+          </a:fontRef>
+        </p:style>
+        <p:txBody>
+          <a:bodyPr rtlCol="0" anchor="ctr"/>
+          <a:lstStyle/>
+          <a:p>
+            <a:pPr algn="ctr"/>
+            <a:r>
+              <a:rPr lang="en-US" dirty="0" err="1"/>
+              <a:t>x1</a:t>
+            </a:r>
+            <a:endParaRPr lang="en-US" dirty="0"/>
+          </a:p>
+        </p:txBody>
+      </p:sp>
+      <p:sp>
+        <p:nvSpPr>
+          <p:cNvPr id="6" name="Oval 5"/>
+          <p:cNvSpPr/>
+          <p:nvPr/>
+        </p:nvSpPr>
+        <p:spPr>
+          <a:xfrm>
+            <a:off x="972900" y="2386433"/>
+            <a:ext cx="685800" cy="685800"/>
+          </a:xfrm>
+          <a:prstGeom prst="ellipse">
+            <a:avLst/>
+          </a:prstGeom>
+        </p:spPr>
+        <p:style>
+          <a:lnRef idx="2">
+            <a:schemeClr val="accent2">
+              <a:shade val="50000"/>
+            </a:schemeClr>
+          </a:lnRef>
+          <a:fillRef idx="1">
+            <a:schemeClr val="accent2"/>
+          </a:fillRef>
+          <a:effectRef idx="0">
+            <a:schemeClr val="accent2"/>
+          </a:effectRef>
+          <a:fontRef idx="minor">
+            <a:schemeClr val="lt1"/>
+          </a:fontRef>
+        </p:style>
+        <p:txBody>
+          <a:bodyPr rtlCol="0" anchor="ctr"/>
+          <a:lstStyle/>
+          <a:p>
+            <a:pPr algn="ctr"/>
+            <a:r>
+              <a:rPr lang="en-US" dirty="0" err="1"/>
+              <a:t>x2</a:t>
+            </a:r>
+            <a:endParaRPr lang="en-US" dirty="0"/>
+          </a:p>
+        </p:txBody>
+      </p:sp>
+      <p:sp>
+        <p:nvSpPr>
+          <p:cNvPr id="7" name="Oval 6"/>
+          <p:cNvSpPr/>
+          <p:nvPr/>
+        </p:nvSpPr>
+        <p:spPr>
+          <a:xfrm>
+            <a:off x="99299" y="3325066"/>
+            <a:ext cx="685800" cy="685800"/>
+          </a:xfrm>
+          <a:prstGeom prst="ellipse">
+            <a:avLst/>
+          </a:prstGeom>
+        </p:spPr>
+        <p:style>
+          <a:lnRef idx="1">
+            <a:schemeClr val="accent1"/>
+          </a:lnRef>
+          <a:fillRef idx="3">
+            <a:schemeClr val="accent1"/>
+          </a:fillRef>
+          <a:effectRef idx="2">
+            <a:schemeClr val="accent1"/>
+          </a:effectRef>
+          <a:fontRef idx="minor">
+            <a:schemeClr val="lt1"/>
+          </a:fontRef>
+        </p:style>
+        <p:txBody>
+          <a:bodyPr rtlCol="0" anchor="ctr"/>
+          <a:lstStyle/>
+          <a:p>
+            <a:pPr algn="ctr"/>
+            <a:r>
+              <a:rPr lang="en-US" dirty="0"/>
+              <a:t>P</a:t>
+            </a:r>
+          </a:p>
+        </p:txBody>
+      </p:sp>
+      <p:sp>
+        <p:nvSpPr>
+          <p:cNvPr id="8" name="Oval 7"/>
+          <p:cNvSpPr/>
+          <p:nvPr/>
+        </p:nvSpPr>
+        <p:spPr>
+          <a:xfrm>
+            <a:off x="1658700" y="3453233"/>
+            <a:ext cx="685800" cy="685800"/>
+          </a:xfrm>
+          <a:prstGeom prst="ellipse">
+            <a:avLst/>
+          </a:prstGeom>
+        </p:spPr>
+        <p:style>
+          <a:lnRef idx="1">
+            <a:schemeClr val="accent1"/>
+          </a:lnRef>
+          <a:fillRef idx="3">
+            <a:schemeClr val="accent1"/>
+          </a:fillRef>
+          <a:effectRef idx="2">
+            <a:schemeClr val="accent1"/>
+          </a:effectRef>
+          <a:fontRef idx="minor">
+            <a:schemeClr val="lt1"/>
+          </a:fontRef>
+        </p:style>
+        <p:txBody>
+          <a:bodyPr rtlCol="0" anchor="ctr"/>
+          <a:lstStyle/>
+          <a:p>
+            <a:pPr algn="ctr"/>
+            <a:r>
+              <a:rPr lang="en-US" dirty="0" err="1"/>
+              <a:t>r2</a:t>
+            </a:r>
+            <a:endParaRPr lang="en-US" dirty="0"/>
+          </a:p>
+        </p:txBody>
+      </p:sp>
+      <p:sp>
+        <p:nvSpPr>
+          <p:cNvPr id="9" name="Oval 8"/>
+          <p:cNvSpPr/>
+          <p:nvPr/>
+        </p:nvSpPr>
+        <p:spPr>
+          <a:xfrm>
+            <a:off x="2877900" y="2386433"/>
+            <a:ext cx="685800" cy="685800"/>
+          </a:xfrm>
+          <a:prstGeom prst="ellipse">
+            <a:avLst/>
+          </a:prstGeom>
+        </p:spPr>
+        <p:style>
+          <a:lnRef idx="1">
+            <a:schemeClr val="accent1"/>
+          </a:lnRef>
+          <a:fillRef idx="3">
+            <a:schemeClr val="accent1"/>
+          </a:fillRef>
+          <a:effectRef idx="2">
+            <a:schemeClr val="accent1"/>
+          </a:effectRef>
+          <a:fontRef idx="minor">
+            <a:schemeClr val="lt1"/>
+          </a:fontRef>
+        </p:style>
+        <p:txBody>
+          <a:bodyPr rtlCol="0" anchor="ctr"/>
+          <a:lstStyle/>
+          <a:p>
+            <a:pPr algn="ctr"/>
+            <a:r>
+              <a:rPr lang="en-US" dirty="0" err="1"/>
+              <a:t>r1</a:t>
+            </a:r>
+            <a:endParaRPr lang="en-US" dirty="0"/>
+          </a:p>
+        </p:txBody>
+      </p:sp>
+      <p:cxnSp>
+        <p:nvCxnSpPr>
+          <p:cNvPr id="11" name="Straight Arrow Connector 10"/>
+          <p:cNvCxnSpPr>
+            <a:stCxn id="5" idx="3"/>
+            <a:endCxn id="6" idx="0"/>
+          </p:cNvCxnSpPr>
+          <p:nvPr/>
+        </p:nvCxnSpPr>
+        <p:spPr>
+          <a:xfrm flipH="1">
+            <a:off x="1315800" y="1676400"/>
+            <a:ext cx="519533" cy="710033"/>
+          </a:xfrm>
+          <a:prstGeom prst="straightConnector1">
+            <a:avLst/>
+          </a:prstGeom>
+          <a:ln>
+            <a:tailEnd type="arrow"/>
+          </a:ln>
+        </p:spPr>
+        <p:style>
+          <a:lnRef idx="2">
+            <a:schemeClr val="accent1"/>
+          </a:lnRef>
+          <a:fillRef idx="0">
+            <a:schemeClr val="accent1"/>
+          </a:fillRef>
+          <a:effectRef idx="1">
+            <a:schemeClr val="accent1"/>
+          </a:effectRef>
+          <a:fontRef idx="minor">
+            <a:schemeClr val="tx1"/>
+          </a:fontRef>
+        </p:style>
+      </p:cxnSp>
+      <p:cxnSp>
+        <p:nvCxnSpPr>
+          <p:cNvPr id="12" name="Straight Arrow Connector 11"/>
+          <p:cNvCxnSpPr>
+            <a:stCxn id="6" idx="3"/>
+            <a:endCxn id="7" idx="7"/>
+          </p:cNvCxnSpPr>
+          <p:nvPr/>
+        </p:nvCxnSpPr>
+        <p:spPr>
+          <a:xfrm flipH="1">
+            <a:off x="684666" y="2971800"/>
+            <a:ext cx="388667" cy="453699"/>
+          </a:xfrm>
+          <a:prstGeom prst="straightConnector1">
+            <a:avLst/>
+          </a:prstGeom>
+          <a:ln>
+            <a:tailEnd type="arrow"/>
+          </a:ln>
+        </p:spPr>
+        <p:style>
+          <a:lnRef idx="2">
+            <a:schemeClr val="accent1"/>
+          </a:lnRef>
+          <a:fillRef idx="0">
+            <a:schemeClr val="accent1"/>
+          </a:fillRef>
+          <a:effectRef idx="1">
+            <a:schemeClr val="accent1"/>
+          </a:effectRef>
+          <a:fontRef idx="minor">
+            <a:schemeClr val="tx1"/>
+          </a:fontRef>
+        </p:style>
+      </p:cxnSp>
+      <p:cxnSp>
+        <p:nvCxnSpPr>
+          <p:cNvPr id="13" name="Straight Arrow Connector 12"/>
+          <p:cNvCxnSpPr>
+            <a:stCxn id="6" idx="5"/>
+            <a:endCxn id="8" idx="0"/>
+          </p:cNvCxnSpPr>
+          <p:nvPr/>
+        </p:nvCxnSpPr>
+        <p:spPr>
+          <a:xfrm>
+            <a:off x="1558267" y="2971800"/>
+            <a:ext cx="443333" cy="481433"/>
+          </a:xfrm>
+          <a:prstGeom prst="straightConnector1">
+            <a:avLst/>
+          </a:prstGeom>
+          <a:ln>
+            <a:tailEnd type="arrow"/>
+          </a:ln>
+        </p:spPr>
+        <p:style>
+          <a:lnRef idx="2">
+            <a:schemeClr val="accent1"/>
+          </a:lnRef>
+          <a:fillRef idx="0">
+            <a:schemeClr val="accent1"/>
+          </a:fillRef>
+          <a:effectRef idx="1">
+            <a:schemeClr val="accent1"/>
+          </a:effectRef>
+          <a:fontRef idx="minor">
+            <a:schemeClr val="tx1"/>
+          </a:fontRef>
+        </p:style>
+      </p:cxnSp>
+      <p:cxnSp>
+        <p:nvCxnSpPr>
+          <p:cNvPr id="14" name="Straight Arrow Connector 13"/>
+          <p:cNvCxnSpPr>
+            <a:stCxn id="5" idx="5"/>
+            <a:endCxn id="9" idx="1"/>
+          </p:cNvCxnSpPr>
+          <p:nvPr/>
+        </p:nvCxnSpPr>
+        <p:spPr>
+          <a:xfrm>
+            <a:off x="2320267" y="1676400"/>
+            <a:ext cx="658066" cy="810466"/>
+          </a:xfrm>
+          <a:prstGeom prst="straightConnector1">
+            <a:avLst/>
+          </a:prstGeom>
+          <a:ln>
+            <a:tailEnd type="arrow"/>
+          </a:ln>
+        </p:spPr>
+        <p:style>
+          <a:lnRef idx="2">
+            <a:schemeClr val="accent1"/>
+          </a:lnRef>
+          <a:fillRef idx="0">
+            <a:schemeClr val="accent1"/>
+          </a:fillRef>
+          <a:effectRef idx="1">
+            <a:schemeClr val="accent1"/>
+          </a:effectRef>
+          <a:fontRef idx="minor">
+            <a:schemeClr val="tx1"/>
+          </a:fontRef>
+        </p:style>
+      </p:cxnSp>
+      <p:sp>
+        <p:nvSpPr>
+          <p:cNvPr id="16" name="Oval 15"/>
+          <p:cNvSpPr/>
+          <p:nvPr/>
+        </p:nvSpPr>
+        <p:spPr>
+          <a:xfrm>
+            <a:off x="5356081" y="4662651"/>
+            <a:ext cx="685800" cy="685800"/>
+          </a:xfrm>
+          <a:prstGeom prst="ellipse">
+            <a:avLst/>
+          </a:prstGeom>
+        </p:spPr>
+        <p:style>
+          <a:lnRef idx="2">
+            <a:schemeClr val="accent2">
+              <a:shade val="50000"/>
+            </a:schemeClr>
+          </a:lnRef>
+          <a:fillRef idx="1">
+            <a:schemeClr val="accent2"/>
+          </a:fillRef>
+          <a:effectRef idx="0">
+            <a:schemeClr val="accent2"/>
+          </a:effectRef>
+          <a:fontRef idx="minor">
+            <a:schemeClr val="lt1"/>
+          </a:fontRef>
+        </p:style>
+        <p:txBody>
+          <a:bodyPr rtlCol="0" anchor="ctr"/>
+          <a:lstStyle/>
+          <a:p>
+            <a:pPr algn="ctr"/>
+            <a:r>
+              <a:rPr lang="en-US" dirty="0" err="1"/>
+              <a:t>x1</a:t>
+            </a:r>
+            <a:endParaRPr lang="en-US" dirty="0"/>
+          </a:p>
+        </p:txBody>
+      </p:sp>
+      <p:sp>
+        <p:nvSpPr>
+          <p:cNvPr id="17" name="Oval 16"/>
+          <p:cNvSpPr/>
+          <p:nvPr/>
+        </p:nvSpPr>
+        <p:spPr>
+          <a:xfrm>
+            <a:off x="3908281" y="4281651"/>
+            <a:ext cx="685800" cy="685800"/>
+          </a:xfrm>
+          <a:prstGeom prst="ellipse">
+            <a:avLst/>
+          </a:prstGeom>
+        </p:spPr>
+        <p:style>
+          <a:lnRef idx="2">
+            <a:schemeClr val="accent2">
+              <a:shade val="50000"/>
+            </a:schemeClr>
+          </a:lnRef>
+          <a:fillRef idx="1">
+            <a:schemeClr val="accent2"/>
+          </a:fillRef>
+          <a:effectRef idx="0">
+            <a:schemeClr val="accent2"/>
+          </a:effectRef>
+          <a:fontRef idx="minor">
+            <a:schemeClr val="lt1"/>
+          </a:fontRef>
+        </p:style>
+        <p:txBody>
+          <a:bodyPr rtlCol="0" anchor="ctr"/>
+          <a:lstStyle/>
+          <a:p>
+            <a:pPr algn="ctr"/>
+            <a:r>
+              <a:rPr lang="en-US" dirty="0" err="1"/>
+              <a:t>x2</a:t>
+            </a:r>
+            <a:endParaRPr lang="en-US" dirty="0"/>
+          </a:p>
+        </p:txBody>
+      </p:sp>
+      <p:sp>
+        <p:nvSpPr>
+          <p:cNvPr id="18" name="Oval 17"/>
+          <p:cNvSpPr/>
+          <p:nvPr/>
+        </p:nvSpPr>
+        <p:spPr>
+          <a:xfrm>
+            <a:off x="2986947" y="5147585"/>
+            <a:ext cx="685800" cy="685800"/>
+          </a:xfrm>
+          <a:prstGeom prst="ellipse">
+            <a:avLst/>
+          </a:prstGeom>
+        </p:spPr>
+        <p:style>
+          <a:lnRef idx="1">
+            <a:schemeClr val="accent1"/>
+          </a:lnRef>
+          <a:fillRef idx="3">
+            <a:schemeClr val="accent1"/>
+          </a:fillRef>
+          <a:effectRef idx="2">
+            <a:schemeClr val="accent1"/>
+          </a:effectRef>
+          <a:fontRef idx="minor">
+            <a:schemeClr val="lt1"/>
+          </a:fontRef>
+        </p:style>
+        <p:txBody>
+          <a:bodyPr rtlCol="0" anchor="ctr"/>
+          <a:lstStyle/>
+          <a:p>
+            <a:pPr algn="ctr"/>
+            <a:r>
+              <a:rPr lang="en-US" dirty="0"/>
+              <a:t>P</a:t>
+            </a:r>
+          </a:p>
+        </p:txBody>
+      </p:sp>
+      <p:sp>
+        <p:nvSpPr>
+          <p:cNvPr id="19" name="Oval 18"/>
+          <p:cNvSpPr/>
+          <p:nvPr/>
+        </p:nvSpPr>
+        <p:spPr>
+          <a:xfrm>
+            <a:off x="4746481" y="6034251"/>
+            <a:ext cx="685800" cy="685800"/>
+          </a:xfrm>
+          <a:prstGeom prst="ellipse">
+            <a:avLst/>
+          </a:prstGeom>
+        </p:spPr>
+        <p:style>
+          <a:lnRef idx="1">
+            <a:schemeClr val="accent1"/>
+          </a:lnRef>
+          <a:fillRef idx="3">
+            <a:schemeClr val="accent1"/>
+          </a:fillRef>
+          <a:effectRef idx="2">
+            <a:schemeClr val="accent1"/>
+          </a:effectRef>
+          <a:fontRef idx="minor">
+            <a:schemeClr val="lt1"/>
+          </a:fontRef>
+        </p:style>
+        <p:txBody>
+          <a:bodyPr rtlCol="0" anchor="ctr"/>
+          <a:lstStyle/>
+          <a:p>
+            <a:pPr algn="ctr"/>
+            <a:r>
+              <a:rPr lang="en-US" dirty="0" err="1"/>
+              <a:t>r2</a:t>
+            </a:r>
+            <a:endParaRPr lang="en-US" dirty="0"/>
+          </a:p>
+        </p:txBody>
+      </p:sp>
+      <p:sp>
+        <p:nvSpPr>
+          <p:cNvPr id="20" name="Oval 19"/>
+          <p:cNvSpPr/>
+          <p:nvPr/>
+        </p:nvSpPr>
+        <p:spPr>
+          <a:xfrm>
+            <a:off x="6422881" y="5881851"/>
+            <a:ext cx="685800" cy="685800"/>
+          </a:xfrm>
+          <a:prstGeom prst="ellipse">
+            <a:avLst/>
+          </a:prstGeom>
+        </p:spPr>
+        <p:style>
+          <a:lnRef idx="1">
+            <a:schemeClr val="accent1"/>
+          </a:lnRef>
+          <a:fillRef idx="3">
+            <a:schemeClr val="accent1"/>
+          </a:fillRef>
+          <a:effectRef idx="2">
+            <a:schemeClr val="accent1"/>
+          </a:effectRef>
+          <a:fontRef idx="minor">
+            <a:schemeClr val="lt1"/>
+          </a:fontRef>
+        </p:style>
+        <p:txBody>
+          <a:bodyPr rtlCol="0" anchor="ctr"/>
+          <a:lstStyle/>
+          <a:p>
+            <a:pPr algn="ctr"/>
+            <a:r>
+              <a:rPr lang="en-US" dirty="0" err="1"/>
+              <a:t>r1</a:t>
+            </a:r>
+            <a:endParaRPr lang="en-US" dirty="0"/>
+          </a:p>
+        </p:txBody>
+      </p:sp>
+      <p:cxnSp>
+        <p:nvCxnSpPr>
+          <p:cNvPr id="22" name="Straight Arrow Connector 21"/>
+          <p:cNvCxnSpPr>
+            <a:stCxn id="17" idx="3"/>
+            <a:endCxn id="18" idx="7"/>
+          </p:cNvCxnSpPr>
+          <p:nvPr/>
+        </p:nvCxnSpPr>
+        <p:spPr>
+          <a:xfrm flipH="1">
+            <a:off x="3572314" y="4867018"/>
+            <a:ext cx="436400" cy="381000"/>
+          </a:xfrm>
+          <a:prstGeom prst="straightConnector1">
+            <a:avLst/>
+          </a:prstGeom>
+          <a:ln>
+            <a:tailEnd type="arrow"/>
+          </a:ln>
+        </p:spPr>
+        <p:style>
+          <a:lnRef idx="2">
+            <a:schemeClr val="accent1"/>
+          </a:lnRef>
+          <a:fillRef idx="0">
+            <a:schemeClr val="accent1"/>
+          </a:fillRef>
+          <a:effectRef idx="1">
+            <a:schemeClr val="accent1"/>
+          </a:effectRef>
+          <a:fontRef idx="minor">
+            <a:schemeClr val="tx1"/>
+          </a:fontRef>
+        </p:style>
+      </p:cxnSp>
+      <p:cxnSp>
+        <p:nvCxnSpPr>
+          <p:cNvPr id="23" name="Straight Arrow Connector 22"/>
+          <p:cNvCxnSpPr>
+            <a:stCxn id="16" idx="3"/>
+          </p:cNvCxnSpPr>
+          <p:nvPr/>
+        </p:nvCxnSpPr>
+        <p:spPr>
+          <a:xfrm flipH="1">
+            <a:off x="5051281" y="5248018"/>
+            <a:ext cx="405233" cy="786233"/>
+          </a:xfrm>
+          <a:prstGeom prst="straightConnector1">
+            <a:avLst/>
+          </a:prstGeom>
+          <a:ln>
+            <a:tailEnd type="arrow"/>
+          </a:ln>
+        </p:spPr>
+        <p:style>
+          <a:lnRef idx="2">
+            <a:schemeClr val="accent1"/>
+          </a:lnRef>
+          <a:fillRef idx="0">
+            <a:schemeClr val="accent1"/>
+          </a:fillRef>
+          <a:effectRef idx="1">
+            <a:schemeClr val="accent1"/>
+          </a:effectRef>
+          <a:fontRef idx="minor">
+            <a:schemeClr val="tx1"/>
+          </a:fontRef>
+        </p:style>
+      </p:cxnSp>
+      <p:cxnSp>
+        <p:nvCxnSpPr>
+          <p:cNvPr id="24" name="Straight Arrow Connector 23"/>
+          <p:cNvCxnSpPr>
+            <a:stCxn id="16" idx="5"/>
+            <a:endCxn id="20" idx="1"/>
+          </p:cNvCxnSpPr>
+          <p:nvPr/>
+        </p:nvCxnSpPr>
+        <p:spPr>
+          <a:xfrm>
+            <a:off x="5941448" y="5248018"/>
+            <a:ext cx="581866" cy="734266"/>
+          </a:xfrm>
+          <a:prstGeom prst="straightConnector1">
+            <a:avLst/>
+          </a:prstGeom>
+          <a:ln>
+            <a:tailEnd type="arrow"/>
+          </a:ln>
+        </p:spPr>
+        <p:style>
+          <a:lnRef idx="2">
+            <a:schemeClr val="accent1"/>
+          </a:lnRef>
+          <a:fillRef idx="0">
+            <a:schemeClr val="accent1"/>
+          </a:fillRef>
+          <a:effectRef idx="1">
+            <a:schemeClr val="accent1"/>
+          </a:effectRef>
+          <a:fontRef idx="minor">
+            <a:schemeClr val="tx1"/>
+          </a:fontRef>
+        </p:style>
+      </p:cxnSp>
+      <p:cxnSp>
+        <p:nvCxnSpPr>
+          <p:cNvPr id="25" name="Straight Arrow Connector 24"/>
+          <p:cNvCxnSpPr>
+            <a:cxnSpLocks/>
+            <a:stCxn id="17" idx="6"/>
+          </p:cNvCxnSpPr>
+          <p:nvPr/>
+        </p:nvCxnSpPr>
+        <p:spPr>
+          <a:xfrm>
+            <a:off x="4594081" y="4624551"/>
+            <a:ext cx="762000" cy="381000"/>
+          </a:xfrm>
+          <a:prstGeom prst="straightConnector1">
+            <a:avLst/>
+          </a:prstGeom>
+          <a:ln>
+            <a:tailEnd type="arrow"/>
+          </a:ln>
+        </p:spPr>
+        <p:style>
+          <a:lnRef idx="2">
+            <a:schemeClr val="accent1"/>
+          </a:lnRef>
+          <a:fillRef idx="0">
+            <a:schemeClr val="accent1"/>
+          </a:fillRef>
+          <a:effectRef idx="1">
+            <a:schemeClr val="accent1"/>
+          </a:effectRef>
+          <a:fontRef idx="minor">
+            <a:schemeClr val="tx1"/>
+          </a:fontRef>
+        </p:style>
+      </p:cxnSp>
+      <p:cxnSp>
+        <p:nvCxnSpPr>
+          <p:cNvPr id="26" name="Straight Arrow Connector 25"/>
+          <p:cNvCxnSpPr>
+            <a:cxnSpLocks/>
+            <a:stCxn id="5" idx="0"/>
+          </p:cNvCxnSpPr>
+          <p:nvPr/>
+        </p:nvCxnSpPr>
+        <p:spPr>
+          <a:xfrm flipV="1">
+            <a:off x="2077800" y="228600"/>
+            <a:ext cx="0" cy="862433"/>
+          </a:xfrm>
+          <a:prstGeom prst="straightConnector1">
+            <a:avLst/>
+          </a:prstGeom>
+          <a:ln>
+            <a:tailEnd type="arrow"/>
+          </a:ln>
+        </p:spPr>
+        <p:style>
+          <a:lnRef idx="2">
+            <a:schemeClr val="accent1"/>
+          </a:lnRef>
+          <a:fillRef idx="0">
+            <a:schemeClr val="accent1"/>
+          </a:fillRef>
+          <a:effectRef idx="1">
+            <a:schemeClr val="accent1"/>
+          </a:effectRef>
+          <a:fontRef idx="minor">
+            <a:schemeClr val="tx1"/>
+          </a:fontRef>
+        </p:style>
+      </p:cxnSp>
+      <p:cxnSp>
+        <p:nvCxnSpPr>
+          <p:cNvPr id="29" name="Straight Arrow Connector 28"/>
+          <p:cNvCxnSpPr>
+            <a:cxnSpLocks/>
+            <a:stCxn id="6" idx="1"/>
+          </p:cNvCxnSpPr>
+          <p:nvPr/>
+        </p:nvCxnSpPr>
+        <p:spPr>
+          <a:xfrm flipH="1" flipV="1">
+            <a:off x="913266" y="1496266"/>
+            <a:ext cx="160067" cy="990600"/>
+          </a:xfrm>
+          <a:prstGeom prst="straightConnector1">
+            <a:avLst/>
+          </a:prstGeom>
+          <a:ln>
+            <a:tailEnd type="arrow"/>
+          </a:ln>
+        </p:spPr>
+        <p:style>
+          <a:lnRef idx="2">
+            <a:schemeClr val="accent1"/>
+          </a:lnRef>
+          <a:fillRef idx="0">
+            <a:schemeClr val="accent1"/>
+          </a:fillRef>
+          <a:effectRef idx="1">
+            <a:schemeClr val="accent1"/>
+          </a:effectRef>
+          <a:fontRef idx="minor">
+            <a:schemeClr val="tx1"/>
+          </a:fontRef>
+        </p:style>
+      </p:cxnSp>
+      <p:cxnSp>
+        <p:nvCxnSpPr>
+          <p:cNvPr id="32" name="Straight Arrow Connector 31"/>
+          <p:cNvCxnSpPr>
+            <a:cxnSpLocks/>
+            <a:stCxn id="17" idx="0"/>
+          </p:cNvCxnSpPr>
+          <p:nvPr/>
+        </p:nvCxnSpPr>
+        <p:spPr>
+          <a:xfrm flipH="1" flipV="1">
+            <a:off x="4213081" y="3471185"/>
+            <a:ext cx="38100" cy="810466"/>
+          </a:xfrm>
+          <a:prstGeom prst="straightConnector1">
+            <a:avLst/>
+          </a:prstGeom>
+          <a:ln>
+            <a:tailEnd type="arrow"/>
+          </a:ln>
+        </p:spPr>
+        <p:style>
+          <a:lnRef idx="2">
+            <a:schemeClr val="accent1"/>
+          </a:lnRef>
+          <a:fillRef idx="0">
+            <a:schemeClr val="accent1"/>
+          </a:fillRef>
+          <a:effectRef idx="1">
+            <a:schemeClr val="accent1"/>
+          </a:effectRef>
+          <a:fontRef idx="minor">
+            <a:schemeClr val="tx1"/>
+          </a:fontRef>
+        </p:style>
+      </p:cxnSp>
+      <p:cxnSp>
+        <p:nvCxnSpPr>
+          <p:cNvPr id="34" name="Straight Arrow Connector 33"/>
+          <p:cNvCxnSpPr>
+            <a:cxnSpLocks/>
+            <a:stCxn id="16" idx="0"/>
+          </p:cNvCxnSpPr>
+          <p:nvPr/>
+        </p:nvCxnSpPr>
+        <p:spPr>
+          <a:xfrm flipH="1" flipV="1">
+            <a:off x="5660881" y="3837575"/>
+            <a:ext cx="38100" cy="825076"/>
+          </a:xfrm>
+          <a:prstGeom prst="straightConnector1">
+            <a:avLst/>
+          </a:prstGeom>
+          <a:ln>
+            <a:tailEnd type="arrow"/>
+          </a:ln>
+        </p:spPr>
+        <p:style>
+          <a:lnRef idx="2">
+            <a:schemeClr val="accent1"/>
+          </a:lnRef>
+          <a:fillRef idx="0">
+            <a:schemeClr val="accent1"/>
+          </a:fillRef>
+          <a:effectRef idx="1">
+            <a:schemeClr val="accent1"/>
+          </a:effectRef>
+          <a:fontRef idx="minor">
+            <a:schemeClr val="tx1"/>
+          </a:fontRef>
+        </p:style>
+      </p:cxnSp>
+      <p:sp>
+        <p:nvSpPr>
+          <p:cNvPr id="43" name="Oval 42"/>
+          <p:cNvSpPr/>
+          <p:nvPr/>
+        </p:nvSpPr>
+        <p:spPr>
+          <a:xfrm>
+            <a:off x="6909967" y="1233651"/>
+            <a:ext cx="685800" cy="685800"/>
+          </a:xfrm>
+          <a:prstGeom prst="ellipse">
+            <a:avLst/>
+          </a:prstGeom>
+        </p:spPr>
+        <p:style>
+          <a:lnRef idx="2">
+            <a:schemeClr val="accent2">
+              <a:shade val="50000"/>
+            </a:schemeClr>
+          </a:lnRef>
+          <a:fillRef idx="1">
+            <a:schemeClr val="accent2"/>
+          </a:fillRef>
+          <a:effectRef idx="0">
+            <a:schemeClr val="accent2"/>
+          </a:effectRef>
+          <a:fontRef idx="minor">
+            <a:schemeClr val="lt1"/>
+          </a:fontRef>
+        </p:style>
+        <p:txBody>
+          <a:bodyPr rtlCol="0" anchor="ctr"/>
+          <a:lstStyle/>
+          <a:p>
+            <a:pPr algn="ctr"/>
+            <a:r>
+              <a:rPr lang="en-US" dirty="0" err="1"/>
+              <a:t>x1</a:t>
+            </a:r>
+            <a:endParaRPr lang="en-US" dirty="0"/>
+          </a:p>
+        </p:txBody>
+      </p:sp>
+      <p:sp>
+        <p:nvSpPr>
+          <p:cNvPr id="44" name="Oval 43"/>
+          <p:cNvSpPr/>
+          <p:nvPr/>
+        </p:nvSpPr>
+        <p:spPr>
+          <a:xfrm>
+            <a:off x="5462167" y="852651"/>
+            <a:ext cx="685800" cy="685800"/>
+          </a:xfrm>
+          <a:prstGeom prst="ellipse">
+            <a:avLst/>
+          </a:prstGeom>
+        </p:spPr>
+        <p:style>
+          <a:lnRef idx="2">
+            <a:schemeClr val="accent2">
+              <a:shade val="50000"/>
+            </a:schemeClr>
+          </a:lnRef>
+          <a:fillRef idx="1">
+            <a:schemeClr val="accent2"/>
+          </a:fillRef>
+          <a:effectRef idx="0">
+            <a:schemeClr val="accent2"/>
+          </a:effectRef>
+          <a:fontRef idx="minor">
+            <a:schemeClr val="lt1"/>
+          </a:fontRef>
+        </p:style>
+        <p:txBody>
+          <a:bodyPr rtlCol="0" anchor="ctr"/>
+          <a:lstStyle/>
+          <a:p>
+            <a:pPr algn="ctr"/>
+            <a:r>
+              <a:rPr lang="en-US" dirty="0" err="1"/>
+              <a:t>x2</a:t>
+            </a:r>
+            <a:endParaRPr lang="en-US" dirty="0"/>
+          </a:p>
+        </p:txBody>
+      </p:sp>
+      <p:sp>
+        <p:nvSpPr>
+          <p:cNvPr id="45" name="Oval 44"/>
+          <p:cNvSpPr/>
+          <p:nvPr/>
+        </p:nvSpPr>
+        <p:spPr>
+          <a:xfrm>
+            <a:off x="4540833" y="1718585"/>
+            <a:ext cx="685800" cy="685800"/>
+          </a:xfrm>
+          <a:prstGeom prst="ellipse">
+            <a:avLst/>
+          </a:prstGeom>
+        </p:spPr>
+        <p:style>
+          <a:lnRef idx="1">
+            <a:schemeClr val="accent1"/>
+          </a:lnRef>
+          <a:fillRef idx="3">
+            <a:schemeClr val="accent1"/>
+          </a:fillRef>
+          <a:effectRef idx="2">
+            <a:schemeClr val="accent1"/>
+          </a:effectRef>
+          <a:fontRef idx="minor">
+            <a:schemeClr val="lt1"/>
+          </a:fontRef>
+        </p:style>
+        <p:txBody>
+          <a:bodyPr rtlCol="0" anchor="ctr"/>
+          <a:lstStyle/>
+          <a:p>
+            <a:pPr algn="ctr"/>
+            <a:r>
+              <a:rPr lang="en-US" dirty="0"/>
+              <a:t>P</a:t>
+            </a:r>
+          </a:p>
+        </p:txBody>
+      </p:sp>
+      <p:sp>
+        <p:nvSpPr>
+          <p:cNvPr id="46" name="Oval 45"/>
+          <p:cNvSpPr/>
+          <p:nvPr/>
+        </p:nvSpPr>
+        <p:spPr>
+          <a:xfrm>
+            <a:off x="6300367" y="2605251"/>
+            <a:ext cx="685800" cy="685800"/>
+          </a:xfrm>
+          <a:prstGeom prst="ellipse">
+            <a:avLst/>
+          </a:prstGeom>
+        </p:spPr>
+        <p:style>
+          <a:lnRef idx="1">
+            <a:schemeClr val="accent1"/>
+          </a:lnRef>
+          <a:fillRef idx="3">
+            <a:schemeClr val="accent1"/>
+          </a:fillRef>
+          <a:effectRef idx="2">
+            <a:schemeClr val="accent1"/>
+          </a:effectRef>
+          <a:fontRef idx="minor">
+            <a:schemeClr val="lt1"/>
+          </a:fontRef>
+        </p:style>
+        <p:txBody>
+          <a:bodyPr rtlCol="0" anchor="ctr"/>
+          <a:lstStyle/>
+          <a:p>
+            <a:pPr algn="ctr"/>
+            <a:r>
+              <a:rPr lang="en-US" dirty="0" err="1"/>
+              <a:t>r2</a:t>
+            </a:r>
+            <a:endParaRPr lang="en-US" dirty="0"/>
+          </a:p>
+        </p:txBody>
+      </p:sp>
+      <p:sp>
+        <p:nvSpPr>
+          <p:cNvPr id="47" name="Oval 46"/>
+          <p:cNvSpPr/>
+          <p:nvPr/>
+        </p:nvSpPr>
+        <p:spPr>
+          <a:xfrm>
+            <a:off x="7976767" y="2452851"/>
+            <a:ext cx="685800" cy="685800"/>
+          </a:xfrm>
+          <a:prstGeom prst="ellipse">
+            <a:avLst/>
+          </a:prstGeom>
+        </p:spPr>
+        <p:style>
+          <a:lnRef idx="1">
+            <a:schemeClr val="accent1"/>
+          </a:lnRef>
+          <a:fillRef idx="3">
+            <a:schemeClr val="accent1"/>
+          </a:fillRef>
+          <a:effectRef idx="2">
+            <a:schemeClr val="accent1"/>
+          </a:effectRef>
+          <a:fontRef idx="minor">
+            <a:schemeClr val="lt1"/>
+          </a:fontRef>
+        </p:style>
+        <p:txBody>
+          <a:bodyPr rtlCol="0" anchor="ctr"/>
+          <a:lstStyle/>
+          <a:p>
+            <a:pPr algn="ctr"/>
+            <a:r>
+              <a:rPr lang="en-US" dirty="0" err="1"/>
+              <a:t>r1</a:t>
+            </a:r>
+            <a:endParaRPr lang="en-US" dirty="0"/>
+          </a:p>
+        </p:txBody>
+      </p:sp>
+      <p:cxnSp>
+        <p:nvCxnSpPr>
+          <p:cNvPr id="48" name="Straight Arrow Connector 47"/>
+          <p:cNvCxnSpPr>
+            <a:stCxn id="44" idx="3"/>
+            <a:endCxn id="45" idx="7"/>
+          </p:cNvCxnSpPr>
+          <p:nvPr/>
+        </p:nvCxnSpPr>
+        <p:spPr>
+          <a:xfrm flipH="1">
+            <a:off x="5126200" y="1438018"/>
+            <a:ext cx="436400" cy="381000"/>
+          </a:xfrm>
+          <a:prstGeom prst="straightConnector1">
+            <a:avLst/>
+          </a:prstGeom>
+          <a:ln>
+            <a:tailEnd type="arrow"/>
+          </a:ln>
+        </p:spPr>
+        <p:style>
+          <a:lnRef idx="2">
+            <a:schemeClr val="accent1"/>
+          </a:lnRef>
+          <a:fillRef idx="0">
+            <a:schemeClr val="accent1"/>
+          </a:fillRef>
+          <a:effectRef idx="1">
+            <a:schemeClr val="accent1"/>
+          </a:effectRef>
+          <a:fontRef idx="minor">
+            <a:schemeClr val="tx1"/>
+          </a:fontRef>
+        </p:style>
+      </p:cxnSp>
+      <p:cxnSp>
+        <p:nvCxnSpPr>
+          <p:cNvPr id="49" name="Straight Arrow Connector 48"/>
+          <p:cNvCxnSpPr>
+            <a:stCxn id="43" idx="3"/>
+          </p:cNvCxnSpPr>
+          <p:nvPr/>
+        </p:nvCxnSpPr>
+        <p:spPr>
+          <a:xfrm flipH="1">
+            <a:off x="6605167" y="1819018"/>
+            <a:ext cx="405233" cy="786233"/>
+          </a:xfrm>
+          <a:prstGeom prst="straightConnector1">
+            <a:avLst/>
+          </a:prstGeom>
+          <a:ln>
+            <a:tailEnd type="arrow"/>
+          </a:ln>
+        </p:spPr>
+        <p:style>
+          <a:lnRef idx="2">
+            <a:schemeClr val="accent1"/>
+          </a:lnRef>
+          <a:fillRef idx="0">
+            <a:schemeClr val="accent1"/>
+          </a:fillRef>
+          <a:effectRef idx="1">
+            <a:schemeClr val="accent1"/>
+          </a:effectRef>
+          <a:fontRef idx="minor">
+            <a:schemeClr val="tx1"/>
+          </a:fontRef>
+        </p:style>
+      </p:cxnSp>
+      <p:cxnSp>
+        <p:nvCxnSpPr>
+          <p:cNvPr id="50" name="Straight Arrow Connector 49"/>
+          <p:cNvCxnSpPr>
+            <a:stCxn id="43" idx="5"/>
+            <a:endCxn id="47" idx="1"/>
+          </p:cNvCxnSpPr>
+          <p:nvPr/>
+        </p:nvCxnSpPr>
+        <p:spPr>
+          <a:xfrm>
+            <a:off x="7495334" y="1819018"/>
+            <a:ext cx="581866" cy="734266"/>
+          </a:xfrm>
+          <a:prstGeom prst="straightConnector1">
+            <a:avLst/>
+          </a:prstGeom>
+          <a:ln>
+            <a:tailEnd type="arrow"/>
+          </a:ln>
+        </p:spPr>
+        <p:style>
+          <a:lnRef idx="2">
+            <a:schemeClr val="accent1"/>
+          </a:lnRef>
+          <a:fillRef idx="0">
+            <a:schemeClr val="accent1"/>
+          </a:fillRef>
+          <a:effectRef idx="1">
+            <a:schemeClr val="accent1"/>
+          </a:effectRef>
+          <a:fontRef idx="minor">
+            <a:schemeClr val="tx1"/>
+          </a:fontRef>
+        </p:style>
+      </p:cxnSp>
+      <p:cxnSp>
+        <p:nvCxnSpPr>
+          <p:cNvPr id="51" name="Straight Arrow Connector 50"/>
+          <p:cNvCxnSpPr>
+            <a:cxnSpLocks/>
+            <a:stCxn id="44" idx="6"/>
+            <a:endCxn id="46" idx="1"/>
+          </p:cNvCxnSpPr>
+          <p:nvPr/>
+        </p:nvCxnSpPr>
+        <p:spPr>
+          <a:xfrm>
+            <a:off x="6147967" y="1195551"/>
+            <a:ext cx="252833" cy="1510133"/>
+          </a:xfrm>
+          <a:prstGeom prst="straightConnector1">
+            <a:avLst/>
+          </a:prstGeom>
+          <a:ln>
+            <a:tailEnd type="arrow"/>
+          </a:ln>
+        </p:spPr>
+        <p:style>
+          <a:lnRef idx="2">
+            <a:schemeClr val="accent1"/>
+          </a:lnRef>
+          <a:fillRef idx="0">
+            <a:schemeClr val="accent1"/>
+          </a:fillRef>
+          <a:effectRef idx="1">
+            <a:schemeClr val="accent1"/>
+          </a:effectRef>
+          <a:fontRef idx="minor">
+            <a:schemeClr val="tx1"/>
+          </a:fontRef>
+        </p:style>
+      </p:cxnSp>
+      <p:cxnSp>
+        <p:nvCxnSpPr>
+          <p:cNvPr id="52" name="Straight Arrow Connector 51"/>
+          <p:cNvCxnSpPr>
+            <a:cxnSpLocks/>
+            <a:stCxn id="44" idx="0"/>
+          </p:cNvCxnSpPr>
+          <p:nvPr/>
+        </p:nvCxnSpPr>
+        <p:spPr>
+          <a:xfrm flipH="1" flipV="1">
+            <a:off x="5766967" y="42185"/>
+            <a:ext cx="38100" cy="810466"/>
+          </a:xfrm>
+          <a:prstGeom prst="straightConnector1">
+            <a:avLst/>
+          </a:prstGeom>
+          <a:ln>
+            <a:tailEnd type="arrow"/>
+          </a:ln>
+        </p:spPr>
+        <p:style>
+          <a:lnRef idx="2">
+            <a:schemeClr val="accent1"/>
+          </a:lnRef>
+          <a:fillRef idx="0">
+            <a:schemeClr val="accent1"/>
+          </a:fillRef>
+          <a:effectRef idx="1">
+            <a:schemeClr val="accent1"/>
+          </a:effectRef>
+          <a:fontRef idx="minor">
+            <a:schemeClr val="tx1"/>
+          </a:fontRef>
+        </p:style>
+      </p:cxnSp>
+      <p:cxnSp>
+        <p:nvCxnSpPr>
+          <p:cNvPr id="53" name="Straight Arrow Connector 52"/>
+          <p:cNvCxnSpPr>
+            <a:cxnSpLocks/>
+            <a:stCxn id="43" idx="0"/>
+          </p:cNvCxnSpPr>
+          <p:nvPr/>
+        </p:nvCxnSpPr>
+        <p:spPr>
+          <a:xfrm flipH="1" flipV="1">
+            <a:off x="7214767" y="408575"/>
+            <a:ext cx="38100" cy="825076"/>
+          </a:xfrm>
+          <a:prstGeom prst="straightConnector1">
+            <a:avLst/>
+          </a:prstGeom>
+          <a:ln>
+            <a:tailEnd type="arrow"/>
+          </a:ln>
+        </p:spPr>
+        <p:style>
+          <a:lnRef idx="2">
+            <a:schemeClr val="accent1"/>
+          </a:lnRef>
+          <a:fillRef idx="0">
+            <a:schemeClr val="accent1"/>
+          </a:fillRef>
+          <a:effectRef idx="1">
+            <a:schemeClr val="accent1"/>
+          </a:effectRef>
+          <a:fontRef idx="minor">
+            <a:schemeClr val="tx1"/>
+          </a:fontRef>
+        </p:style>
+      </p:cxnSp>
+      <p:sp>
+        <p:nvSpPr>
+          <p:cNvPr id="55" name="Rectangle 54"/>
+          <p:cNvSpPr/>
+          <p:nvPr/>
+        </p:nvSpPr>
+        <p:spPr>
+          <a:xfrm>
+            <a:off x="228070" y="369042"/>
+            <a:ext cx="1402966" cy="643615"/>
+          </a:xfrm>
+          <a:prstGeom prst="rect">
+            <a:avLst/>
+          </a:prstGeom>
+        </p:spPr>
+        <p:style>
+          <a:lnRef idx="2">
+            <a:schemeClr val="accent1">
+              <a:shade val="50000"/>
+            </a:schemeClr>
+          </a:lnRef>
+          <a:fillRef idx="1">
+            <a:schemeClr val="accent1"/>
+          </a:fillRef>
+          <a:effectRef idx="0">
+            <a:schemeClr val="accent1"/>
+          </a:effectRef>
+          <a:fontRef idx="minor">
+            <a:schemeClr val="lt1"/>
+          </a:fontRef>
+        </p:style>
+        <p:txBody>
+          <a:bodyPr rtlCol="0" anchor="ctr"/>
+          <a:lstStyle/>
+          <a:p>
+            <a:pPr algn="ctr"/>
+            <a:r>
+              <a:rPr lang="en-US" dirty="0" err="1"/>
+              <a:t>x2</a:t>
+            </a:r>
+            <a:r>
+              <a:rPr lang="en-US" dirty="0"/>
+              <a:t> = </a:t>
+            </a:r>
+            <a:r>
+              <a:rPr lang="en-US" dirty="0" err="1"/>
+              <a:t>x1.left</a:t>
+            </a:r>
+            <a:endParaRPr lang="en-US" dirty="0"/>
+          </a:p>
+          <a:p>
+            <a:pPr algn="ctr"/>
+            <a:r>
+              <a:rPr lang="en-US" dirty="0" err="1"/>
+              <a:t>r2</a:t>
+            </a:r>
+            <a:r>
+              <a:rPr lang="en-US" dirty="0"/>
+              <a:t> = </a:t>
+            </a:r>
+            <a:r>
+              <a:rPr lang="en-US" dirty="0" err="1"/>
+              <a:t>x2.right</a:t>
+            </a:r>
+            <a:endParaRPr lang="en-US" dirty="0"/>
+          </a:p>
+        </p:txBody>
+      </p:sp>
+      <p:sp>
+        <p:nvSpPr>
+          <p:cNvPr id="56" name="Rectangle 55"/>
+          <p:cNvSpPr/>
+          <p:nvPr/>
+        </p:nvSpPr>
+        <p:spPr>
+          <a:xfrm>
+            <a:off x="7595767" y="467971"/>
+            <a:ext cx="1402966" cy="446430"/>
+          </a:xfrm>
+          <a:prstGeom prst="rect">
+            <a:avLst/>
+          </a:prstGeom>
+        </p:spPr>
+        <p:style>
+          <a:lnRef idx="2">
+            <a:schemeClr val="accent1">
+              <a:shade val="50000"/>
+            </a:schemeClr>
+          </a:lnRef>
+          <a:fillRef idx="1">
+            <a:schemeClr val="accent1"/>
+          </a:fillRef>
+          <a:effectRef idx="0">
+            <a:schemeClr val="accent1"/>
+          </a:effectRef>
+          <a:fontRef idx="minor">
+            <a:schemeClr val="lt1"/>
+          </a:fontRef>
+        </p:style>
+        <p:txBody>
+          <a:bodyPr rtlCol="0" anchor="ctr"/>
+          <a:lstStyle/>
+          <a:p>
+            <a:pPr algn="ctr"/>
+            <a:r>
+              <a:rPr lang="en-US" dirty="0" err="1"/>
+              <a:t>x1.left</a:t>
+            </a:r>
+            <a:r>
+              <a:rPr lang="en-US" dirty="0"/>
+              <a:t> = </a:t>
+            </a:r>
+            <a:r>
+              <a:rPr lang="en-US" dirty="0" err="1"/>
+              <a:t>r2</a:t>
+            </a:r>
+            <a:endParaRPr lang="en-US" dirty="0"/>
+          </a:p>
+        </p:txBody>
+      </p:sp>
+      <p:sp>
+        <p:nvSpPr>
+          <p:cNvPr id="57" name="Rectangle 56"/>
+          <p:cNvSpPr/>
+          <p:nvPr/>
+        </p:nvSpPr>
+        <p:spPr>
+          <a:xfrm>
+            <a:off x="6106300" y="3924884"/>
+            <a:ext cx="1402966" cy="446430"/>
+          </a:xfrm>
+          <a:prstGeom prst="rect">
+            <a:avLst/>
+          </a:prstGeom>
+        </p:spPr>
+        <p:style>
+          <a:lnRef idx="2">
+            <a:schemeClr val="accent1">
+              <a:shade val="50000"/>
+            </a:schemeClr>
+          </a:lnRef>
+          <a:fillRef idx="1">
+            <a:schemeClr val="accent1"/>
+          </a:fillRef>
+          <a:effectRef idx="0">
+            <a:schemeClr val="accent1"/>
+          </a:effectRef>
+          <a:fontRef idx="minor">
+            <a:schemeClr val="lt1"/>
+          </a:fontRef>
+        </p:style>
+        <p:txBody>
+          <a:bodyPr rtlCol="0" anchor="ctr"/>
+          <a:lstStyle/>
+          <a:p>
+            <a:pPr algn="ctr"/>
+            <a:r>
+              <a:rPr lang="en-US" dirty="0" err="1"/>
+              <a:t>x1.left</a:t>
+            </a:r>
+            <a:r>
+              <a:rPr lang="en-US" dirty="0"/>
+              <a:t> = </a:t>
+            </a:r>
+            <a:r>
+              <a:rPr lang="en-US" dirty="0" err="1"/>
+              <a:t>r2</a:t>
+            </a:r>
+            <a:endParaRPr lang="en-US" dirty="0"/>
+          </a:p>
+        </p:txBody>
+      </p:sp>
+      <p:sp>
+        <p:nvSpPr>
+          <p:cNvPr id="58" name="Rectangle 57"/>
+          <p:cNvSpPr/>
+          <p:nvPr/>
+        </p:nvSpPr>
+        <p:spPr>
+          <a:xfrm>
+            <a:off x="6605167" y="4801587"/>
+            <a:ext cx="2310233" cy="889359"/>
+          </a:xfrm>
+          <a:prstGeom prst="rect">
+            <a:avLst/>
+          </a:prstGeom>
+        </p:spPr>
+        <p:style>
+          <a:lnRef idx="2">
+            <a:schemeClr val="accent1">
+              <a:shade val="50000"/>
+            </a:schemeClr>
+          </a:lnRef>
+          <a:fillRef idx="1">
+            <a:schemeClr val="accent1"/>
+          </a:fillRef>
+          <a:effectRef idx="0">
+            <a:schemeClr val="accent1"/>
+          </a:effectRef>
+          <a:fontRef idx="minor">
+            <a:schemeClr val="lt1"/>
+          </a:fontRef>
+        </p:style>
+        <p:txBody>
+          <a:bodyPr rtlCol="0" anchor="ctr"/>
+          <a:lstStyle/>
+          <a:p>
+            <a:pPr algn="ctr"/>
+            <a:r>
+              <a:rPr lang="en-US" dirty="0" err="1"/>
+              <a:t>x2.parent</a:t>
+            </a:r>
+            <a:r>
+              <a:rPr lang="en-US" dirty="0"/>
+              <a:t> = </a:t>
+            </a:r>
+            <a:r>
+              <a:rPr lang="en-US" dirty="0" err="1"/>
+              <a:t>x1.parent</a:t>
+            </a:r>
+            <a:endParaRPr lang="en-US" dirty="0"/>
+          </a:p>
+          <a:p>
+            <a:pPr algn="ctr"/>
+            <a:r>
+              <a:rPr lang="en-US" dirty="0" err="1"/>
+              <a:t>X2.parent.child</a:t>
+            </a:r>
+            <a:r>
+              <a:rPr lang="en-US" dirty="0"/>
+              <a:t>=</a:t>
+            </a:r>
+            <a:r>
+              <a:rPr lang="en-US" dirty="0" err="1"/>
+              <a:t>x2</a:t>
+            </a:r>
+            <a:endParaRPr lang="en-US" dirty="0"/>
+          </a:p>
+          <a:p>
+            <a:pPr algn="ctr"/>
+            <a:r>
+              <a:rPr lang="en-US" dirty="0" err="1"/>
+              <a:t>X1.parent</a:t>
+            </a:r>
+            <a:r>
+              <a:rPr lang="en-US" dirty="0"/>
+              <a:t> = </a:t>
+            </a:r>
+            <a:r>
+              <a:rPr lang="en-US" dirty="0" err="1"/>
+              <a:t>x2</a:t>
+            </a:r>
+            <a:endParaRPr lang="en-US" dirty="0"/>
           </a:p>
         </p:txBody>
       </p:sp>
     </p:spTree>
     <p:extLst>
       <p:ext uri="{BB962C8B-B14F-4D97-AF65-F5344CB8AC3E}">
-        <p14:creationId xmlns:p14="http://schemas.microsoft.com/office/powerpoint/2010/main" val="3191683064"/>
+        <p14:creationId xmlns:p14="http://schemas.microsoft.com/office/powerpoint/2010/main" val="2853504949"/>
       </p:ext>
     </p:extLst>
   </p:cSld>
   <p:clrMapOvr>
     <a:masterClrMapping/>
   </p:clrMapOvr>
+  <p:timing>
+    <p:tnLst>
+      <p:par>
+        <p:cTn id="1" dur="indefinite" restart="never" nodeType="tmRoot">
+          <p:childTnLst>
+            <p:seq concurrent="1" nextAc="seek">
+              <p:cTn id="2" dur="indefinite" nodeType="mainSeq">
+                <p:childTnLst>
+                  <p:par>
+                    <p:cTn id="3" fill="hold">
+                      <p:stCondLst>
+                        <p:cond delay="indefinite"/>
+                      </p:stCondLst>
+                      <p:childTnLst>
+                        <p:par>
+                          <p:cTn id="4" fill="hold">
+                            <p:stCondLst>
+                              <p:cond delay="0"/>
+                            </p:stCondLst>
+                            <p:childTnLst>
+                              <p:par>
+                                <p:cTn id="5" presetID="2" presetClass="entr" presetSubtype="4" fill="hold" grpId="0" nodeType="clickEffect">
+                                  <p:stCondLst>
+                                    <p:cond delay="0"/>
+                                  </p:stCondLst>
+                                  <p:childTnLst>
+                                    <p:set>
+                                      <p:cBhvr>
+                                        <p:cTn id="6" dur="1" fill="hold">
+                                          <p:stCondLst>
+                                            <p:cond delay="0"/>
+                                          </p:stCondLst>
+                                        </p:cTn>
+                                        <p:tgtEl>
+                                          <p:spTgt spid="55"/>
+                                        </p:tgtEl>
+                                        <p:attrNameLst>
+                                          <p:attrName>style.visibility</p:attrName>
+                                        </p:attrNameLst>
+                                      </p:cBhvr>
+                                      <p:to>
+                                        <p:strVal val="visible"/>
+                                      </p:to>
+                                    </p:set>
+                                    <p:anim calcmode="lin" valueType="num">
+                                      <p:cBhvr additive="base">
+                                        <p:cTn id="7" dur="500" fill="hold"/>
+                                        <p:tgtEl>
+                                          <p:spTgt spid="55"/>
+                                        </p:tgtEl>
+                                        <p:attrNameLst>
+                                          <p:attrName>ppt_x</p:attrName>
+                                        </p:attrNameLst>
+                                      </p:cBhvr>
+                                      <p:tavLst>
+                                        <p:tav tm="0">
+                                          <p:val>
+                                            <p:strVal val="#ppt_x"/>
+                                          </p:val>
+                                        </p:tav>
+                                        <p:tav tm="100000">
+                                          <p:val>
+                                            <p:strVal val="#ppt_x"/>
+                                          </p:val>
+                                        </p:tav>
+                                      </p:tavLst>
+                                    </p:anim>
+                                    <p:anim calcmode="lin" valueType="num">
+                                      <p:cBhvr additive="base">
+                                        <p:cTn id="8" dur="500" fill="hold"/>
+                                        <p:tgtEl>
+                                          <p:spTgt spid="55"/>
+                                        </p:tgtEl>
+                                        <p:attrNameLst>
+                                          <p:attrName>ppt_y</p:attrName>
+                                        </p:attrNameLst>
+                                      </p:cBhvr>
+                                      <p:tavLst>
+                                        <p:tav tm="0">
+                                          <p:val>
+                                            <p:strVal val="1+#ppt_h/2"/>
+                                          </p:val>
+                                        </p:tav>
+                                        <p:tav tm="100000">
+                                          <p:val>
+                                            <p:strVal val="#ppt_y"/>
+                                          </p:val>
+                                        </p:tav>
+                                      </p:tavLst>
+                                    </p:anim>
+                                  </p:childTnLst>
+                                </p:cTn>
+                              </p:par>
+                            </p:childTnLst>
+                          </p:cTn>
+                        </p:par>
+                      </p:childTnLst>
+                    </p:cTn>
+                  </p:par>
+                  <p:par>
+                    <p:cTn id="9" fill="hold">
+                      <p:stCondLst>
+                        <p:cond delay="indefinite"/>
+                      </p:stCondLst>
+                      <p:childTnLst>
+                        <p:par>
+                          <p:cTn id="10" fill="hold">
+                            <p:stCondLst>
+                              <p:cond delay="0"/>
+                            </p:stCondLst>
+                            <p:childTnLst>
+                              <p:par>
+                                <p:cTn id="11" presetID="2" presetClass="entr" presetSubtype="4" fill="hold" grpId="0" nodeType="clickEffect">
+                                  <p:stCondLst>
+                                    <p:cond delay="0"/>
+                                  </p:stCondLst>
+                                  <p:childTnLst>
+                                    <p:set>
+                                      <p:cBhvr>
+                                        <p:cTn id="12" dur="1" fill="hold">
+                                          <p:stCondLst>
+                                            <p:cond delay="0"/>
+                                          </p:stCondLst>
+                                        </p:cTn>
+                                        <p:tgtEl>
+                                          <p:spTgt spid="56"/>
+                                        </p:tgtEl>
+                                        <p:attrNameLst>
+                                          <p:attrName>style.visibility</p:attrName>
+                                        </p:attrNameLst>
+                                      </p:cBhvr>
+                                      <p:to>
+                                        <p:strVal val="visible"/>
+                                      </p:to>
+                                    </p:set>
+                                    <p:anim calcmode="lin" valueType="num">
+                                      <p:cBhvr additive="base">
+                                        <p:cTn id="13" dur="500" fill="hold"/>
+                                        <p:tgtEl>
+                                          <p:spTgt spid="56"/>
+                                        </p:tgtEl>
+                                        <p:attrNameLst>
+                                          <p:attrName>ppt_x</p:attrName>
+                                        </p:attrNameLst>
+                                      </p:cBhvr>
+                                      <p:tavLst>
+                                        <p:tav tm="0">
+                                          <p:val>
+                                            <p:strVal val="#ppt_x"/>
+                                          </p:val>
+                                        </p:tav>
+                                        <p:tav tm="100000">
+                                          <p:val>
+                                            <p:strVal val="#ppt_x"/>
+                                          </p:val>
+                                        </p:tav>
+                                      </p:tavLst>
+                                    </p:anim>
+                                    <p:anim calcmode="lin" valueType="num">
+                                      <p:cBhvr additive="base">
+                                        <p:cTn id="14" dur="500" fill="hold"/>
+                                        <p:tgtEl>
+                                          <p:spTgt spid="56"/>
+                                        </p:tgtEl>
+                                        <p:attrNameLst>
+                                          <p:attrName>ppt_y</p:attrName>
+                                        </p:attrNameLst>
+                                      </p:cBhvr>
+                                      <p:tavLst>
+                                        <p:tav tm="0">
+                                          <p:val>
+                                            <p:strVal val="1+#ppt_h/2"/>
+                                          </p:val>
+                                        </p:tav>
+                                        <p:tav tm="100000">
+                                          <p:val>
+                                            <p:strVal val="#ppt_y"/>
+                                          </p:val>
+                                        </p:tav>
+                                      </p:tavLst>
+                                    </p:anim>
+                                  </p:childTnLst>
+                                </p:cTn>
+                              </p:par>
+                            </p:childTnLst>
+                          </p:cTn>
+                        </p:par>
+                      </p:childTnLst>
+                    </p:cTn>
+                  </p:par>
+                  <p:par>
+                    <p:cTn id="15" fill="hold">
+                      <p:stCondLst>
+                        <p:cond delay="indefinite"/>
+                      </p:stCondLst>
+                      <p:childTnLst>
+                        <p:par>
+                          <p:cTn id="16" fill="hold">
+                            <p:stCondLst>
+                              <p:cond delay="0"/>
+                            </p:stCondLst>
+                            <p:childTnLst>
+                              <p:par>
+                                <p:cTn id="17" presetID="2" presetClass="entr" presetSubtype="4" fill="hold" grpId="0" nodeType="clickEffect">
+                                  <p:stCondLst>
+                                    <p:cond delay="0"/>
+                                  </p:stCondLst>
+                                  <p:childTnLst>
+                                    <p:set>
+                                      <p:cBhvr>
+                                        <p:cTn id="18" dur="1" fill="hold">
+                                          <p:stCondLst>
+                                            <p:cond delay="0"/>
+                                          </p:stCondLst>
+                                        </p:cTn>
+                                        <p:tgtEl>
+                                          <p:spTgt spid="57"/>
+                                        </p:tgtEl>
+                                        <p:attrNameLst>
+                                          <p:attrName>style.visibility</p:attrName>
+                                        </p:attrNameLst>
+                                      </p:cBhvr>
+                                      <p:to>
+                                        <p:strVal val="visible"/>
+                                      </p:to>
+                                    </p:set>
+                                    <p:anim calcmode="lin" valueType="num">
+                                      <p:cBhvr additive="base">
+                                        <p:cTn id="19" dur="500" fill="hold"/>
+                                        <p:tgtEl>
+                                          <p:spTgt spid="57"/>
+                                        </p:tgtEl>
+                                        <p:attrNameLst>
+                                          <p:attrName>ppt_x</p:attrName>
+                                        </p:attrNameLst>
+                                      </p:cBhvr>
+                                      <p:tavLst>
+                                        <p:tav tm="0">
+                                          <p:val>
+                                            <p:strVal val="#ppt_x"/>
+                                          </p:val>
+                                        </p:tav>
+                                        <p:tav tm="100000">
+                                          <p:val>
+                                            <p:strVal val="#ppt_x"/>
+                                          </p:val>
+                                        </p:tav>
+                                      </p:tavLst>
+                                    </p:anim>
+                                    <p:anim calcmode="lin" valueType="num">
+                                      <p:cBhvr additive="base">
+                                        <p:cTn id="20" dur="500" fill="hold"/>
+                                        <p:tgtEl>
+                                          <p:spTgt spid="57"/>
+                                        </p:tgtEl>
+                                        <p:attrNameLst>
+                                          <p:attrName>ppt_y</p:attrName>
+                                        </p:attrNameLst>
+                                      </p:cBhvr>
+                                      <p:tavLst>
+                                        <p:tav tm="0">
+                                          <p:val>
+                                            <p:strVal val="1+#ppt_h/2"/>
+                                          </p:val>
+                                        </p:tav>
+                                        <p:tav tm="100000">
+                                          <p:val>
+                                            <p:strVal val="#ppt_y"/>
+                                          </p:val>
+                                        </p:tav>
+                                      </p:tavLst>
+                                    </p:anim>
+                                  </p:childTnLst>
+                                </p:cTn>
+                              </p:par>
+                            </p:childTnLst>
+                          </p:cTn>
+                        </p:par>
+                      </p:childTnLst>
+                    </p:cTn>
+                  </p:par>
+                  <p:par>
+                    <p:cTn id="21" fill="hold">
+                      <p:stCondLst>
+                        <p:cond delay="indefinite"/>
+                      </p:stCondLst>
+                      <p:childTnLst>
+                        <p:par>
+                          <p:cTn id="22" fill="hold">
+                            <p:stCondLst>
+                              <p:cond delay="0"/>
+                            </p:stCondLst>
+                            <p:childTnLst>
+                              <p:par>
+                                <p:cTn id="23" presetID="2" presetClass="entr" presetSubtype="4" fill="hold" grpId="0" nodeType="clickEffect">
+                                  <p:stCondLst>
+                                    <p:cond delay="0"/>
+                                  </p:stCondLst>
+                                  <p:childTnLst>
+                                    <p:set>
+                                      <p:cBhvr>
+                                        <p:cTn id="24" dur="1" fill="hold">
+                                          <p:stCondLst>
+                                            <p:cond delay="0"/>
+                                          </p:stCondLst>
+                                        </p:cTn>
+                                        <p:tgtEl>
+                                          <p:spTgt spid="58"/>
+                                        </p:tgtEl>
+                                        <p:attrNameLst>
+                                          <p:attrName>style.visibility</p:attrName>
+                                        </p:attrNameLst>
+                                      </p:cBhvr>
+                                      <p:to>
+                                        <p:strVal val="visible"/>
+                                      </p:to>
+                                    </p:set>
+                                    <p:anim calcmode="lin" valueType="num">
+                                      <p:cBhvr additive="base">
+                                        <p:cTn id="25" dur="500" fill="hold"/>
+                                        <p:tgtEl>
+                                          <p:spTgt spid="58"/>
+                                        </p:tgtEl>
+                                        <p:attrNameLst>
+                                          <p:attrName>ppt_x</p:attrName>
+                                        </p:attrNameLst>
+                                      </p:cBhvr>
+                                      <p:tavLst>
+                                        <p:tav tm="0">
+                                          <p:val>
+                                            <p:strVal val="#ppt_x"/>
+                                          </p:val>
+                                        </p:tav>
+                                        <p:tav tm="100000">
+                                          <p:val>
+                                            <p:strVal val="#ppt_x"/>
+                                          </p:val>
+                                        </p:tav>
+                                      </p:tavLst>
+                                    </p:anim>
+                                    <p:anim calcmode="lin" valueType="num">
+                                      <p:cBhvr additive="base">
+                                        <p:cTn id="26" dur="500" fill="hold"/>
+                                        <p:tgtEl>
+                                          <p:spTgt spid="58"/>
+                                        </p:tgtEl>
+                                        <p:attrNameLst>
+                                          <p:attrName>ppt_y</p:attrName>
+                                        </p:attrNameLst>
+                                      </p:cBhvr>
+                                      <p:tavLst>
+                                        <p:tav tm="0">
+                                          <p:val>
+                                            <p:strVal val="1+#ppt_h/2"/>
+                                          </p:val>
+                                        </p:tav>
+                                        <p:tav tm="100000">
+                                          <p:val>
+                                            <p:strVal val="#ppt_y"/>
+                                          </p:val>
+                                        </p:tav>
+                                      </p:tavLst>
+                                    </p:anim>
+                                  </p:childTnLst>
+                                </p:cTn>
+                              </p:par>
+                            </p:childTnLst>
+                          </p:cTn>
+                        </p:par>
+                      </p:childTnLst>
+                    </p:cTn>
+                  </p:par>
+                </p:childTnLst>
+              </p:cTn>
+              <p:prevCondLst>
+                <p:cond evt="onPrev" delay="0">
+                  <p:tgtEl>
+                    <p:sldTgt/>
+                  </p:tgtEl>
+                </p:cond>
+              </p:prevCondLst>
+              <p:nextCondLst>
+                <p:cond evt="onNext" delay="0">
+                  <p:tgtEl>
+                    <p:sldTgt/>
+                  </p:tgtEl>
+                </p:cond>
+              </p:nextCondLst>
+            </p:seq>
+          </p:childTnLst>
+        </p:cTn>
+      </p:par>
+    </p:tnLst>
+    <p:bldLst>
+      <p:bldP spid="55" grpId="0" animBg="1"/>
+      <p:bldP spid="56" grpId="0" animBg="1"/>
+      <p:bldP spid="57" grpId="0" animBg="1"/>
+      <p:bldP spid="58" grpId="0" animBg="1"/>
+    </p:bldLst>
+  </p:timing>
 </p:sld>
 </file>
 
@@ -24991,7 +26894,7 @@
       </p:grpSpPr>
       <p:sp>
         <p:nvSpPr>
-          <p:cNvPr id="2" name="Title 1"/>
+          <p:cNvPr id="4" name="Title 3"/>
           <p:cNvSpPr>
             <a:spLocks noGrp="1"/>
           </p:cNvSpPr>
@@ -25013,438 +26916,27 @@
       </p:sp>
       <p:sp>
         <p:nvSpPr>
-          <p:cNvPr id="4" name="Oval 3"/>
-          <p:cNvSpPr/>
-          <p:nvPr/>
-        </p:nvSpPr>
-        <p:spPr>
-          <a:xfrm>
-            <a:off x="1066800" y="1600200"/>
-            <a:ext cx="685800" cy="685800"/>
-          </a:xfrm>
-          <a:prstGeom prst="ellipse">
-            <a:avLst/>
-          </a:prstGeom>
-        </p:spPr>
-        <p:style>
-          <a:lnRef idx="2">
-            <a:schemeClr val="accent2">
-              <a:shade val="50000"/>
-            </a:schemeClr>
-          </a:lnRef>
-          <a:fillRef idx="1">
-            <a:schemeClr val="accent2"/>
-          </a:fillRef>
-          <a:effectRef idx="0">
-            <a:schemeClr val="accent2"/>
-          </a:effectRef>
-          <a:fontRef idx="minor">
-            <a:schemeClr val="lt1"/>
-          </a:fontRef>
-        </p:style>
-        <p:txBody>
-          <a:bodyPr rtlCol="0" anchor="ctr"/>
-          <a:lstStyle/>
-          <a:p>
-            <a:pPr algn="ctr"/>
-            <a:r>
-              <a:rPr lang="en-US" dirty="0"/>
-              <a:t>Gr</a:t>
-            </a:r>
-          </a:p>
-        </p:txBody>
-      </p:sp>
-      <p:sp>
-        <p:nvSpPr>
-          <p:cNvPr id="5" name="Oval 4"/>
-          <p:cNvSpPr/>
-          <p:nvPr/>
-        </p:nvSpPr>
-        <p:spPr>
-          <a:xfrm>
-            <a:off x="3352800" y="3429000"/>
-            <a:ext cx="685800" cy="685800"/>
-          </a:xfrm>
-          <a:prstGeom prst="ellipse">
-            <a:avLst/>
-          </a:prstGeom>
-        </p:spPr>
-        <p:style>
-          <a:lnRef idx="2">
-            <a:schemeClr val="accent2">
-              <a:shade val="50000"/>
-            </a:schemeClr>
-          </a:lnRef>
-          <a:fillRef idx="1">
-            <a:schemeClr val="accent2"/>
-          </a:fillRef>
-          <a:effectRef idx="0">
-            <a:schemeClr val="accent2"/>
-          </a:effectRef>
-          <a:fontRef idx="minor">
-            <a:schemeClr val="lt1"/>
-          </a:fontRef>
-        </p:style>
-        <p:txBody>
-          <a:bodyPr rtlCol="0" anchor="ctr"/>
-          <a:lstStyle/>
-          <a:p>
-            <a:pPr algn="ctr"/>
-            <a:r>
-              <a:rPr lang="en-US" dirty="0" err="1"/>
-              <a:t>Pr</a:t>
-            </a:r>
-            <a:endParaRPr lang="en-US" dirty="0"/>
-          </a:p>
-        </p:txBody>
-      </p:sp>
-      <p:sp>
-        <p:nvSpPr>
-          <p:cNvPr id="6" name="Oval 5"/>
-          <p:cNvSpPr/>
-          <p:nvPr/>
-        </p:nvSpPr>
-        <p:spPr>
-          <a:xfrm>
-            <a:off x="1600200" y="2971800"/>
-            <a:ext cx="685800" cy="685800"/>
-          </a:xfrm>
-          <a:prstGeom prst="ellipse">
-            <a:avLst/>
-          </a:prstGeom>
-        </p:spPr>
-        <p:style>
-          <a:lnRef idx="2">
-            <a:schemeClr val="accent2">
-              <a:shade val="50000"/>
-            </a:schemeClr>
-          </a:lnRef>
-          <a:fillRef idx="1">
-            <a:schemeClr val="accent2"/>
-          </a:fillRef>
-          <a:effectRef idx="0">
-            <a:schemeClr val="accent2"/>
-          </a:effectRef>
-          <a:fontRef idx="minor">
-            <a:schemeClr val="lt1"/>
-          </a:fontRef>
-        </p:style>
-        <p:txBody>
-          <a:bodyPr rtlCol="0" anchor="ctr"/>
-          <a:lstStyle/>
-          <a:p>
-            <a:pPr algn="ctr"/>
-            <a:r>
-              <a:rPr lang="en-US" dirty="0" err="1"/>
-              <a:t>Ch</a:t>
-            </a:r>
-            <a:endParaRPr lang="en-US" dirty="0"/>
-          </a:p>
-        </p:txBody>
-      </p:sp>
-      <p:sp>
-        <p:nvSpPr>
-          <p:cNvPr id="7" name="Oval 6"/>
-          <p:cNvSpPr/>
-          <p:nvPr/>
-        </p:nvSpPr>
-        <p:spPr>
-          <a:xfrm>
-            <a:off x="914400" y="4038600"/>
-            <a:ext cx="685800" cy="685800"/>
-          </a:xfrm>
-          <a:prstGeom prst="ellipse">
-            <a:avLst/>
-          </a:prstGeom>
-        </p:spPr>
-        <p:style>
-          <a:lnRef idx="1">
-            <a:schemeClr val="accent1"/>
-          </a:lnRef>
-          <a:fillRef idx="3">
-            <a:schemeClr val="accent1"/>
-          </a:fillRef>
-          <a:effectRef idx="2">
-            <a:schemeClr val="accent1"/>
-          </a:effectRef>
-          <a:fontRef idx="minor">
-            <a:schemeClr val="lt1"/>
-          </a:fontRef>
-        </p:style>
-        <p:txBody>
-          <a:bodyPr rtlCol="0" anchor="ctr"/>
-          <a:lstStyle/>
-          <a:p>
-            <a:pPr algn="ctr"/>
-            <a:r>
-              <a:rPr lang="en-US" dirty="0"/>
-              <a:t>P</a:t>
-            </a:r>
-          </a:p>
-        </p:txBody>
-      </p:sp>
-      <p:sp>
-        <p:nvSpPr>
-          <p:cNvPr id="8" name="Oval 7"/>
-          <p:cNvSpPr/>
-          <p:nvPr/>
-        </p:nvSpPr>
-        <p:spPr>
-          <a:xfrm>
-            <a:off x="2743200" y="4800600"/>
-            <a:ext cx="685800" cy="685800"/>
-          </a:xfrm>
-          <a:prstGeom prst="ellipse">
-            <a:avLst/>
-          </a:prstGeom>
-        </p:spPr>
-        <p:style>
-          <a:lnRef idx="1">
-            <a:schemeClr val="accent1"/>
-          </a:lnRef>
-          <a:fillRef idx="3">
-            <a:schemeClr val="accent1"/>
-          </a:fillRef>
-          <a:effectRef idx="2">
-            <a:schemeClr val="accent1"/>
-          </a:effectRef>
-          <a:fontRef idx="minor">
-            <a:schemeClr val="lt1"/>
-          </a:fontRef>
-        </p:style>
-        <p:txBody>
-          <a:bodyPr rtlCol="0" anchor="ctr"/>
-          <a:lstStyle/>
-          <a:p>
-            <a:pPr algn="ctr"/>
-            <a:r>
-              <a:rPr lang="en-US" dirty="0"/>
-              <a:t>Q</a:t>
-            </a:r>
-          </a:p>
-        </p:txBody>
-      </p:sp>
-      <p:sp>
-        <p:nvSpPr>
-          <p:cNvPr id="9" name="Oval 8"/>
-          <p:cNvSpPr/>
-          <p:nvPr/>
-        </p:nvSpPr>
-        <p:spPr>
-          <a:xfrm>
-            <a:off x="4419600" y="4648200"/>
-            <a:ext cx="685800" cy="685800"/>
-          </a:xfrm>
-          <a:prstGeom prst="ellipse">
-            <a:avLst/>
-          </a:prstGeom>
-        </p:spPr>
-        <p:style>
-          <a:lnRef idx="1">
-            <a:schemeClr val="accent1"/>
-          </a:lnRef>
-          <a:fillRef idx="3">
-            <a:schemeClr val="accent1"/>
-          </a:fillRef>
-          <a:effectRef idx="2">
-            <a:schemeClr val="accent1"/>
-          </a:effectRef>
-          <a:fontRef idx="minor">
-            <a:schemeClr val="lt1"/>
-          </a:fontRef>
-        </p:style>
-        <p:txBody>
-          <a:bodyPr rtlCol="0" anchor="ctr"/>
-          <a:lstStyle/>
-          <a:p>
-            <a:pPr algn="ctr"/>
-            <a:r>
-              <a:rPr lang="en-US" dirty="0"/>
-              <a:t>R</a:t>
-            </a:r>
-          </a:p>
-        </p:txBody>
-      </p:sp>
-      <p:cxnSp>
-        <p:nvCxnSpPr>
-          <p:cNvPr id="11" name="Straight Arrow Connector 10"/>
-          <p:cNvCxnSpPr>
-            <a:stCxn id="4" idx="5"/>
-            <a:endCxn id="6" idx="0"/>
-          </p:cNvCxnSpPr>
-          <p:nvPr/>
-        </p:nvCxnSpPr>
-        <p:spPr>
-          <a:xfrm>
-            <a:off x="1652167" y="2185567"/>
-            <a:ext cx="290933" cy="786233"/>
-          </a:xfrm>
-          <a:prstGeom prst="straightConnector1">
-            <a:avLst/>
-          </a:prstGeom>
-          <a:ln>
-            <a:tailEnd type="arrow"/>
-          </a:ln>
-        </p:spPr>
-        <p:style>
-          <a:lnRef idx="2">
-            <a:schemeClr val="accent1"/>
-          </a:lnRef>
-          <a:fillRef idx="0">
-            <a:schemeClr val="accent1"/>
-          </a:fillRef>
-          <a:effectRef idx="1">
-            <a:schemeClr val="accent1"/>
-          </a:effectRef>
-          <a:fontRef idx="minor">
-            <a:schemeClr val="tx1"/>
-          </a:fontRef>
-        </p:style>
-      </p:cxnSp>
-      <p:cxnSp>
-        <p:nvCxnSpPr>
-          <p:cNvPr id="17" name="Straight Arrow Connector 16"/>
-          <p:cNvCxnSpPr>
-            <a:stCxn id="6" idx="3"/>
-            <a:endCxn id="7" idx="7"/>
-          </p:cNvCxnSpPr>
-          <p:nvPr/>
-        </p:nvCxnSpPr>
-        <p:spPr>
-          <a:xfrm flipH="1">
-            <a:off x="1499767" y="3557167"/>
-            <a:ext cx="200866" cy="581866"/>
-          </a:xfrm>
-          <a:prstGeom prst="straightConnector1">
-            <a:avLst/>
-          </a:prstGeom>
-          <a:ln>
-            <a:tailEnd type="arrow"/>
-          </a:ln>
-        </p:spPr>
-        <p:style>
-          <a:lnRef idx="2">
-            <a:schemeClr val="accent1"/>
-          </a:lnRef>
-          <a:fillRef idx="0">
-            <a:schemeClr val="accent1"/>
-          </a:fillRef>
-          <a:effectRef idx="1">
-            <a:schemeClr val="accent1"/>
-          </a:effectRef>
-          <a:fontRef idx="minor">
-            <a:schemeClr val="tx1"/>
-          </a:fontRef>
-        </p:style>
-      </p:cxnSp>
-      <p:cxnSp>
-        <p:nvCxnSpPr>
-          <p:cNvPr id="20" name="Straight Arrow Connector 19"/>
-          <p:cNvCxnSpPr>
-            <a:stCxn id="5" idx="3"/>
-          </p:cNvCxnSpPr>
-          <p:nvPr/>
-        </p:nvCxnSpPr>
-        <p:spPr>
-          <a:xfrm flipH="1">
-            <a:off x="3048000" y="4014367"/>
-            <a:ext cx="405233" cy="786233"/>
-          </a:xfrm>
-          <a:prstGeom prst="straightConnector1">
-            <a:avLst/>
-          </a:prstGeom>
-          <a:ln>
-            <a:tailEnd type="arrow"/>
-          </a:ln>
-        </p:spPr>
-        <p:style>
-          <a:lnRef idx="2">
-            <a:schemeClr val="accent1"/>
-          </a:lnRef>
-          <a:fillRef idx="0">
-            <a:schemeClr val="accent1"/>
-          </a:fillRef>
-          <a:effectRef idx="1">
-            <a:schemeClr val="accent1"/>
-          </a:effectRef>
-          <a:fontRef idx="minor">
-            <a:schemeClr val="tx1"/>
-          </a:fontRef>
-        </p:style>
-      </p:cxnSp>
-      <p:cxnSp>
-        <p:nvCxnSpPr>
-          <p:cNvPr id="23" name="Straight Arrow Connector 22"/>
-          <p:cNvCxnSpPr>
-            <a:stCxn id="5" idx="5"/>
-            <a:endCxn id="9" idx="1"/>
-          </p:cNvCxnSpPr>
-          <p:nvPr/>
-        </p:nvCxnSpPr>
-        <p:spPr>
-          <a:xfrm>
-            <a:off x="3938167" y="4014367"/>
-            <a:ext cx="581866" cy="734266"/>
-          </a:xfrm>
-          <a:prstGeom prst="straightConnector1">
-            <a:avLst/>
-          </a:prstGeom>
-          <a:ln>
-            <a:tailEnd type="arrow"/>
-          </a:ln>
-        </p:spPr>
-        <p:style>
-          <a:lnRef idx="2">
-            <a:schemeClr val="accent1"/>
-          </a:lnRef>
-          <a:fillRef idx="0">
-            <a:schemeClr val="accent1"/>
-          </a:fillRef>
-          <a:effectRef idx="1">
-            <a:schemeClr val="accent1"/>
-          </a:effectRef>
-          <a:fontRef idx="minor">
-            <a:schemeClr val="tx1"/>
-          </a:fontRef>
-        </p:style>
-      </p:cxnSp>
-      <p:cxnSp>
-        <p:nvCxnSpPr>
-          <p:cNvPr id="14" name="Straight Arrow Connector 13"/>
-          <p:cNvCxnSpPr/>
-          <p:nvPr/>
-        </p:nvCxnSpPr>
-        <p:spPr>
-          <a:xfrm>
-            <a:off x="2286000" y="3314700"/>
-            <a:ext cx="1066800" cy="457200"/>
-          </a:xfrm>
-          <a:prstGeom prst="straightConnector1">
-            <a:avLst/>
-          </a:prstGeom>
-          <a:ln>
-            <a:tailEnd type="arrow"/>
-          </a:ln>
-        </p:spPr>
-        <p:style>
-          <a:lnRef idx="2">
-            <a:schemeClr val="accent1"/>
-          </a:lnRef>
-          <a:fillRef idx="0">
-            <a:schemeClr val="accent1"/>
-          </a:fillRef>
-          <a:effectRef idx="1">
-            <a:schemeClr val="accent1"/>
-          </a:effectRef>
-          <a:fontRef idx="minor">
-            <a:schemeClr val="tx1"/>
-          </a:fontRef>
-        </p:style>
-      </p:cxnSp>
+          <p:cNvPr id="5" name="Text Placeholder 4"/>
+          <p:cNvSpPr>
+            <a:spLocks noGrp="1"/>
+          </p:cNvSpPr>
+          <p:nvPr>
+            <p:ph type="body" idx="1"/>
+          </p:nvPr>
+        </p:nvSpPr>
+        <p:spPr/>
+        <p:txBody>
+          <a:bodyPr/>
+          <a:lstStyle/>
+          <a:p>
+            <a:endParaRPr lang="en-US"/>
+          </a:p>
+        </p:txBody>
+      </p:sp>
     </p:spTree>
     <p:extLst>
       <p:ext uri="{BB962C8B-B14F-4D97-AF65-F5344CB8AC3E}">
-        <p14:creationId xmlns:p14="http://schemas.microsoft.com/office/powerpoint/2010/main" val="731183271"/>
+        <p14:creationId xmlns:p14="http://schemas.microsoft.com/office/powerpoint/2010/main" val="3191683064"/>
       </p:ext>
     </p:extLst>
   </p:cSld>
@@ -25890,68 +27382,9 @@
           </a:fontRef>
         </p:style>
       </p:cxnSp>
-      <p:sp>
-        <p:nvSpPr>
-          <p:cNvPr id="3" name="TextBox 2"/>
-          <p:cNvSpPr txBox="1"/>
-          <p:nvPr/>
-        </p:nvSpPr>
-        <p:spPr>
-          <a:xfrm>
-            <a:off x="5105400" y="1524000"/>
-            <a:ext cx="2895600" cy="1200329"/>
-          </a:xfrm>
-          <a:prstGeom prst="rect">
-            <a:avLst/>
-          </a:prstGeom>
-          <a:noFill/>
-        </p:spPr>
-        <p:txBody>
-          <a:bodyPr wrap="square" rtlCol="0">
-            <a:spAutoFit/>
-          </a:bodyPr>
-          <a:lstStyle/>
-          <a:p>
-            <a:r>
-              <a:rPr lang="en-US" dirty="0"/>
-              <a:t>Q: is qualified to be right child of Ch.</a:t>
-            </a:r>
-          </a:p>
-          <a:p>
-            <a:pPr marL="285750" indent="-285750">
-              <a:buFontTx/>
-              <a:buChar char="-"/>
-            </a:pPr>
-            <a:r>
-              <a:rPr lang="en-US" dirty="0"/>
-              <a:t>Q &gt; </a:t>
-            </a:r>
-            <a:r>
-              <a:rPr lang="en-US" dirty="0" err="1"/>
-              <a:t>Ch</a:t>
-            </a:r>
-            <a:endParaRPr lang="en-US" dirty="0"/>
-          </a:p>
-          <a:p>
-            <a:pPr marL="285750" indent="-285750">
-              <a:buFontTx/>
-              <a:buChar char="-"/>
-            </a:pPr>
-            <a:r>
-              <a:rPr lang="en-US" dirty="0"/>
-              <a:t>Q &lt; </a:t>
-            </a:r>
-            <a:r>
-              <a:rPr lang="en-US" dirty="0" err="1"/>
-              <a:t>Pr</a:t>
-            </a:r>
-            <a:endParaRPr lang="en-US" dirty="0"/>
-          </a:p>
-        </p:txBody>
-      </p:sp>
       <p:cxnSp>
         <p:nvCxnSpPr>
-          <p:cNvPr id="15" name="Straight Arrow Connector 14"/>
+          <p:cNvPr id="14" name="Straight Arrow Connector 13"/>
           <p:cNvCxnSpPr/>
           <p:nvPr/>
         </p:nvCxnSpPr>
@@ -25985,7 +27418,7 @@
     </p:spTree>
     <p:extLst>
       <p:ext uri="{BB962C8B-B14F-4D97-AF65-F5344CB8AC3E}">
-        <p14:creationId xmlns:p14="http://schemas.microsoft.com/office/powerpoint/2010/main" val="1960301785"/>
+        <p14:creationId xmlns:p14="http://schemas.microsoft.com/office/powerpoint/2010/main" val="731183271"/>
       </p:ext>
     </p:extLst>
   </p:cSld>
@@ -26255,7 +27688,7 @@
         </p:nvSpPr>
         <p:spPr>
           <a:xfrm>
-            <a:off x="4495800" y="4724400"/>
+            <a:off x="4419600" y="4648200"/>
             <a:ext cx="685800" cy="685800"/>
           </a:xfrm>
           <a:prstGeom prst="ellipse">
@@ -26363,13 +27796,15 @@
       <p:cxnSp>
         <p:nvCxnSpPr>
           <p:cNvPr id="20" name="Straight Arrow Connector 19"/>
-          <p:cNvCxnSpPr/>
+          <p:cNvCxnSpPr>
+            <a:stCxn id="5" idx="3"/>
+          </p:cNvCxnSpPr>
           <p:nvPr/>
         </p:nvCxnSpPr>
         <p:spPr>
           <a:xfrm flipH="1">
-            <a:off x="3048000" y="4114800"/>
-            <a:ext cx="152400" cy="685800"/>
+            <a:off x="3048000" y="4014367"/>
+            <a:ext cx="405233" cy="786233"/>
           </a:xfrm>
           <a:prstGeom prst="straightConnector1">
             <a:avLst/>
@@ -26405,7 +27840,7 @@
         <p:spPr>
           <a:xfrm>
             <a:off x="3938167" y="4014367"/>
-            <a:ext cx="658066" cy="810466"/>
+            <a:ext cx="581866" cy="734266"/>
           </a:xfrm>
           <a:prstGeom prst="straightConnector1">
             <a:avLst/>
@@ -26429,9 +27864,68 @@
           </a:fontRef>
         </p:style>
       </p:cxnSp>
+      <p:sp>
+        <p:nvSpPr>
+          <p:cNvPr id="3" name="TextBox 2"/>
+          <p:cNvSpPr txBox="1"/>
+          <p:nvPr/>
+        </p:nvSpPr>
+        <p:spPr>
+          <a:xfrm>
+            <a:off x="5105400" y="1524000"/>
+            <a:ext cx="2895600" cy="1200329"/>
+          </a:xfrm>
+          <a:prstGeom prst="rect">
+            <a:avLst/>
+          </a:prstGeom>
+          <a:noFill/>
+        </p:spPr>
+        <p:txBody>
+          <a:bodyPr wrap="square" rtlCol="0">
+            <a:spAutoFit/>
+          </a:bodyPr>
+          <a:lstStyle/>
+          <a:p>
+            <a:r>
+              <a:rPr lang="en-US" dirty="0"/>
+              <a:t>Q: is qualified to be right child of Ch.</a:t>
+            </a:r>
+          </a:p>
+          <a:p>
+            <a:pPr marL="285750" indent="-285750">
+              <a:buFontTx/>
+              <a:buChar char="-"/>
+            </a:pPr>
+            <a:r>
+              <a:rPr lang="en-US" dirty="0"/>
+              <a:t>Q &gt; </a:t>
+            </a:r>
+            <a:r>
+              <a:rPr lang="en-US" dirty="0" err="1"/>
+              <a:t>Ch</a:t>
+            </a:r>
+            <a:endParaRPr lang="en-US" dirty="0"/>
+          </a:p>
+          <a:p>
+            <a:pPr marL="285750" indent="-285750">
+              <a:buFontTx/>
+              <a:buChar char="-"/>
+            </a:pPr>
+            <a:r>
+              <a:rPr lang="en-US" dirty="0"/>
+              <a:t>Q &lt; </a:t>
+            </a:r>
+            <a:r>
+              <a:rPr lang="en-US" dirty="0" err="1"/>
+              <a:t>Pr</a:t>
+            </a:r>
+            <a:endParaRPr lang="en-US" dirty="0"/>
+          </a:p>
+        </p:txBody>
+      </p:sp>
       <p:cxnSp>
         <p:nvCxnSpPr>
-          <p:cNvPr id="14" name="Straight Arrow Connector 13"/>
+          <p:cNvPr id="15" name="Straight Arrow Connector 14"/>
           <p:cNvCxnSpPr/>
           <p:nvPr/>
         </p:nvCxnSpPr>
@@ -26465,7 +27959,7 @@
     </p:spTree>
     <p:extLst>
       <p:ext uri="{BB962C8B-B14F-4D97-AF65-F5344CB8AC3E}">
-        <p14:creationId xmlns:p14="http://schemas.microsoft.com/office/powerpoint/2010/main" val="843004966"/>
+        <p14:creationId xmlns:p14="http://schemas.microsoft.com/office/powerpoint/2010/main" val="1960301785"/>
       </p:ext>
     </p:extLst>
   </p:cSld>
@@ -26694,7 +28188,7 @@
         </p:nvSpPr>
         <p:spPr>
           <a:xfrm>
-            <a:off x="2286000" y="4343400"/>
+            <a:off x="2743200" y="4800600"/>
             <a:ext cx="685800" cy="685800"/>
           </a:xfrm>
           <a:prstGeom prst="ellipse">
@@ -26847,9 +28341,9 @@
           <p:nvPr/>
         </p:nvCxnSpPr>
         <p:spPr>
-          <a:xfrm>
-            <a:off x="2147467" y="3861967"/>
-            <a:ext cx="443333" cy="481433"/>
+          <a:xfrm flipH="1">
+            <a:off x="3048000" y="4114800"/>
+            <a:ext cx="152400" cy="685800"/>
           </a:xfrm>
           <a:prstGeom prst="straightConnector1">
             <a:avLst/>
@@ -26945,7 +28439,7 @@
     </p:spTree>
     <p:extLst>
       <p:ext uri="{BB962C8B-B14F-4D97-AF65-F5344CB8AC3E}">
-        <p14:creationId xmlns:p14="http://schemas.microsoft.com/office/powerpoint/2010/main" val="3463917721"/>
+        <p14:creationId xmlns:p14="http://schemas.microsoft.com/office/powerpoint/2010/main" val="843004966"/>
       </p:ext>
     </p:extLst>
   </p:cSld>
@@ -27174,7 +28668,7 @@
         </p:nvSpPr>
         <p:spPr>
           <a:xfrm>
-            <a:off x="2286000" y="4038600"/>
+            <a:off x="2286000" y="4343400"/>
             <a:ext cx="685800" cy="685800"/>
           </a:xfrm>
           <a:prstGeom prst="ellipse">
@@ -27328,7 +28822,7 @@
         </p:nvCxnSpPr>
         <p:spPr>
           <a:xfrm>
-            <a:off x="2147467" y="3557167"/>
+            <a:off x="2147467" y="3861967"/>
             <a:ext cx="443333" cy="481433"/>
           </a:xfrm>
           <a:prstGeom prst="straightConnector1">
@@ -27425,7 +28919,7 @@
     </p:spTree>
     <p:extLst>
       <p:ext uri="{BB962C8B-B14F-4D97-AF65-F5344CB8AC3E}">
-        <p14:creationId xmlns:p14="http://schemas.microsoft.com/office/powerpoint/2010/main" val="2065850518"/>
+        <p14:creationId xmlns:p14="http://schemas.microsoft.com/office/powerpoint/2010/main" val="3463917721"/>
       </p:ext>
     </p:extLst>
   </p:cSld>
@@ -27569,7 +29063,7 @@
         </p:nvSpPr>
         <p:spPr>
           <a:xfrm>
-            <a:off x="1447800" y="3124200"/>
+            <a:off x="1600200" y="2971800"/>
             <a:ext cx="685800" cy="685800"/>
           </a:xfrm>
           <a:prstGeom prst="ellipse">
@@ -27613,7 +29107,7 @@
         </p:nvSpPr>
         <p:spPr>
           <a:xfrm>
-            <a:off x="762000" y="4191000"/>
+            <a:off x="914400" y="4038600"/>
             <a:ext cx="685800" cy="685800"/>
           </a:xfrm>
           <a:prstGeom prst="ellipse">
@@ -27654,7 +29148,7 @@
         </p:nvSpPr>
         <p:spPr>
           <a:xfrm>
-            <a:off x="2133600" y="4191000"/>
+            <a:off x="2286000" y="4038600"/>
             <a:ext cx="685800" cy="685800"/>
           </a:xfrm>
           <a:prstGeom prst="ellipse">
@@ -27733,13 +29227,14 @@
           <p:cNvPr id="11" name="Straight Arrow Connector 10"/>
           <p:cNvCxnSpPr>
             <a:stCxn id="4" idx="5"/>
+            <a:endCxn id="6" idx="0"/>
           </p:cNvCxnSpPr>
           <p:nvPr/>
         </p:nvCxnSpPr>
         <p:spPr>
           <a:xfrm>
             <a:off x="1652167" y="2185567"/>
-            <a:ext cx="557633" cy="710033"/>
+            <a:ext cx="290933" cy="786233"/>
           </a:xfrm>
           <a:prstGeom prst="straightConnector1">
             <a:avLst/>
@@ -27774,7 +29269,7 @@
         </p:nvCxnSpPr>
         <p:spPr>
           <a:xfrm flipH="1">
-            <a:off x="1347367" y="3709567"/>
+            <a:off x="1499767" y="3557167"/>
             <a:ext cx="200866" cy="581866"/>
           </a:xfrm>
           <a:prstGeom prst="straightConnector1">
@@ -27807,7 +29302,7 @@
         </p:nvCxnSpPr>
         <p:spPr>
           <a:xfrm>
-            <a:off x="1995067" y="3709567"/>
+            <a:off x="2147467" y="3557167"/>
             <a:ext cx="443333" cy="481433"/>
           </a:xfrm>
           <a:prstGeom prst="straightConnector1">
@@ -27871,15 +29366,13 @@
       <p:cxnSp>
         <p:nvCxnSpPr>
           <p:cNvPr id="14" name="Straight Arrow Connector 13"/>
-          <p:cNvCxnSpPr>
-            <a:stCxn id="6" idx="6"/>
-          </p:cNvCxnSpPr>
+          <p:cNvCxnSpPr/>
           <p:nvPr/>
         </p:nvCxnSpPr>
         <p:spPr>
           <a:xfrm>
-            <a:off x="2133600" y="3467100"/>
-            <a:ext cx="1219200" cy="304800"/>
+            <a:off x="2286000" y="3314700"/>
+            <a:ext cx="1066800" cy="457200"/>
           </a:xfrm>
           <a:prstGeom prst="straightConnector1">
             <a:avLst/>
@@ -27906,7 +29399,7 @@
     </p:spTree>
     <p:extLst>
       <p:ext uri="{BB962C8B-B14F-4D97-AF65-F5344CB8AC3E}">
-        <p14:creationId xmlns:p14="http://schemas.microsoft.com/office/powerpoint/2010/main" val="2981636637"/>
+        <p14:creationId xmlns:p14="http://schemas.microsoft.com/office/powerpoint/2010/main" val="2065850518"/>
       </p:ext>
     </p:extLst>
   </p:cSld>
@@ -28050,7 +29543,7 @@
         </p:nvSpPr>
         <p:spPr>
           <a:xfrm>
-            <a:off x="1219200" y="3581400"/>
+            <a:off x="1447800" y="3124200"/>
             <a:ext cx="685800" cy="685800"/>
           </a:xfrm>
           <a:prstGeom prst="ellipse">
@@ -28094,7 +29587,7 @@
         </p:nvSpPr>
         <p:spPr>
           <a:xfrm>
-            <a:off x="533400" y="4648200"/>
+            <a:off x="762000" y="4191000"/>
             <a:ext cx="685800" cy="685800"/>
           </a:xfrm>
           <a:prstGeom prst="ellipse">
@@ -28135,7 +29628,7 @@
         </p:nvSpPr>
         <p:spPr>
           <a:xfrm>
-            <a:off x="1905000" y="4648200"/>
+            <a:off x="2133600" y="4191000"/>
             <a:ext cx="685800" cy="685800"/>
           </a:xfrm>
           <a:prstGeom prst="ellipse">
@@ -28221,42 +29714,6 @@
           <a:xfrm>
             <a:off x="1652167" y="2185567"/>
             <a:ext cx="557633" cy="710033"/>
-          </a:xfrm>
-          <a:prstGeom prst="straightConnector1">
-            <a:avLst/>
-          </a:prstGeom>
-          <a:ln>
-            <a:tailEnd type="arrow"/>
-          </a:ln>
-        </p:spPr>
-        <p:style>
-          <a:lnRef idx="2">
-            <a:schemeClr val="accent1"/>
-          </a:lnRef>
-          <a:fillRef idx="0">
-            <a:schemeClr val="accent1"/>
-          </a:fillRef>
-          <a:effectRef idx="1">
-            <a:schemeClr val="accent1"/>
-          </a:effectRef>
-          <a:fontRef idx="minor">
-            <a:schemeClr val="tx1"/>
-          </a:fontRef>
-        </p:style>
-      </p:cxnSp>
-      <p:cxnSp>
-        <p:nvCxnSpPr>
-          <p:cNvPr id="16" name="Straight Arrow Connector 15"/>
-          <p:cNvCxnSpPr>
-            <a:stCxn id="6" idx="6"/>
-            <a:endCxn id="5" idx="2"/>
-          </p:cNvCxnSpPr>
-          <p:nvPr/>
-        </p:nvCxnSpPr>
-        <p:spPr>
-          <a:xfrm flipV="1">
-            <a:off x="1905000" y="3771900"/>
-            <a:ext cx="1447800" cy="152400"/>
           </a:xfrm>
           <a:prstGeom prst="straightConnector1">
             <a:avLst/>
@@ -28291,7 +29748,7 @@
         </p:nvCxnSpPr>
         <p:spPr>
           <a:xfrm flipH="1">
-            <a:off x="1118767" y="4166767"/>
+            <a:off x="1347367" y="3709567"/>
             <a:ext cx="200866" cy="581866"/>
           </a:xfrm>
           <a:prstGeom prst="straightConnector1">
@@ -28324,7 +29781,7 @@
         </p:nvCxnSpPr>
         <p:spPr>
           <a:xfrm>
-            <a:off x="1766467" y="4166767"/>
+            <a:off x="1995067" y="3709567"/>
             <a:ext cx="443333" cy="481433"/>
           </a:xfrm>
           <a:prstGeom prst="straightConnector1">
@@ -28385,10 +29842,45 @@
           </a:fontRef>
         </p:style>
       </p:cxnSp>
+      <p:cxnSp>
+        <p:nvCxnSpPr>
+          <p:cNvPr id="14" name="Straight Arrow Connector 13"/>
+          <p:cNvCxnSpPr>
+            <a:stCxn id="6" idx="6"/>
+          </p:cNvCxnSpPr>
+          <p:nvPr/>
+        </p:nvCxnSpPr>
+        <p:spPr>
+          <a:xfrm>
+            <a:off x="2133600" y="3467100"/>
+            <a:ext cx="1219200" cy="304800"/>
+          </a:xfrm>
+          <a:prstGeom prst="straightConnector1">
+            <a:avLst/>
+          </a:prstGeom>
+          <a:ln>
+            <a:tailEnd type="arrow"/>
+          </a:ln>
+        </p:spPr>
+        <p:style>
+          <a:lnRef idx="2">
+            <a:schemeClr val="accent1"/>
+          </a:lnRef>
+          <a:fillRef idx="0">
+            <a:schemeClr val="accent1"/>
+          </a:fillRef>
+          <a:effectRef idx="1">
+            <a:schemeClr val="accent1"/>
+          </a:effectRef>
+          <a:fontRef idx="minor">
+            <a:schemeClr val="tx1"/>
+          </a:fontRef>
+        </p:style>
+      </p:cxnSp>
     </p:spTree>
     <p:extLst>
       <p:ext uri="{BB962C8B-B14F-4D97-AF65-F5344CB8AC3E}">
-        <p14:creationId xmlns:p14="http://schemas.microsoft.com/office/powerpoint/2010/main" val="534557479"/>
+        <p14:creationId xmlns:p14="http://schemas.microsoft.com/office/powerpoint/2010/main" val="2981636637"/>
       </p:ext>
     </p:extLst>
   </p:cSld>
@@ -28488,7 +29980,7 @@
         </p:nvSpPr>
         <p:spPr>
           <a:xfrm>
-            <a:off x="2438400" y="3048000"/>
+            <a:off x="3352800" y="3429000"/>
             <a:ext cx="685800" cy="685800"/>
           </a:xfrm>
           <a:prstGeom prst="ellipse">
@@ -28532,7 +30024,7 @@
         </p:nvSpPr>
         <p:spPr>
           <a:xfrm>
-            <a:off x="1219200" y="4114800"/>
+            <a:off x="1219200" y="3581400"/>
             <a:ext cx="685800" cy="685800"/>
           </a:xfrm>
           <a:prstGeom prst="ellipse">
@@ -28576,7 +30068,7 @@
         </p:nvSpPr>
         <p:spPr>
           <a:xfrm>
-            <a:off x="533400" y="5181600"/>
+            <a:off x="533400" y="4648200"/>
             <a:ext cx="685800" cy="685800"/>
           </a:xfrm>
           <a:prstGeom prst="ellipse">
@@ -28617,7 +30109,7 @@
         </p:nvSpPr>
         <p:spPr>
           <a:xfrm>
-            <a:off x="1905000" y="5181600"/>
+            <a:off x="1905000" y="4648200"/>
             <a:ext cx="685800" cy="685800"/>
           </a:xfrm>
           <a:prstGeom prst="ellipse">
@@ -28658,7 +30150,7 @@
         </p:nvSpPr>
         <p:spPr>
           <a:xfrm>
-            <a:off x="3581400" y="4343400"/>
+            <a:off x="4495800" y="4724400"/>
             <a:ext cx="685800" cy="685800"/>
           </a:xfrm>
           <a:prstGeom prst="ellipse">
@@ -28730,15 +30222,15 @@
         <p:nvCxnSpPr>
           <p:cNvPr id="16" name="Straight Arrow Connector 15"/>
           <p:cNvCxnSpPr>
-            <a:stCxn id="5" idx="3"/>
-            <a:endCxn id="6" idx="0"/>
+            <a:stCxn id="6" idx="6"/>
+            <a:endCxn id="5" idx="2"/>
           </p:cNvCxnSpPr>
           <p:nvPr/>
         </p:nvCxnSpPr>
         <p:spPr>
-          <a:xfrm flipH="1">
-            <a:off x="1562100" y="3633367"/>
-            <a:ext cx="976733" cy="481433"/>
+          <a:xfrm flipV="1">
+            <a:off x="1905000" y="3771900"/>
+            <a:ext cx="1447800" cy="152400"/>
           </a:xfrm>
           <a:prstGeom prst="straightConnector1">
             <a:avLst/>
@@ -28773,7 +30265,7 @@
         </p:nvCxnSpPr>
         <p:spPr>
           <a:xfrm flipH="1">
-            <a:off x="1118767" y="4700167"/>
+            <a:off x="1118767" y="4166767"/>
             <a:ext cx="200866" cy="581866"/>
           </a:xfrm>
           <a:prstGeom prst="straightConnector1">
@@ -28806,7 +30298,7 @@
         </p:nvCxnSpPr>
         <p:spPr>
           <a:xfrm>
-            <a:off x="1766467" y="4700167"/>
+            <a:off x="1766467" y="4166767"/>
             <a:ext cx="443333" cy="481433"/>
           </a:xfrm>
           <a:prstGeom prst="straightConnector1">
@@ -28842,7 +30334,7 @@
         </p:nvCxnSpPr>
         <p:spPr>
           <a:xfrm>
-            <a:off x="3023767" y="3633367"/>
+            <a:off x="3938167" y="4014367"/>
             <a:ext cx="658066" cy="810466"/>
           </a:xfrm>
           <a:prstGeom prst="straightConnector1">
@@ -28870,7 +30362,7 @@
     </p:spTree>
     <p:extLst>
       <p:ext uri="{BB962C8B-B14F-4D97-AF65-F5344CB8AC3E}">
-        <p14:creationId xmlns:p14="http://schemas.microsoft.com/office/powerpoint/2010/main" val="2359406975"/>
+        <p14:creationId xmlns:p14="http://schemas.microsoft.com/office/powerpoint/2010/main" val="534557479"/>
       </p:ext>
     </p:extLst>
   </p:cSld>
@@ -28970,7 +30462,7 @@
         </p:nvSpPr>
         <p:spPr>
           <a:xfrm>
-            <a:off x="1828800" y="2819400"/>
+            <a:off x="2438400" y="3048000"/>
             <a:ext cx="685800" cy="685800"/>
           </a:xfrm>
           <a:prstGeom prst="ellipse">
@@ -29014,7 +30506,7 @@
         </p:nvSpPr>
         <p:spPr>
           <a:xfrm>
-            <a:off x="1066800" y="4114800"/>
+            <a:off x="1219200" y="4114800"/>
             <a:ext cx="685800" cy="685800"/>
           </a:xfrm>
           <a:prstGeom prst="ellipse">
@@ -29058,7 +30550,7 @@
         </p:nvSpPr>
         <p:spPr>
           <a:xfrm>
-            <a:off x="381000" y="5181600"/>
+            <a:off x="533400" y="5181600"/>
             <a:ext cx="685800" cy="685800"/>
           </a:xfrm>
           <a:prstGeom prst="ellipse">
@@ -29099,7 +30591,7 @@
         </p:nvSpPr>
         <p:spPr>
           <a:xfrm>
-            <a:off x="1752600" y="5181600"/>
+            <a:off x="1905000" y="5181600"/>
             <a:ext cx="685800" cy="685800"/>
           </a:xfrm>
           <a:prstGeom prst="ellipse">
@@ -29140,7 +30632,7 @@
         </p:nvSpPr>
         <p:spPr>
           <a:xfrm>
-            <a:off x="2971800" y="4114800"/>
+            <a:off x="3581400" y="4343400"/>
             <a:ext cx="685800" cy="685800"/>
           </a:xfrm>
           <a:prstGeom prst="ellipse">
@@ -29178,14 +30670,13 @@
           <p:cNvPr id="11" name="Straight Arrow Connector 10"/>
           <p:cNvCxnSpPr>
             <a:stCxn id="4" idx="5"/>
-            <a:endCxn id="5" idx="0"/>
           </p:cNvCxnSpPr>
           <p:nvPr/>
         </p:nvCxnSpPr>
         <p:spPr>
           <a:xfrm>
             <a:off x="1652167" y="2185567"/>
-            <a:ext cx="519533" cy="633833"/>
+            <a:ext cx="557633" cy="710033"/>
           </a:xfrm>
           <a:prstGeom prst="straightConnector1">
             <a:avLst/>
@@ -29220,8 +30711,8 @@
         </p:nvCxnSpPr>
         <p:spPr>
           <a:xfrm flipH="1">
-            <a:off x="1409700" y="3404767"/>
-            <a:ext cx="519533" cy="710033"/>
+            <a:off x="1562100" y="3633367"/>
+            <a:ext cx="976733" cy="481433"/>
           </a:xfrm>
           <a:prstGeom prst="straightConnector1">
             <a:avLst/>
@@ -29256,7 +30747,7 @@
         </p:nvCxnSpPr>
         <p:spPr>
           <a:xfrm flipH="1">
-            <a:off x="966367" y="4700167"/>
+            <a:off x="1118767" y="4700167"/>
             <a:ext cx="200866" cy="581866"/>
           </a:xfrm>
           <a:prstGeom prst="straightConnector1">
@@ -29284,15 +30775,12 @@
       <p:cxnSp>
         <p:nvCxnSpPr>
           <p:cNvPr id="20" name="Straight Arrow Connector 19"/>
-          <p:cNvCxnSpPr>
-            <a:stCxn id="6" idx="5"/>
-            <a:endCxn id="8" idx="0"/>
-          </p:cNvCxnSpPr>
+          <p:cNvCxnSpPr/>
           <p:nvPr/>
         </p:nvCxnSpPr>
         <p:spPr>
           <a:xfrm>
-            <a:off x="1652167" y="4700167"/>
+            <a:off x="1766467" y="4700167"/>
             <a:ext cx="443333" cy="481433"/>
           </a:xfrm>
           <a:prstGeom prst="straightConnector1">
@@ -29328,7 +30816,7 @@
         </p:nvCxnSpPr>
         <p:spPr>
           <a:xfrm>
-            <a:off x="2414167" y="3404767"/>
+            <a:off x="3023767" y="3633367"/>
             <a:ext cx="658066" cy="810466"/>
           </a:xfrm>
           <a:prstGeom prst="straightConnector1">
@@ -29356,7 +30844,7 @@
     </p:spTree>
     <p:extLst>
       <p:ext uri="{BB962C8B-B14F-4D97-AF65-F5344CB8AC3E}">
-        <p14:creationId xmlns:p14="http://schemas.microsoft.com/office/powerpoint/2010/main" val="4266177049"/>
+        <p14:creationId xmlns:p14="http://schemas.microsoft.com/office/powerpoint/2010/main" val="2359406975"/>
       </p:ext>
     </p:extLst>
   </p:cSld>
@@ -29407,30 +30895,442 @@
       </p:sp>
       <p:sp>
         <p:nvSpPr>
-          <p:cNvPr id="3" name="Content Placeholder 2"/>
-          <p:cNvSpPr>
-            <a:spLocks noGrp="1"/>
-          </p:cNvSpPr>
-          <p:nvPr>
-            <p:ph idx="1"/>
-          </p:nvPr>
-        </p:nvSpPr>
-        <p:spPr/>
-        <p:txBody>
-          <a:bodyPr/>
-          <a:lstStyle/>
-          <a:p>
-            <a:r>
-              <a:rPr lang="en-US" dirty="0"/>
-              <a:t>Left rotation is the reverse of right rotation.</a:t>
-            </a:r>
-          </a:p>
-        </p:txBody>
-      </p:sp>
+          <p:cNvPr id="4" name="Oval 3"/>
+          <p:cNvSpPr/>
+          <p:nvPr/>
+        </p:nvSpPr>
+        <p:spPr>
+          <a:xfrm>
+            <a:off x="1066800" y="1600200"/>
+            <a:ext cx="685800" cy="685800"/>
+          </a:xfrm>
+          <a:prstGeom prst="ellipse">
+            <a:avLst/>
+          </a:prstGeom>
+        </p:spPr>
+        <p:style>
+          <a:lnRef idx="2">
+            <a:schemeClr val="accent2">
+              <a:shade val="50000"/>
+            </a:schemeClr>
+          </a:lnRef>
+          <a:fillRef idx="1">
+            <a:schemeClr val="accent2"/>
+          </a:fillRef>
+          <a:effectRef idx="0">
+            <a:schemeClr val="accent2"/>
+          </a:effectRef>
+          <a:fontRef idx="minor">
+            <a:schemeClr val="lt1"/>
+          </a:fontRef>
+        </p:style>
+        <p:txBody>
+          <a:bodyPr rtlCol="0" anchor="ctr"/>
+          <a:lstStyle/>
+          <a:p>
+            <a:pPr algn="ctr"/>
+            <a:r>
+              <a:rPr lang="en-US" dirty="0"/>
+              <a:t>Gr</a:t>
+            </a:r>
+          </a:p>
+        </p:txBody>
+      </p:sp>
+      <p:sp>
+        <p:nvSpPr>
+          <p:cNvPr id="5" name="Oval 4"/>
+          <p:cNvSpPr/>
+          <p:nvPr/>
+        </p:nvSpPr>
+        <p:spPr>
+          <a:xfrm>
+            <a:off x="1828800" y="2819400"/>
+            <a:ext cx="685800" cy="685800"/>
+          </a:xfrm>
+          <a:prstGeom prst="ellipse">
+            <a:avLst/>
+          </a:prstGeom>
+        </p:spPr>
+        <p:style>
+          <a:lnRef idx="2">
+            <a:schemeClr val="accent2">
+              <a:shade val="50000"/>
+            </a:schemeClr>
+          </a:lnRef>
+          <a:fillRef idx="1">
+            <a:schemeClr val="accent2"/>
+          </a:fillRef>
+          <a:effectRef idx="0">
+            <a:schemeClr val="accent2"/>
+          </a:effectRef>
+          <a:fontRef idx="minor">
+            <a:schemeClr val="lt1"/>
+          </a:fontRef>
+        </p:style>
+        <p:txBody>
+          <a:bodyPr rtlCol="0" anchor="ctr"/>
+          <a:lstStyle/>
+          <a:p>
+            <a:pPr algn="ctr"/>
+            <a:r>
+              <a:rPr lang="en-US" dirty="0" err="1"/>
+              <a:t>Pr</a:t>
+            </a:r>
+            <a:endParaRPr lang="en-US" dirty="0"/>
+          </a:p>
+        </p:txBody>
+      </p:sp>
+      <p:sp>
+        <p:nvSpPr>
+          <p:cNvPr id="6" name="Oval 5"/>
+          <p:cNvSpPr/>
+          <p:nvPr/>
+        </p:nvSpPr>
+        <p:spPr>
+          <a:xfrm>
+            <a:off x="1066800" y="4114800"/>
+            <a:ext cx="685800" cy="685800"/>
+          </a:xfrm>
+          <a:prstGeom prst="ellipse">
+            <a:avLst/>
+          </a:prstGeom>
+        </p:spPr>
+        <p:style>
+          <a:lnRef idx="2">
+            <a:schemeClr val="accent2">
+              <a:shade val="50000"/>
+            </a:schemeClr>
+          </a:lnRef>
+          <a:fillRef idx="1">
+            <a:schemeClr val="accent2"/>
+          </a:fillRef>
+          <a:effectRef idx="0">
+            <a:schemeClr val="accent2"/>
+          </a:effectRef>
+          <a:fontRef idx="minor">
+            <a:schemeClr val="lt1"/>
+          </a:fontRef>
+        </p:style>
+        <p:txBody>
+          <a:bodyPr rtlCol="0" anchor="ctr"/>
+          <a:lstStyle/>
+          <a:p>
+            <a:pPr algn="ctr"/>
+            <a:r>
+              <a:rPr lang="en-US" dirty="0" err="1"/>
+              <a:t>Ch</a:t>
+            </a:r>
+            <a:endParaRPr lang="en-US" dirty="0"/>
+          </a:p>
+        </p:txBody>
+      </p:sp>
+      <p:sp>
+        <p:nvSpPr>
+          <p:cNvPr id="7" name="Oval 6"/>
+          <p:cNvSpPr/>
+          <p:nvPr/>
+        </p:nvSpPr>
+        <p:spPr>
+          <a:xfrm>
+            <a:off x="381000" y="5181600"/>
+            <a:ext cx="685800" cy="685800"/>
+          </a:xfrm>
+          <a:prstGeom prst="ellipse">
+            <a:avLst/>
+          </a:prstGeom>
+        </p:spPr>
+        <p:style>
+          <a:lnRef idx="1">
+            <a:schemeClr val="accent1"/>
+          </a:lnRef>
+          <a:fillRef idx="3">
+            <a:schemeClr val="accent1"/>
+          </a:fillRef>
+          <a:effectRef idx="2">
+            <a:schemeClr val="accent1"/>
+          </a:effectRef>
+          <a:fontRef idx="minor">
+            <a:schemeClr val="lt1"/>
+          </a:fontRef>
+        </p:style>
+        <p:txBody>
+          <a:bodyPr rtlCol="0" anchor="ctr"/>
+          <a:lstStyle/>
+          <a:p>
+            <a:pPr algn="ctr"/>
+            <a:r>
+              <a:rPr lang="en-US" dirty="0"/>
+              <a:t>P</a:t>
+            </a:r>
+          </a:p>
+        </p:txBody>
+      </p:sp>
+      <p:sp>
+        <p:nvSpPr>
+          <p:cNvPr id="8" name="Oval 7"/>
+          <p:cNvSpPr/>
+          <p:nvPr/>
+        </p:nvSpPr>
+        <p:spPr>
+          <a:xfrm>
+            <a:off x="1752600" y="5181600"/>
+            <a:ext cx="685800" cy="685800"/>
+          </a:xfrm>
+          <a:prstGeom prst="ellipse">
+            <a:avLst/>
+          </a:prstGeom>
+        </p:spPr>
+        <p:style>
+          <a:lnRef idx="1">
+            <a:schemeClr val="accent1"/>
+          </a:lnRef>
+          <a:fillRef idx="3">
+            <a:schemeClr val="accent1"/>
+          </a:fillRef>
+          <a:effectRef idx="2">
+            <a:schemeClr val="accent1"/>
+          </a:effectRef>
+          <a:fontRef idx="minor">
+            <a:schemeClr val="lt1"/>
+          </a:fontRef>
+        </p:style>
+        <p:txBody>
+          <a:bodyPr rtlCol="0" anchor="ctr"/>
+          <a:lstStyle/>
+          <a:p>
+            <a:pPr algn="ctr"/>
+            <a:r>
+              <a:rPr lang="en-US" dirty="0"/>
+              <a:t>Q</a:t>
+            </a:r>
+          </a:p>
+        </p:txBody>
+      </p:sp>
+      <p:sp>
+        <p:nvSpPr>
+          <p:cNvPr id="9" name="Oval 8"/>
+          <p:cNvSpPr/>
+          <p:nvPr/>
+        </p:nvSpPr>
+        <p:spPr>
+          <a:xfrm>
+            <a:off x="2971800" y="4114800"/>
+            <a:ext cx="685800" cy="685800"/>
+          </a:xfrm>
+          <a:prstGeom prst="ellipse">
+            <a:avLst/>
+          </a:prstGeom>
+        </p:spPr>
+        <p:style>
+          <a:lnRef idx="1">
+            <a:schemeClr val="accent1"/>
+          </a:lnRef>
+          <a:fillRef idx="3">
+            <a:schemeClr val="accent1"/>
+          </a:fillRef>
+          <a:effectRef idx="2">
+            <a:schemeClr val="accent1"/>
+          </a:effectRef>
+          <a:fontRef idx="minor">
+            <a:schemeClr val="lt1"/>
+          </a:fontRef>
+        </p:style>
+        <p:txBody>
+          <a:bodyPr rtlCol="0" anchor="ctr"/>
+          <a:lstStyle/>
+          <a:p>
+            <a:pPr algn="ctr"/>
+            <a:r>
+              <a:rPr lang="en-US" dirty="0"/>
+              <a:t>R</a:t>
+            </a:r>
+          </a:p>
+        </p:txBody>
+      </p:sp>
+      <p:cxnSp>
+        <p:nvCxnSpPr>
+          <p:cNvPr id="11" name="Straight Arrow Connector 10"/>
+          <p:cNvCxnSpPr>
+            <a:stCxn id="4" idx="5"/>
+            <a:endCxn id="5" idx="0"/>
+          </p:cNvCxnSpPr>
+          <p:nvPr/>
+        </p:nvCxnSpPr>
+        <p:spPr>
+          <a:xfrm>
+            <a:off x="1652167" y="2185567"/>
+            <a:ext cx="519533" cy="633833"/>
+          </a:xfrm>
+          <a:prstGeom prst="straightConnector1">
+            <a:avLst/>
+          </a:prstGeom>
+          <a:ln>
+            <a:tailEnd type="arrow"/>
+          </a:ln>
+        </p:spPr>
+        <p:style>
+          <a:lnRef idx="2">
+            <a:schemeClr val="accent1"/>
+          </a:lnRef>
+          <a:fillRef idx="0">
+            <a:schemeClr val="accent1"/>
+          </a:fillRef>
+          <a:effectRef idx="1">
+            <a:schemeClr val="accent1"/>
+          </a:effectRef>
+          <a:fontRef idx="minor">
+            <a:schemeClr val="tx1"/>
+          </a:fontRef>
+        </p:style>
+      </p:cxnSp>
+      <p:cxnSp>
+        <p:nvCxnSpPr>
+          <p:cNvPr id="16" name="Straight Arrow Connector 15"/>
+          <p:cNvCxnSpPr>
+            <a:stCxn id="5" idx="3"/>
+            <a:endCxn id="6" idx="0"/>
+          </p:cNvCxnSpPr>
+          <p:nvPr/>
+        </p:nvCxnSpPr>
+        <p:spPr>
+          <a:xfrm flipH="1">
+            <a:off x="1409700" y="3404767"/>
+            <a:ext cx="519533" cy="710033"/>
+          </a:xfrm>
+          <a:prstGeom prst="straightConnector1">
+            <a:avLst/>
+          </a:prstGeom>
+          <a:ln>
+            <a:tailEnd type="arrow"/>
+          </a:ln>
+        </p:spPr>
+        <p:style>
+          <a:lnRef idx="2">
+            <a:schemeClr val="accent1"/>
+          </a:lnRef>
+          <a:fillRef idx="0">
+            <a:schemeClr val="accent1"/>
+          </a:fillRef>
+          <a:effectRef idx="1">
+            <a:schemeClr val="accent1"/>
+          </a:effectRef>
+          <a:fontRef idx="minor">
+            <a:schemeClr val="tx1"/>
+          </a:fontRef>
+        </p:style>
+      </p:cxnSp>
+      <p:cxnSp>
+        <p:nvCxnSpPr>
+          <p:cNvPr id="17" name="Straight Arrow Connector 16"/>
+          <p:cNvCxnSpPr>
+            <a:stCxn id="6" idx="3"/>
+            <a:endCxn id="7" idx="7"/>
+          </p:cNvCxnSpPr>
+          <p:nvPr/>
+        </p:nvCxnSpPr>
+        <p:spPr>
+          <a:xfrm flipH="1">
+            <a:off x="966367" y="4700167"/>
+            <a:ext cx="200866" cy="581866"/>
+          </a:xfrm>
+          <a:prstGeom prst="straightConnector1">
+            <a:avLst/>
+          </a:prstGeom>
+          <a:ln>
+            <a:tailEnd type="arrow"/>
+          </a:ln>
+        </p:spPr>
+        <p:style>
+          <a:lnRef idx="2">
+            <a:schemeClr val="accent1"/>
+          </a:lnRef>
+          <a:fillRef idx="0">
+            <a:schemeClr val="accent1"/>
+          </a:fillRef>
+          <a:effectRef idx="1">
+            <a:schemeClr val="accent1"/>
+          </a:effectRef>
+          <a:fontRef idx="minor">
+            <a:schemeClr val="tx1"/>
+          </a:fontRef>
+        </p:style>
+      </p:cxnSp>
+      <p:cxnSp>
+        <p:nvCxnSpPr>
+          <p:cNvPr id="20" name="Straight Arrow Connector 19"/>
+          <p:cNvCxnSpPr>
+            <a:stCxn id="6" idx="5"/>
+            <a:endCxn id="8" idx="0"/>
+          </p:cNvCxnSpPr>
+          <p:nvPr/>
+        </p:nvCxnSpPr>
+        <p:spPr>
+          <a:xfrm>
+            <a:off x="1652167" y="4700167"/>
+            <a:ext cx="443333" cy="481433"/>
+          </a:xfrm>
+          <a:prstGeom prst="straightConnector1">
+            <a:avLst/>
+          </a:prstGeom>
+          <a:ln>
+            <a:tailEnd type="arrow"/>
+          </a:ln>
+        </p:spPr>
+        <p:style>
+          <a:lnRef idx="2">
+            <a:schemeClr val="accent1"/>
+          </a:lnRef>
+          <a:fillRef idx="0">
+            <a:schemeClr val="accent1"/>
+          </a:fillRef>
+          <a:effectRef idx="1">
+            <a:schemeClr val="accent1"/>
+          </a:effectRef>
+          <a:fontRef idx="minor">
+            <a:schemeClr val="tx1"/>
+          </a:fontRef>
+        </p:style>
+      </p:cxnSp>
+      <p:cxnSp>
+        <p:nvCxnSpPr>
+          <p:cNvPr id="23" name="Straight Arrow Connector 22"/>
+          <p:cNvCxnSpPr>
+            <a:stCxn id="5" idx="5"/>
+            <a:endCxn id="9" idx="1"/>
+          </p:cNvCxnSpPr>
+          <p:nvPr/>
+        </p:nvCxnSpPr>
+        <p:spPr>
+          <a:xfrm>
+            <a:off x="2414167" y="3404767"/>
+            <a:ext cx="658066" cy="810466"/>
+          </a:xfrm>
+          <a:prstGeom prst="straightConnector1">
+            <a:avLst/>
+          </a:prstGeom>
+          <a:ln>
+            <a:tailEnd type="arrow"/>
+          </a:ln>
+        </p:spPr>
+        <p:style>
+          <a:lnRef idx="2">
+            <a:schemeClr val="accent1"/>
+          </a:lnRef>
+          <a:fillRef idx="0">
+            <a:schemeClr val="accent1"/>
+          </a:fillRef>
+          <a:effectRef idx="1">
+            <a:schemeClr val="accent1"/>
+          </a:effectRef>
+          <a:fontRef idx="minor">
+            <a:schemeClr val="tx1"/>
+          </a:fontRef>
+        </p:style>
+      </p:cxnSp>
     </p:spTree>
     <p:extLst>
       <p:ext uri="{BB962C8B-B14F-4D97-AF65-F5344CB8AC3E}">
-        <p14:creationId xmlns:p14="http://schemas.microsoft.com/office/powerpoint/2010/main" val="3480453450"/>
+        <p14:creationId xmlns:p14="http://schemas.microsoft.com/office/powerpoint/2010/main" val="4266177049"/>
       </p:ext>
     </p:extLst>
   </p:cSld>
@@ -29582,26 +31482,43 @@
       </p:grpSpPr>
       <p:sp>
         <p:nvSpPr>
-          <p:cNvPr id="2" name="Title 1"/>
-          <p:cNvSpPr>
-            <a:spLocks noGrp="1"/>
-          </p:cNvSpPr>
-          <p:nvPr>
-            <p:ph type="title"/>
-          </p:nvPr>
-        </p:nvSpPr>
-        <p:spPr/>
-        <p:txBody>
-          <a:bodyPr/>
-          <a:lstStyle/>
-          <a:p>
-            <a:r>
-              <a:rPr lang="en-US" dirty="0"/>
-              <a:t>DSW </a:t>
-            </a:r>
+          <p:cNvPr id="3" name="Oval 2"/>
+          <p:cNvSpPr/>
+          <p:nvPr/>
+        </p:nvSpPr>
+        <p:spPr>
+          <a:xfrm>
+            <a:off x="2438400" y="1371600"/>
+            <a:ext cx="685800" cy="685800"/>
+          </a:xfrm>
+          <a:prstGeom prst="ellipse">
+            <a:avLst/>
+          </a:prstGeom>
+        </p:spPr>
+        <p:style>
+          <a:lnRef idx="2">
+            <a:schemeClr val="accent2">
+              <a:shade val="50000"/>
+            </a:schemeClr>
+          </a:lnRef>
+          <a:fillRef idx="1">
+            <a:schemeClr val="accent2"/>
+          </a:fillRef>
+          <a:effectRef idx="0">
+            <a:schemeClr val="accent2"/>
+          </a:effectRef>
+          <a:fontRef idx="minor">
+            <a:schemeClr val="lt1"/>
+          </a:fontRef>
+        </p:style>
+        <p:txBody>
+          <a:bodyPr rtlCol="0" anchor="ctr"/>
+          <a:lstStyle/>
+          <a:p>
+            <a:pPr algn="ctr"/>
             <a:r>
               <a:rPr lang="en-US" dirty="0" err="1"/>
-              <a:t>Algo</a:t>
+              <a:t>x2</a:t>
             </a:r>
             <a:endParaRPr lang="en-US" dirty="0"/>
           </a:p>
@@ -29609,50 +31526,1929 @@
       </p:sp>
       <p:sp>
         <p:nvSpPr>
-          <p:cNvPr id="3" name="Content Placeholder 2"/>
-          <p:cNvSpPr>
-            <a:spLocks noGrp="1"/>
-          </p:cNvSpPr>
-          <p:nvPr>
-            <p:ph idx="1"/>
-          </p:nvPr>
-        </p:nvSpPr>
-        <p:spPr/>
-        <p:txBody>
-          <a:bodyPr/>
-          <a:lstStyle/>
-          <a:p>
-            <a:r>
-              <a:rPr lang="en-US" dirty="0"/>
-              <a:t>DSW consists of two steps</a:t>
-            </a:r>
-          </a:p>
-          <a:p>
-            <a:pPr lvl="1"/>
-            <a:r>
-              <a:rPr lang="en-US" dirty="0"/>
-              <a:t>1. Transform tree into link list like tree (backbone or vine)</a:t>
-            </a:r>
-          </a:p>
-          <a:p>
-            <a:pPr lvl="1"/>
-            <a:r>
-              <a:rPr lang="en-US" dirty="0"/>
-              <a:t>2. Rotating every second node of the backbone about its parent</a:t>
-            </a:r>
+          <p:cNvPr id="4" name="Oval 3"/>
+          <p:cNvSpPr/>
+          <p:nvPr/>
+        </p:nvSpPr>
+        <p:spPr>
+          <a:xfrm>
+            <a:off x="1066800" y="1057523"/>
+            <a:ext cx="685800" cy="685800"/>
+          </a:xfrm>
+          <a:prstGeom prst="ellipse">
+            <a:avLst/>
+          </a:prstGeom>
+        </p:spPr>
+        <p:style>
+          <a:lnRef idx="2">
+            <a:schemeClr val="accent2">
+              <a:shade val="50000"/>
+            </a:schemeClr>
+          </a:lnRef>
+          <a:fillRef idx="1">
+            <a:schemeClr val="accent2"/>
+          </a:fillRef>
+          <a:effectRef idx="0">
+            <a:schemeClr val="accent2"/>
+          </a:effectRef>
+          <a:fontRef idx="minor">
+            <a:schemeClr val="lt1"/>
+          </a:fontRef>
+        </p:style>
+        <p:txBody>
+          <a:bodyPr rtlCol="0" anchor="ctr"/>
+          <a:lstStyle/>
+          <a:p>
+            <a:pPr algn="ctr"/>
+            <a:r>
+              <a:rPr lang="en-US" dirty="0" err="1"/>
+              <a:t>x1</a:t>
+            </a:r>
+            <a:endParaRPr lang="en-US" dirty="0"/>
+          </a:p>
+        </p:txBody>
+      </p:sp>
+      <p:sp>
+        <p:nvSpPr>
+          <p:cNvPr id="5" name="Oval 4"/>
+          <p:cNvSpPr/>
+          <p:nvPr/>
+        </p:nvSpPr>
+        <p:spPr>
+          <a:xfrm>
+            <a:off x="162670" y="2005433"/>
+            <a:ext cx="685800" cy="685800"/>
+          </a:xfrm>
+          <a:prstGeom prst="ellipse">
+            <a:avLst/>
+          </a:prstGeom>
+        </p:spPr>
+        <p:style>
+          <a:lnRef idx="1">
+            <a:schemeClr val="accent1"/>
+          </a:lnRef>
+          <a:fillRef idx="3">
+            <a:schemeClr val="accent1"/>
+          </a:fillRef>
+          <a:effectRef idx="2">
+            <a:schemeClr val="accent1"/>
+          </a:effectRef>
+          <a:fontRef idx="minor">
+            <a:schemeClr val="lt1"/>
+          </a:fontRef>
+        </p:style>
+        <p:txBody>
+          <a:bodyPr rtlCol="0" anchor="ctr"/>
+          <a:lstStyle/>
+          <a:p>
+            <a:pPr algn="ctr"/>
+            <a:r>
+              <a:rPr lang="en-US" dirty="0" err="1"/>
+              <a:t>l1</a:t>
+            </a:r>
+            <a:endParaRPr lang="en-US" dirty="0"/>
+          </a:p>
+        </p:txBody>
+      </p:sp>
+      <p:sp>
+        <p:nvSpPr>
+          <p:cNvPr id="6" name="Oval 5"/>
+          <p:cNvSpPr/>
+          <p:nvPr/>
+        </p:nvSpPr>
+        <p:spPr>
+          <a:xfrm>
+            <a:off x="1828800" y="2743200"/>
+            <a:ext cx="685800" cy="685800"/>
+          </a:xfrm>
+          <a:prstGeom prst="ellipse">
+            <a:avLst/>
+          </a:prstGeom>
+        </p:spPr>
+        <p:style>
+          <a:lnRef idx="1">
+            <a:schemeClr val="accent1"/>
+          </a:lnRef>
+          <a:fillRef idx="3">
+            <a:schemeClr val="accent1"/>
+          </a:fillRef>
+          <a:effectRef idx="2">
+            <a:schemeClr val="accent1"/>
+          </a:effectRef>
+          <a:fontRef idx="minor">
+            <a:schemeClr val="lt1"/>
+          </a:fontRef>
+        </p:style>
+        <p:txBody>
+          <a:bodyPr rtlCol="0" anchor="ctr"/>
+          <a:lstStyle/>
+          <a:p>
+            <a:pPr algn="ctr"/>
+            <a:r>
+              <a:rPr lang="en-US" dirty="0" err="1"/>
+              <a:t>l2</a:t>
+            </a:r>
+            <a:endParaRPr lang="en-US" dirty="0"/>
+          </a:p>
+        </p:txBody>
+      </p:sp>
+      <p:sp>
+        <p:nvSpPr>
+          <p:cNvPr id="7" name="Oval 6"/>
+          <p:cNvSpPr/>
+          <p:nvPr/>
+        </p:nvSpPr>
+        <p:spPr>
+          <a:xfrm>
+            <a:off x="3505200" y="2590800"/>
+            <a:ext cx="685800" cy="685800"/>
+          </a:xfrm>
+          <a:prstGeom prst="ellipse">
+            <a:avLst/>
+          </a:prstGeom>
+        </p:spPr>
+        <p:style>
+          <a:lnRef idx="1">
+            <a:schemeClr val="accent1"/>
+          </a:lnRef>
+          <a:fillRef idx="3">
+            <a:schemeClr val="accent1"/>
+          </a:fillRef>
+          <a:effectRef idx="2">
+            <a:schemeClr val="accent1"/>
+          </a:effectRef>
+          <a:fontRef idx="minor">
+            <a:schemeClr val="lt1"/>
+          </a:fontRef>
+        </p:style>
+        <p:txBody>
+          <a:bodyPr rtlCol="0" anchor="ctr"/>
+          <a:lstStyle/>
+          <a:p>
+            <a:pPr algn="ctr"/>
+            <a:r>
+              <a:rPr lang="en-US" dirty="0"/>
+              <a:t>R</a:t>
+            </a:r>
+          </a:p>
+        </p:txBody>
+      </p:sp>
+      <p:cxnSp>
+        <p:nvCxnSpPr>
+          <p:cNvPr id="8" name="Straight Arrow Connector 7"/>
+          <p:cNvCxnSpPr>
+            <a:cxnSpLocks/>
+            <a:stCxn id="4" idx="0"/>
+          </p:cNvCxnSpPr>
+          <p:nvPr/>
+        </p:nvCxnSpPr>
+        <p:spPr>
+          <a:xfrm flipV="1">
+            <a:off x="1409700" y="295523"/>
+            <a:ext cx="0" cy="762000"/>
+          </a:xfrm>
+          <a:prstGeom prst="straightConnector1">
+            <a:avLst/>
+          </a:prstGeom>
+          <a:ln>
+            <a:tailEnd type="arrow"/>
+          </a:ln>
+        </p:spPr>
+        <p:style>
+          <a:lnRef idx="2">
+            <a:schemeClr val="accent1"/>
+          </a:lnRef>
+          <a:fillRef idx="0">
+            <a:schemeClr val="accent1"/>
+          </a:fillRef>
+          <a:effectRef idx="1">
+            <a:schemeClr val="accent1"/>
+          </a:effectRef>
+          <a:fontRef idx="minor">
+            <a:schemeClr val="tx1"/>
+          </a:fontRef>
+        </p:style>
+      </p:cxnSp>
+      <p:cxnSp>
+        <p:nvCxnSpPr>
+          <p:cNvPr id="9" name="Straight Arrow Connector 8"/>
+          <p:cNvCxnSpPr>
+            <a:stCxn id="4" idx="3"/>
+            <a:endCxn id="5" idx="7"/>
+          </p:cNvCxnSpPr>
+          <p:nvPr/>
+        </p:nvCxnSpPr>
+        <p:spPr>
+          <a:xfrm flipH="1">
+            <a:off x="748037" y="1642890"/>
+            <a:ext cx="419196" cy="462976"/>
+          </a:xfrm>
+          <a:prstGeom prst="straightConnector1">
+            <a:avLst/>
+          </a:prstGeom>
+          <a:ln>
+            <a:tailEnd type="arrow"/>
+          </a:ln>
+        </p:spPr>
+        <p:style>
+          <a:lnRef idx="2">
+            <a:schemeClr val="accent1"/>
+          </a:lnRef>
+          <a:fillRef idx="0">
+            <a:schemeClr val="accent1"/>
+          </a:fillRef>
+          <a:effectRef idx="1">
+            <a:schemeClr val="accent1"/>
+          </a:effectRef>
+          <a:fontRef idx="minor">
+            <a:schemeClr val="tx1"/>
+          </a:fontRef>
+        </p:style>
+      </p:cxnSp>
+      <p:cxnSp>
+        <p:nvCxnSpPr>
+          <p:cNvPr id="10" name="Straight Arrow Connector 9"/>
+          <p:cNvCxnSpPr>
+            <a:stCxn id="3" idx="3"/>
+          </p:cNvCxnSpPr>
+          <p:nvPr/>
+        </p:nvCxnSpPr>
+        <p:spPr>
+          <a:xfrm flipH="1">
+            <a:off x="2133600" y="1956967"/>
+            <a:ext cx="405233" cy="786233"/>
+          </a:xfrm>
+          <a:prstGeom prst="straightConnector1">
+            <a:avLst/>
+          </a:prstGeom>
+          <a:ln>
+            <a:tailEnd type="arrow"/>
+          </a:ln>
+        </p:spPr>
+        <p:style>
+          <a:lnRef idx="2">
+            <a:schemeClr val="accent1"/>
+          </a:lnRef>
+          <a:fillRef idx="0">
+            <a:schemeClr val="accent1"/>
+          </a:fillRef>
+          <a:effectRef idx="1">
+            <a:schemeClr val="accent1"/>
+          </a:effectRef>
+          <a:fontRef idx="minor">
+            <a:schemeClr val="tx1"/>
+          </a:fontRef>
+        </p:style>
+      </p:cxnSp>
+      <p:cxnSp>
+        <p:nvCxnSpPr>
+          <p:cNvPr id="11" name="Straight Arrow Connector 10"/>
+          <p:cNvCxnSpPr>
+            <a:stCxn id="3" idx="5"/>
+            <a:endCxn id="7" idx="1"/>
+          </p:cNvCxnSpPr>
+          <p:nvPr/>
+        </p:nvCxnSpPr>
+        <p:spPr>
+          <a:xfrm>
+            <a:off x="3023767" y="1956967"/>
+            <a:ext cx="581866" cy="734266"/>
+          </a:xfrm>
+          <a:prstGeom prst="straightConnector1">
+            <a:avLst/>
+          </a:prstGeom>
+          <a:ln>
+            <a:tailEnd type="arrow"/>
+          </a:ln>
+        </p:spPr>
+        <p:style>
+          <a:lnRef idx="2">
+            <a:schemeClr val="accent1"/>
+          </a:lnRef>
+          <a:fillRef idx="0">
+            <a:schemeClr val="accent1"/>
+          </a:fillRef>
+          <a:effectRef idx="1">
+            <a:schemeClr val="accent1"/>
+          </a:effectRef>
+          <a:fontRef idx="minor">
+            <a:schemeClr val="tx1"/>
+          </a:fontRef>
+        </p:style>
+      </p:cxnSp>
+      <p:cxnSp>
+        <p:nvCxnSpPr>
+          <p:cNvPr id="12" name="Straight Arrow Connector 11"/>
+          <p:cNvCxnSpPr>
+            <a:cxnSpLocks/>
+            <a:endCxn id="3" idx="2"/>
+          </p:cNvCxnSpPr>
+          <p:nvPr/>
+        </p:nvCxnSpPr>
+        <p:spPr>
+          <a:xfrm>
+            <a:off x="1752600" y="1400423"/>
+            <a:ext cx="685800" cy="314077"/>
+          </a:xfrm>
+          <a:prstGeom prst="straightConnector1">
+            <a:avLst/>
+          </a:prstGeom>
+          <a:ln>
+            <a:tailEnd type="arrow"/>
+          </a:ln>
+        </p:spPr>
+        <p:style>
+          <a:lnRef idx="2">
+            <a:schemeClr val="accent1"/>
+          </a:lnRef>
+          <a:fillRef idx="0">
+            <a:schemeClr val="accent1"/>
+          </a:fillRef>
+          <a:effectRef idx="1">
+            <a:schemeClr val="accent1"/>
+          </a:effectRef>
+          <a:fontRef idx="minor">
+            <a:schemeClr val="tx1"/>
+          </a:fontRef>
+        </p:style>
+      </p:cxnSp>
+      <p:cxnSp>
+        <p:nvCxnSpPr>
+          <p:cNvPr id="18" name="Straight Arrow Connector 17"/>
+          <p:cNvCxnSpPr>
+            <a:cxnSpLocks/>
+            <a:stCxn id="3" idx="0"/>
+          </p:cNvCxnSpPr>
+          <p:nvPr/>
+        </p:nvCxnSpPr>
+        <p:spPr>
+          <a:xfrm flipV="1">
+            <a:off x="2781300" y="638423"/>
+            <a:ext cx="0" cy="733177"/>
+          </a:xfrm>
+          <a:prstGeom prst="straightConnector1">
+            <a:avLst/>
+          </a:prstGeom>
+          <a:ln>
+            <a:tailEnd type="arrow"/>
+          </a:ln>
+        </p:spPr>
+        <p:style>
+          <a:lnRef idx="2">
+            <a:schemeClr val="accent1"/>
+          </a:lnRef>
+          <a:fillRef idx="0">
+            <a:schemeClr val="accent1"/>
+          </a:fillRef>
+          <a:effectRef idx="1">
+            <a:schemeClr val="accent1"/>
+          </a:effectRef>
+          <a:fontRef idx="minor">
+            <a:schemeClr val="tx1"/>
+          </a:fontRef>
+        </p:style>
+      </p:cxnSp>
+      <p:sp>
+        <p:nvSpPr>
+          <p:cNvPr id="23" name="Oval 22"/>
+          <p:cNvSpPr/>
+          <p:nvPr/>
+        </p:nvSpPr>
+        <p:spPr>
+          <a:xfrm>
+            <a:off x="4431586" y="3886200"/>
+            <a:ext cx="685800" cy="685800"/>
+          </a:xfrm>
+          <a:prstGeom prst="ellipse">
+            <a:avLst/>
+          </a:prstGeom>
+        </p:spPr>
+        <p:style>
+          <a:lnRef idx="2">
+            <a:schemeClr val="accent2">
+              <a:shade val="50000"/>
+            </a:schemeClr>
+          </a:lnRef>
+          <a:fillRef idx="1">
+            <a:schemeClr val="accent2"/>
+          </a:fillRef>
+          <a:effectRef idx="0">
+            <a:schemeClr val="accent2"/>
+          </a:effectRef>
+          <a:fontRef idx="minor">
+            <a:schemeClr val="lt1"/>
+          </a:fontRef>
+        </p:style>
+        <p:txBody>
+          <a:bodyPr rtlCol="0" anchor="ctr"/>
+          <a:lstStyle/>
+          <a:p>
+            <a:pPr algn="ctr"/>
+            <a:r>
+              <a:rPr lang="en-US" dirty="0" err="1"/>
+              <a:t>x2</a:t>
+            </a:r>
+            <a:endParaRPr lang="en-US" dirty="0"/>
+          </a:p>
+        </p:txBody>
+      </p:sp>
+      <p:sp>
+        <p:nvSpPr>
+          <p:cNvPr id="24" name="Oval 23"/>
+          <p:cNvSpPr/>
+          <p:nvPr/>
+        </p:nvSpPr>
+        <p:spPr>
+          <a:xfrm>
+            <a:off x="3505200" y="4991100"/>
+            <a:ext cx="685800" cy="685800"/>
+          </a:xfrm>
+          <a:prstGeom prst="ellipse">
+            <a:avLst/>
+          </a:prstGeom>
+        </p:spPr>
+        <p:style>
+          <a:lnRef idx="2">
+            <a:schemeClr val="accent2">
+              <a:shade val="50000"/>
+            </a:schemeClr>
+          </a:lnRef>
+          <a:fillRef idx="1">
+            <a:schemeClr val="accent2"/>
+          </a:fillRef>
+          <a:effectRef idx="0">
+            <a:schemeClr val="accent2"/>
+          </a:effectRef>
+          <a:fontRef idx="minor">
+            <a:schemeClr val="lt1"/>
+          </a:fontRef>
+        </p:style>
+        <p:txBody>
+          <a:bodyPr rtlCol="0" anchor="ctr"/>
+          <a:lstStyle/>
+          <a:p>
+            <a:pPr algn="ctr"/>
+            <a:r>
+              <a:rPr lang="en-US" dirty="0" err="1"/>
+              <a:t>x1</a:t>
+            </a:r>
+            <a:endParaRPr lang="en-US" dirty="0"/>
+          </a:p>
+        </p:txBody>
+      </p:sp>
+      <p:sp>
+        <p:nvSpPr>
+          <p:cNvPr id="25" name="Oval 24"/>
+          <p:cNvSpPr/>
+          <p:nvPr/>
+        </p:nvSpPr>
+        <p:spPr>
+          <a:xfrm>
+            <a:off x="2819400" y="6057900"/>
+            <a:ext cx="685800" cy="685800"/>
+          </a:xfrm>
+          <a:prstGeom prst="ellipse">
+            <a:avLst/>
+          </a:prstGeom>
+        </p:spPr>
+        <p:style>
+          <a:lnRef idx="1">
+            <a:schemeClr val="accent1"/>
+          </a:lnRef>
+          <a:fillRef idx="3">
+            <a:schemeClr val="accent1"/>
+          </a:fillRef>
+          <a:effectRef idx="2">
+            <a:schemeClr val="accent1"/>
+          </a:effectRef>
+          <a:fontRef idx="minor">
+            <a:schemeClr val="lt1"/>
+          </a:fontRef>
+        </p:style>
+        <p:txBody>
+          <a:bodyPr rtlCol="0" anchor="ctr"/>
+          <a:lstStyle/>
+          <a:p>
+            <a:pPr algn="ctr"/>
+            <a:r>
+              <a:rPr lang="en-US" dirty="0" err="1"/>
+              <a:t>l1</a:t>
+            </a:r>
+            <a:endParaRPr lang="en-US" dirty="0"/>
+          </a:p>
+        </p:txBody>
+      </p:sp>
+      <p:sp>
+        <p:nvSpPr>
+          <p:cNvPr id="26" name="Oval 25"/>
+          <p:cNvSpPr/>
+          <p:nvPr/>
+        </p:nvSpPr>
+        <p:spPr>
+          <a:xfrm>
+            <a:off x="4191000" y="6057900"/>
+            <a:ext cx="685800" cy="685800"/>
+          </a:xfrm>
+          <a:prstGeom prst="ellipse">
+            <a:avLst/>
+          </a:prstGeom>
+        </p:spPr>
+        <p:style>
+          <a:lnRef idx="1">
+            <a:schemeClr val="accent1"/>
+          </a:lnRef>
+          <a:fillRef idx="3">
+            <a:schemeClr val="accent1"/>
+          </a:fillRef>
+          <a:effectRef idx="2">
+            <a:schemeClr val="accent1"/>
+          </a:effectRef>
+          <a:fontRef idx="minor">
+            <a:schemeClr val="lt1"/>
+          </a:fontRef>
+        </p:style>
+        <p:txBody>
+          <a:bodyPr rtlCol="0" anchor="ctr"/>
+          <a:lstStyle/>
+          <a:p>
+            <a:pPr algn="ctr"/>
+            <a:r>
+              <a:rPr lang="en-US" dirty="0" err="1"/>
+              <a:t>l2</a:t>
+            </a:r>
+            <a:endParaRPr lang="en-US" dirty="0"/>
+          </a:p>
+        </p:txBody>
+      </p:sp>
+      <p:sp>
+        <p:nvSpPr>
+          <p:cNvPr id="27" name="Oval 26"/>
+          <p:cNvSpPr/>
+          <p:nvPr/>
+        </p:nvSpPr>
+        <p:spPr>
+          <a:xfrm>
+            <a:off x="5574586" y="5181600"/>
+            <a:ext cx="685800" cy="685800"/>
+          </a:xfrm>
+          <a:prstGeom prst="ellipse">
+            <a:avLst/>
+          </a:prstGeom>
+        </p:spPr>
+        <p:style>
+          <a:lnRef idx="1">
+            <a:schemeClr val="accent1"/>
+          </a:lnRef>
+          <a:fillRef idx="3">
+            <a:schemeClr val="accent1"/>
+          </a:fillRef>
+          <a:effectRef idx="2">
+            <a:schemeClr val="accent1"/>
+          </a:effectRef>
+          <a:fontRef idx="minor">
+            <a:schemeClr val="lt1"/>
+          </a:fontRef>
+        </p:style>
+        <p:txBody>
+          <a:bodyPr rtlCol="0" anchor="ctr"/>
+          <a:lstStyle/>
+          <a:p>
+            <a:pPr algn="ctr"/>
+            <a:r>
+              <a:rPr lang="en-US" dirty="0"/>
+              <a:t>R</a:t>
+            </a:r>
+          </a:p>
+        </p:txBody>
+      </p:sp>
+      <p:cxnSp>
+        <p:nvCxnSpPr>
+          <p:cNvPr id="29" name="Straight Arrow Connector 28"/>
+          <p:cNvCxnSpPr>
+            <a:stCxn id="23" idx="3"/>
+            <a:endCxn id="24" idx="0"/>
+          </p:cNvCxnSpPr>
+          <p:nvPr/>
+        </p:nvCxnSpPr>
+        <p:spPr>
+          <a:xfrm flipH="1">
+            <a:off x="3848100" y="4471567"/>
+            <a:ext cx="683919" cy="519533"/>
+          </a:xfrm>
+          <a:prstGeom prst="straightConnector1">
+            <a:avLst/>
+          </a:prstGeom>
+          <a:ln>
+            <a:tailEnd type="arrow"/>
+          </a:ln>
+        </p:spPr>
+        <p:style>
+          <a:lnRef idx="2">
+            <a:schemeClr val="accent1"/>
+          </a:lnRef>
+          <a:fillRef idx="0">
+            <a:schemeClr val="accent1"/>
+          </a:fillRef>
+          <a:effectRef idx="1">
+            <a:schemeClr val="accent1"/>
+          </a:effectRef>
+          <a:fontRef idx="minor">
+            <a:schemeClr val="tx1"/>
+          </a:fontRef>
+        </p:style>
+      </p:cxnSp>
+      <p:cxnSp>
+        <p:nvCxnSpPr>
+          <p:cNvPr id="30" name="Straight Arrow Connector 29"/>
+          <p:cNvCxnSpPr>
+            <a:stCxn id="24" idx="3"/>
+            <a:endCxn id="25" idx="7"/>
+          </p:cNvCxnSpPr>
+          <p:nvPr/>
+        </p:nvCxnSpPr>
+        <p:spPr>
+          <a:xfrm flipH="1">
+            <a:off x="3404767" y="5576467"/>
+            <a:ext cx="200866" cy="581866"/>
+          </a:xfrm>
+          <a:prstGeom prst="straightConnector1">
+            <a:avLst/>
+          </a:prstGeom>
+          <a:ln>
+            <a:tailEnd type="arrow"/>
+          </a:ln>
+        </p:spPr>
+        <p:style>
+          <a:lnRef idx="2">
+            <a:schemeClr val="accent1"/>
+          </a:lnRef>
+          <a:fillRef idx="0">
+            <a:schemeClr val="accent1"/>
+          </a:fillRef>
+          <a:effectRef idx="1">
+            <a:schemeClr val="accent1"/>
+          </a:effectRef>
+          <a:fontRef idx="minor">
+            <a:schemeClr val="tx1"/>
+          </a:fontRef>
+        </p:style>
+      </p:cxnSp>
+      <p:cxnSp>
+        <p:nvCxnSpPr>
+          <p:cNvPr id="31" name="Straight Arrow Connector 30"/>
+          <p:cNvCxnSpPr>
+            <a:stCxn id="24" idx="5"/>
+            <a:endCxn id="26" idx="0"/>
+          </p:cNvCxnSpPr>
+          <p:nvPr/>
+        </p:nvCxnSpPr>
+        <p:spPr>
+          <a:xfrm>
+            <a:off x="4090567" y="5576467"/>
+            <a:ext cx="443333" cy="481433"/>
+          </a:xfrm>
+          <a:prstGeom prst="straightConnector1">
+            <a:avLst/>
+          </a:prstGeom>
+          <a:ln>
+            <a:tailEnd type="arrow"/>
+          </a:ln>
+        </p:spPr>
+        <p:style>
+          <a:lnRef idx="2">
+            <a:schemeClr val="accent1"/>
+          </a:lnRef>
+          <a:fillRef idx="0">
+            <a:schemeClr val="accent1"/>
+          </a:fillRef>
+          <a:effectRef idx="1">
+            <a:schemeClr val="accent1"/>
+          </a:effectRef>
+          <a:fontRef idx="minor">
+            <a:schemeClr val="tx1"/>
+          </a:fontRef>
+        </p:style>
+      </p:cxnSp>
+      <p:cxnSp>
+        <p:nvCxnSpPr>
+          <p:cNvPr id="32" name="Straight Arrow Connector 31"/>
+          <p:cNvCxnSpPr>
+            <a:stCxn id="23" idx="5"/>
+            <a:endCxn id="27" idx="1"/>
+          </p:cNvCxnSpPr>
+          <p:nvPr/>
+        </p:nvCxnSpPr>
+        <p:spPr>
+          <a:xfrm>
+            <a:off x="5016953" y="4471567"/>
+            <a:ext cx="658066" cy="810466"/>
+          </a:xfrm>
+          <a:prstGeom prst="straightConnector1">
+            <a:avLst/>
+          </a:prstGeom>
+          <a:ln>
+            <a:tailEnd type="arrow"/>
+          </a:ln>
+        </p:spPr>
+        <p:style>
+          <a:lnRef idx="2">
+            <a:schemeClr val="accent1"/>
+          </a:lnRef>
+          <a:fillRef idx="0">
+            <a:schemeClr val="accent1"/>
+          </a:fillRef>
+          <a:effectRef idx="1">
+            <a:schemeClr val="accent1"/>
+          </a:effectRef>
+          <a:fontRef idx="minor">
+            <a:schemeClr val="tx1"/>
+          </a:fontRef>
+        </p:style>
+      </p:cxnSp>
+      <p:cxnSp>
+        <p:nvCxnSpPr>
+          <p:cNvPr id="33" name="Straight Arrow Connector 32"/>
+          <p:cNvCxnSpPr>
+            <a:cxnSpLocks/>
+            <a:stCxn id="23" idx="0"/>
+          </p:cNvCxnSpPr>
+          <p:nvPr/>
+        </p:nvCxnSpPr>
+        <p:spPr>
+          <a:xfrm flipH="1" flipV="1">
+            <a:off x="4698286" y="3276600"/>
+            <a:ext cx="76200" cy="609600"/>
+          </a:xfrm>
+          <a:prstGeom prst="straightConnector1">
+            <a:avLst/>
+          </a:prstGeom>
+          <a:ln>
+            <a:tailEnd type="arrow"/>
+          </a:ln>
+        </p:spPr>
+        <p:style>
+          <a:lnRef idx="2">
+            <a:schemeClr val="accent1"/>
+          </a:lnRef>
+          <a:fillRef idx="0">
+            <a:schemeClr val="accent1"/>
+          </a:fillRef>
+          <a:effectRef idx="1">
+            <a:schemeClr val="accent1"/>
+          </a:effectRef>
+          <a:fontRef idx="minor">
+            <a:schemeClr val="tx1"/>
+          </a:fontRef>
+        </p:style>
+      </p:cxnSp>
+      <p:cxnSp>
+        <p:nvCxnSpPr>
+          <p:cNvPr id="36" name="Straight Arrow Connector 35"/>
+          <p:cNvCxnSpPr>
+            <a:cxnSpLocks/>
+            <a:stCxn id="24" idx="1"/>
+          </p:cNvCxnSpPr>
+          <p:nvPr/>
+        </p:nvCxnSpPr>
+        <p:spPr>
+          <a:xfrm flipH="1" flipV="1">
+            <a:off x="3236122" y="4509667"/>
+            <a:ext cx="369511" cy="581866"/>
+          </a:xfrm>
+          <a:prstGeom prst="straightConnector1">
+            <a:avLst/>
+          </a:prstGeom>
+          <a:ln>
+            <a:tailEnd type="arrow"/>
+          </a:ln>
+        </p:spPr>
+        <p:style>
+          <a:lnRef idx="2">
+            <a:schemeClr val="accent1"/>
+          </a:lnRef>
+          <a:fillRef idx="0">
+            <a:schemeClr val="accent1"/>
+          </a:fillRef>
+          <a:effectRef idx="1">
+            <a:schemeClr val="accent1"/>
+          </a:effectRef>
+          <a:fontRef idx="minor">
+            <a:schemeClr val="tx1"/>
+          </a:fontRef>
+        </p:style>
+      </p:cxnSp>
+      <p:sp>
+        <p:nvSpPr>
+          <p:cNvPr id="52" name="Oval 51"/>
+          <p:cNvSpPr/>
+          <p:nvPr/>
+        </p:nvSpPr>
+        <p:spPr>
+          <a:xfrm>
+            <a:off x="7000840" y="874846"/>
+            <a:ext cx="685800" cy="685800"/>
+          </a:xfrm>
+          <a:prstGeom prst="ellipse">
+            <a:avLst/>
+          </a:prstGeom>
+        </p:spPr>
+        <p:style>
+          <a:lnRef idx="2">
+            <a:schemeClr val="accent2">
+              <a:shade val="50000"/>
+            </a:schemeClr>
+          </a:lnRef>
+          <a:fillRef idx="1">
+            <a:schemeClr val="accent2"/>
+          </a:fillRef>
+          <a:effectRef idx="0">
+            <a:schemeClr val="accent2"/>
+          </a:effectRef>
+          <a:fontRef idx="minor">
+            <a:schemeClr val="lt1"/>
+          </a:fontRef>
+        </p:style>
+        <p:txBody>
+          <a:bodyPr rtlCol="0" anchor="ctr"/>
+          <a:lstStyle/>
+          <a:p>
+            <a:pPr algn="ctr"/>
+            <a:r>
+              <a:rPr lang="en-US" dirty="0" err="1"/>
+              <a:t>x2</a:t>
+            </a:r>
+            <a:endParaRPr lang="en-US" dirty="0"/>
+          </a:p>
+        </p:txBody>
+      </p:sp>
+      <p:sp>
+        <p:nvSpPr>
+          <p:cNvPr id="53" name="Oval 52"/>
+          <p:cNvSpPr/>
+          <p:nvPr/>
+        </p:nvSpPr>
+        <p:spPr>
+          <a:xfrm>
+            <a:off x="5523282" y="893707"/>
+            <a:ext cx="685800" cy="685800"/>
+          </a:xfrm>
+          <a:prstGeom prst="ellipse">
+            <a:avLst/>
+          </a:prstGeom>
+        </p:spPr>
+        <p:style>
+          <a:lnRef idx="2">
+            <a:schemeClr val="accent2">
+              <a:shade val="50000"/>
+            </a:schemeClr>
+          </a:lnRef>
+          <a:fillRef idx="1">
+            <a:schemeClr val="accent2"/>
+          </a:fillRef>
+          <a:effectRef idx="0">
+            <a:schemeClr val="accent2"/>
+          </a:effectRef>
+          <a:fontRef idx="minor">
+            <a:schemeClr val="lt1"/>
+          </a:fontRef>
+        </p:style>
+        <p:txBody>
+          <a:bodyPr rtlCol="0" anchor="ctr"/>
+          <a:lstStyle/>
+          <a:p>
+            <a:pPr algn="ctr"/>
+            <a:r>
+              <a:rPr lang="en-US" dirty="0" err="1"/>
+              <a:t>x1</a:t>
+            </a:r>
+            <a:endParaRPr lang="en-US" dirty="0"/>
+          </a:p>
+        </p:txBody>
+      </p:sp>
+      <p:sp>
+        <p:nvSpPr>
+          <p:cNvPr id="54" name="Oval 53"/>
+          <p:cNvSpPr/>
+          <p:nvPr/>
+        </p:nvSpPr>
+        <p:spPr>
+          <a:xfrm>
+            <a:off x="4837482" y="1960507"/>
+            <a:ext cx="685800" cy="685800"/>
+          </a:xfrm>
+          <a:prstGeom prst="ellipse">
+            <a:avLst/>
+          </a:prstGeom>
+        </p:spPr>
+        <p:style>
+          <a:lnRef idx="1">
+            <a:schemeClr val="accent1"/>
+          </a:lnRef>
+          <a:fillRef idx="3">
+            <a:schemeClr val="accent1"/>
+          </a:fillRef>
+          <a:effectRef idx="2">
+            <a:schemeClr val="accent1"/>
+          </a:effectRef>
+          <a:fontRef idx="minor">
+            <a:schemeClr val="lt1"/>
+          </a:fontRef>
+        </p:style>
+        <p:txBody>
+          <a:bodyPr rtlCol="0" anchor="ctr"/>
+          <a:lstStyle/>
+          <a:p>
+            <a:pPr algn="ctr"/>
+            <a:r>
+              <a:rPr lang="en-US" dirty="0" err="1"/>
+              <a:t>l1</a:t>
+            </a:r>
+            <a:endParaRPr lang="en-US" dirty="0"/>
+          </a:p>
+        </p:txBody>
+      </p:sp>
+      <p:sp>
+        <p:nvSpPr>
+          <p:cNvPr id="55" name="Oval 54"/>
+          <p:cNvSpPr/>
+          <p:nvPr/>
+        </p:nvSpPr>
+        <p:spPr>
+          <a:xfrm>
+            <a:off x="6209082" y="1960507"/>
+            <a:ext cx="685800" cy="685800"/>
+          </a:xfrm>
+          <a:prstGeom prst="ellipse">
+            <a:avLst/>
+          </a:prstGeom>
+        </p:spPr>
+        <p:style>
+          <a:lnRef idx="1">
+            <a:schemeClr val="accent1"/>
+          </a:lnRef>
+          <a:fillRef idx="3">
+            <a:schemeClr val="accent1"/>
+          </a:fillRef>
+          <a:effectRef idx="2">
+            <a:schemeClr val="accent1"/>
+          </a:effectRef>
+          <a:fontRef idx="minor">
+            <a:schemeClr val="lt1"/>
+          </a:fontRef>
+        </p:style>
+        <p:txBody>
+          <a:bodyPr rtlCol="0" anchor="ctr"/>
+          <a:lstStyle/>
+          <a:p>
+            <a:pPr algn="ctr"/>
+            <a:r>
+              <a:rPr lang="en-US" dirty="0" err="1"/>
+              <a:t>l2</a:t>
+            </a:r>
+            <a:endParaRPr lang="en-US" dirty="0"/>
+          </a:p>
+        </p:txBody>
+      </p:sp>
+      <p:sp>
+        <p:nvSpPr>
+          <p:cNvPr id="56" name="Oval 55"/>
+          <p:cNvSpPr/>
+          <p:nvPr/>
+        </p:nvSpPr>
+        <p:spPr>
+          <a:xfrm>
+            <a:off x="8143840" y="2170246"/>
+            <a:ext cx="685800" cy="685800"/>
+          </a:xfrm>
+          <a:prstGeom prst="ellipse">
+            <a:avLst/>
+          </a:prstGeom>
+        </p:spPr>
+        <p:style>
+          <a:lnRef idx="1">
+            <a:schemeClr val="accent1"/>
+          </a:lnRef>
+          <a:fillRef idx="3">
+            <a:schemeClr val="accent1"/>
+          </a:fillRef>
+          <a:effectRef idx="2">
+            <a:schemeClr val="accent1"/>
+          </a:effectRef>
+          <a:fontRef idx="minor">
+            <a:schemeClr val="lt1"/>
+          </a:fontRef>
+        </p:style>
+        <p:txBody>
+          <a:bodyPr rtlCol="0" anchor="ctr"/>
+          <a:lstStyle/>
+          <a:p>
+            <a:pPr algn="ctr"/>
+            <a:r>
+              <a:rPr lang="en-US" dirty="0"/>
+              <a:t>R</a:t>
+            </a:r>
+          </a:p>
+        </p:txBody>
+      </p:sp>
+      <p:cxnSp>
+        <p:nvCxnSpPr>
+          <p:cNvPr id="57" name="Straight Arrow Connector 56"/>
+          <p:cNvCxnSpPr>
+            <a:cxnSpLocks/>
+            <a:stCxn id="52" idx="3"/>
+            <a:endCxn id="55" idx="7"/>
+          </p:cNvCxnSpPr>
+          <p:nvPr/>
+        </p:nvCxnSpPr>
+        <p:spPr>
+          <a:xfrm flipH="1">
+            <a:off x="6794449" y="1460213"/>
+            <a:ext cx="306824" cy="600727"/>
+          </a:xfrm>
+          <a:prstGeom prst="straightConnector1">
+            <a:avLst/>
+          </a:prstGeom>
+          <a:ln>
+            <a:tailEnd type="arrow"/>
+          </a:ln>
+        </p:spPr>
+        <p:style>
+          <a:lnRef idx="2">
+            <a:schemeClr val="accent1"/>
+          </a:lnRef>
+          <a:fillRef idx="0">
+            <a:schemeClr val="accent1"/>
+          </a:fillRef>
+          <a:effectRef idx="1">
+            <a:schemeClr val="accent1"/>
+          </a:effectRef>
+          <a:fontRef idx="minor">
+            <a:schemeClr val="tx1"/>
+          </a:fontRef>
+        </p:style>
+      </p:cxnSp>
+      <p:cxnSp>
+        <p:nvCxnSpPr>
+          <p:cNvPr id="58" name="Straight Arrow Connector 57"/>
+          <p:cNvCxnSpPr>
+            <a:stCxn id="53" idx="3"/>
+            <a:endCxn id="54" idx="7"/>
+          </p:cNvCxnSpPr>
+          <p:nvPr/>
+        </p:nvCxnSpPr>
+        <p:spPr>
+          <a:xfrm flipH="1">
+            <a:off x="5422849" y="1479074"/>
+            <a:ext cx="200866" cy="581866"/>
+          </a:xfrm>
+          <a:prstGeom prst="straightConnector1">
+            <a:avLst/>
+          </a:prstGeom>
+          <a:ln>
+            <a:tailEnd type="arrow"/>
+          </a:ln>
+        </p:spPr>
+        <p:style>
+          <a:lnRef idx="2">
+            <a:schemeClr val="accent1"/>
+          </a:lnRef>
+          <a:fillRef idx="0">
+            <a:schemeClr val="accent1"/>
+          </a:fillRef>
+          <a:effectRef idx="1">
+            <a:schemeClr val="accent1"/>
+          </a:effectRef>
+          <a:fontRef idx="minor">
+            <a:schemeClr val="tx1"/>
+          </a:fontRef>
+        </p:style>
+      </p:cxnSp>
+      <p:cxnSp>
+        <p:nvCxnSpPr>
+          <p:cNvPr id="59" name="Straight Arrow Connector 58"/>
+          <p:cNvCxnSpPr>
+            <a:stCxn id="53" idx="5"/>
+            <a:endCxn id="55" idx="0"/>
+          </p:cNvCxnSpPr>
+          <p:nvPr/>
+        </p:nvCxnSpPr>
+        <p:spPr>
+          <a:xfrm>
+            <a:off x="6108649" y="1479074"/>
+            <a:ext cx="443333" cy="481433"/>
+          </a:xfrm>
+          <a:prstGeom prst="straightConnector1">
+            <a:avLst/>
+          </a:prstGeom>
+          <a:ln>
+            <a:tailEnd type="arrow"/>
+          </a:ln>
+        </p:spPr>
+        <p:style>
+          <a:lnRef idx="2">
+            <a:schemeClr val="accent1"/>
+          </a:lnRef>
+          <a:fillRef idx="0">
+            <a:schemeClr val="accent1"/>
+          </a:fillRef>
+          <a:effectRef idx="1">
+            <a:schemeClr val="accent1"/>
+          </a:effectRef>
+          <a:fontRef idx="minor">
+            <a:schemeClr val="tx1"/>
+          </a:fontRef>
+        </p:style>
+      </p:cxnSp>
+      <p:cxnSp>
+        <p:nvCxnSpPr>
+          <p:cNvPr id="60" name="Straight Arrow Connector 59"/>
+          <p:cNvCxnSpPr>
+            <a:stCxn id="52" idx="5"/>
+            <a:endCxn id="56" idx="1"/>
+          </p:cNvCxnSpPr>
+          <p:nvPr/>
+        </p:nvCxnSpPr>
+        <p:spPr>
+          <a:xfrm>
+            <a:off x="7586207" y="1460213"/>
+            <a:ext cx="658066" cy="810466"/>
+          </a:xfrm>
+          <a:prstGeom prst="straightConnector1">
+            <a:avLst/>
+          </a:prstGeom>
+          <a:ln>
+            <a:tailEnd type="arrow"/>
+          </a:ln>
+        </p:spPr>
+        <p:style>
+          <a:lnRef idx="2">
+            <a:schemeClr val="accent1"/>
+          </a:lnRef>
+          <a:fillRef idx="0">
+            <a:schemeClr val="accent1"/>
+          </a:fillRef>
+          <a:effectRef idx="1">
+            <a:schemeClr val="accent1"/>
+          </a:effectRef>
+          <a:fontRef idx="minor">
+            <a:schemeClr val="tx1"/>
+          </a:fontRef>
+        </p:style>
+      </p:cxnSp>
+      <p:cxnSp>
+        <p:nvCxnSpPr>
+          <p:cNvPr id="61" name="Straight Arrow Connector 60"/>
+          <p:cNvCxnSpPr>
+            <a:cxnSpLocks/>
+            <a:stCxn id="52" idx="0"/>
+          </p:cNvCxnSpPr>
+          <p:nvPr/>
+        </p:nvCxnSpPr>
+        <p:spPr>
+          <a:xfrm flipH="1" flipV="1">
+            <a:off x="7267540" y="265246"/>
+            <a:ext cx="76200" cy="609600"/>
+          </a:xfrm>
+          <a:prstGeom prst="straightConnector1">
+            <a:avLst/>
+          </a:prstGeom>
+          <a:ln>
+            <a:tailEnd type="arrow"/>
+          </a:ln>
+        </p:spPr>
+        <p:style>
+          <a:lnRef idx="2">
+            <a:schemeClr val="accent1"/>
+          </a:lnRef>
+          <a:fillRef idx="0">
+            <a:schemeClr val="accent1"/>
+          </a:fillRef>
+          <a:effectRef idx="1">
+            <a:schemeClr val="accent1"/>
+          </a:effectRef>
+          <a:fontRef idx="minor">
+            <a:schemeClr val="tx1"/>
+          </a:fontRef>
+        </p:style>
+      </p:cxnSp>
+      <p:cxnSp>
+        <p:nvCxnSpPr>
+          <p:cNvPr id="62" name="Straight Arrow Connector 61"/>
+          <p:cNvCxnSpPr>
+            <a:cxnSpLocks/>
+            <a:stCxn id="53" idx="1"/>
+          </p:cNvCxnSpPr>
+          <p:nvPr/>
+        </p:nvCxnSpPr>
+        <p:spPr>
+          <a:xfrm flipH="1" flipV="1">
+            <a:off x="5254204" y="412274"/>
+            <a:ext cx="369511" cy="581866"/>
+          </a:xfrm>
+          <a:prstGeom prst="straightConnector1">
+            <a:avLst/>
+          </a:prstGeom>
+          <a:ln>
+            <a:tailEnd type="arrow"/>
+          </a:ln>
+        </p:spPr>
+        <p:style>
+          <a:lnRef idx="2">
+            <a:schemeClr val="accent1"/>
+          </a:lnRef>
+          <a:fillRef idx="0">
+            <a:schemeClr val="accent1"/>
+          </a:fillRef>
+          <a:effectRef idx="1">
+            <a:schemeClr val="accent1"/>
+          </a:effectRef>
+          <a:fontRef idx="minor">
+            <a:schemeClr val="tx1"/>
+          </a:fontRef>
+        </p:style>
+      </p:cxnSp>
+      <p:sp>
+        <p:nvSpPr>
+          <p:cNvPr id="64" name="Rectangle 63"/>
+          <p:cNvSpPr/>
+          <p:nvPr/>
+        </p:nvSpPr>
+        <p:spPr>
+          <a:xfrm>
+            <a:off x="304800" y="3581400"/>
+            <a:ext cx="1676400" cy="685800"/>
+          </a:xfrm>
+          <a:prstGeom prst="rect">
+            <a:avLst/>
+          </a:prstGeom>
+        </p:spPr>
+        <p:style>
+          <a:lnRef idx="2">
+            <a:schemeClr val="accent1">
+              <a:shade val="50000"/>
+            </a:schemeClr>
+          </a:lnRef>
+          <a:fillRef idx="1">
+            <a:schemeClr val="accent1"/>
+          </a:fillRef>
+          <a:effectRef idx="0">
+            <a:schemeClr val="accent1"/>
+          </a:effectRef>
+          <a:fontRef idx="minor">
+            <a:schemeClr val="lt1"/>
+          </a:fontRef>
+        </p:style>
+        <p:txBody>
+          <a:bodyPr rtlCol="0" anchor="ctr"/>
+          <a:lstStyle/>
+          <a:p>
+            <a:pPr algn="ctr"/>
+            <a:r>
+              <a:rPr lang="en-US" dirty="0" err="1"/>
+              <a:t>x2</a:t>
+            </a:r>
+            <a:r>
+              <a:rPr lang="en-US" dirty="0"/>
+              <a:t> = </a:t>
+            </a:r>
+            <a:r>
+              <a:rPr lang="en-US" dirty="0" err="1"/>
+              <a:t>x1.right</a:t>
+            </a:r>
+            <a:endParaRPr lang="en-US" dirty="0"/>
+          </a:p>
+          <a:p>
+            <a:pPr algn="ctr"/>
+            <a:r>
+              <a:rPr lang="en-US" dirty="0" err="1"/>
+              <a:t>l2</a:t>
+            </a:r>
+            <a:r>
+              <a:rPr lang="en-US" dirty="0"/>
+              <a:t> = </a:t>
+            </a:r>
+            <a:r>
+              <a:rPr lang="en-US" dirty="0" err="1"/>
+              <a:t>x2.left</a:t>
+            </a:r>
+            <a:endParaRPr lang="en-US" dirty="0"/>
+          </a:p>
+        </p:txBody>
+      </p:sp>
+      <p:sp>
+        <p:nvSpPr>
+          <p:cNvPr id="65" name="Rectangle 64"/>
+          <p:cNvSpPr/>
+          <p:nvPr/>
+        </p:nvSpPr>
+        <p:spPr>
+          <a:xfrm>
+            <a:off x="6328244" y="2824033"/>
+            <a:ext cx="1676400" cy="586106"/>
+          </a:xfrm>
+          <a:prstGeom prst="rect">
+            <a:avLst/>
+          </a:prstGeom>
+        </p:spPr>
+        <p:style>
+          <a:lnRef idx="2">
+            <a:schemeClr val="accent1">
+              <a:shade val="50000"/>
+            </a:schemeClr>
+          </a:lnRef>
+          <a:fillRef idx="1">
+            <a:schemeClr val="accent1"/>
+          </a:fillRef>
+          <a:effectRef idx="0">
+            <a:schemeClr val="accent1"/>
+          </a:effectRef>
+          <a:fontRef idx="minor">
+            <a:schemeClr val="lt1"/>
+          </a:fontRef>
+        </p:style>
+        <p:txBody>
+          <a:bodyPr rtlCol="0" anchor="ctr"/>
+          <a:lstStyle/>
+          <a:p>
+            <a:pPr algn="ctr"/>
+            <a:r>
+              <a:rPr lang="en-US" dirty="0" err="1"/>
+              <a:t>x1.right</a:t>
+            </a:r>
+            <a:r>
+              <a:rPr lang="en-US" dirty="0"/>
+              <a:t> = </a:t>
+            </a:r>
+            <a:r>
+              <a:rPr lang="en-US" dirty="0" err="1"/>
+              <a:t>l2</a:t>
+            </a:r>
+            <a:endParaRPr lang="en-US" dirty="0"/>
+          </a:p>
+          <a:p>
+            <a:pPr algn="ctr"/>
+            <a:r>
+              <a:rPr lang="en-US" dirty="0" err="1"/>
+              <a:t>l2.parent</a:t>
+            </a:r>
+            <a:r>
+              <a:rPr lang="en-US" dirty="0"/>
+              <a:t> = </a:t>
+            </a:r>
+            <a:r>
+              <a:rPr lang="en-US" dirty="0" err="1"/>
+              <a:t>x1</a:t>
+            </a:r>
+            <a:endParaRPr lang="en-US" dirty="0"/>
+          </a:p>
+        </p:txBody>
+      </p:sp>
+      <p:sp>
+        <p:nvSpPr>
+          <p:cNvPr id="66" name="Rectangle 65"/>
+          <p:cNvSpPr/>
+          <p:nvPr/>
+        </p:nvSpPr>
+        <p:spPr>
+          <a:xfrm>
+            <a:off x="5875458" y="3985894"/>
+            <a:ext cx="1676400" cy="586106"/>
+          </a:xfrm>
+          <a:prstGeom prst="rect">
+            <a:avLst/>
+          </a:prstGeom>
+        </p:spPr>
+        <p:style>
+          <a:lnRef idx="2">
+            <a:schemeClr val="accent1">
+              <a:shade val="50000"/>
+            </a:schemeClr>
+          </a:lnRef>
+          <a:fillRef idx="1">
+            <a:schemeClr val="accent1"/>
+          </a:fillRef>
+          <a:effectRef idx="0">
+            <a:schemeClr val="accent1"/>
+          </a:effectRef>
+          <a:fontRef idx="minor">
+            <a:schemeClr val="lt1"/>
+          </a:fontRef>
+        </p:style>
+        <p:txBody>
+          <a:bodyPr rtlCol="0" anchor="ctr"/>
+          <a:lstStyle/>
+          <a:p>
+            <a:pPr algn="ctr"/>
+            <a:r>
+              <a:rPr lang="en-US" dirty="0" err="1"/>
+              <a:t>x2.left</a:t>
+            </a:r>
+            <a:r>
+              <a:rPr lang="en-US" dirty="0"/>
+              <a:t> = </a:t>
+            </a:r>
+            <a:r>
+              <a:rPr lang="en-US" dirty="0" err="1"/>
+              <a:t>x1</a:t>
+            </a:r>
+            <a:endParaRPr lang="en-US" dirty="0"/>
+          </a:p>
+        </p:txBody>
+      </p:sp>
+      <p:sp>
+        <p:nvSpPr>
+          <p:cNvPr id="67" name="Rectangle 66"/>
+          <p:cNvSpPr/>
+          <p:nvPr/>
+        </p:nvSpPr>
+        <p:spPr>
+          <a:xfrm>
+            <a:off x="6534292" y="4953000"/>
+            <a:ext cx="2219360" cy="1066166"/>
+          </a:xfrm>
+          <a:prstGeom prst="rect">
+            <a:avLst/>
+          </a:prstGeom>
+        </p:spPr>
+        <p:style>
+          <a:lnRef idx="2">
+            <a:schemeClr val="accent1">
+              <a:shade val="50000"/>
+            </a:schemeClr>
+          </a:lnRef>
+          <a:fillRef idx="1">
+            <a:schemeClr val="accent1"/>
+          </a:fillRef>
+          <a:effectRef idx="0">
+            <a:schemeClr val="accent1"/>
+          </a:effectRef>
+          <a:fontRef idx="minor">
+            <a:schemeClr val="lt1"/>
+          </a:fontRef>
+        </p:style>
+        <p:txBody>
+          <a:bodyPr rtlCol="0" anchor="ctr"/>
+          <a:lstStyle/>
+          <a:p>
+            <a:pPr algn="ctr"/>
+            <a:r>
+              <a:rPr lang="en-US" dirty="0" err="1"/>
+              <a:t>x2.parent</a:t>
+            </a:r>
+            <a:r>
+              <a:rPr lang="en-US" dirty="0"/>
+              <a:t> = </a:t>
+            </a:r>
+            <a:r>
+              <a:rPr lang="en-US" dirty="0" err="1"/>
+              <a:t>x1.parent</a:t>
+            </a:r>
+            <a:endParaRPr lang="en-US" dirty="0"/>
+          </a:p>
+          <a:p>
+            <a:pPr algn="ctr"/>
+            <a:r>
+              <a:rPr lang="en-US" dirty="0" err="1"/>
+              <a:t>x2.parent.child</a:t>
+            </a:r>
+            <a:r>
+              <a:rPr lang="en-US" dirty="0"/>
+              <a:t> = </a:t>
+            </a:r>
+            <a:r>
+              <a:rPr lang="en-US" dirty="0" err="1"/>
+              <a:t>x2</a:t>
+            </a:r>
+            <a:endParaRPr lang="en-US" dirty="0"/>
+          </a:p>
+          <a:p>
+            <a:pPr algn="ctr"/>
+            <a:r>
+              <a:rPr lang="en-US" dirty="0" err="1"/>
+              <a:t>x1.parent</a:t>
+            </a:r>
+            <a:r>
+              <a:rPr lang="en-US" dirty="0"/>
+              <a:t> = </a:t>
+            </a:r>
+            <a:r>
+              <a:rPr lang="en-US" dirty="0" err="1"/>
+              <a:t>x2</a:t>
+            </a:r>
+            <a:endParaRPr lang="en-US" dirty="0"/>
           </a:p>
         </p:txBody>
       </p:sp>
     </p:spTree>
     <p:extLst>
       <p:ext uri="{BB962C8B-B14F-4D97-AF65-F5344CB8AC3E}">
-        <p14:creationId xmlns:p14="http://schemas.microsoft.com/office/powerpoint/2010/main" val="1241075311"/>
+        <p14:creationId xmlns:p14="http://schemas.microsoft.com/office/powerpoint/2010/main" val="2845039496"/>
       </p:ext>
     </p:extLst>
   </p:cSld>
   <p:clrMapOvr>
     <a:masterClrMapping/>
   </p:clrMapOvr>
+  <p:timing>
+    <p:tnLst>
+      <p:par>
+        <p:cTn id="1" dur="indefinite" restart="never" nodeType="tmRoot">
+          <p:childTnLst>
+            <p:seq concurrent="1" nextAc="seek">
+              <p:cTn id="2" dur="indefinite" nodeType="mainSeq">
+                <p:childTnLst>
+                  <p:par>
+                    <p:cTn id="3" fill="hold">
+                      <p:stCondLst>
+                        <p:cond delay="indefinite"/>
+                      </p:stCondLst>
+                      <p:childTnLst>
+                        <p:par>
+                          <p:cTn id="4" fill="hold">
+                            <p:stCondLst>
+                              <p:cond delay="0"/>
+                            </p:stCondLst>
+                            <p:childTnLst>
+                              <p:par>
+                                <p:cTn id="5" presetID="2" presetClass="entr" presetSubtype="4" fill="hold" grpId="0" nodeType="clickEffect">
+                                  <p:stCondLst>
+                                    <p:cond delay="0"/>
+                                  </p:stCondLst>
+                                  <p:childTnLst>
+                                    <p:set>
+                                      <p:cBhvr>
+                                        <p:cTn id="6" dur="1" fill="hold">
+                                          <p:stCondLst>
+                                            <p:cond delay="0"/>
+                                          </p:stCondLst>
+                                        </p:cTn>
+                                        <p:tgtEl>
+                                          <p:spTgt spid="64"/>
+                                        </p:tgtEl>
+                                        <p:attrNameLst>
+                                          <p:attrName>style.visibility</p:attrName>
+                                        </p:attrNameLst>
+                                      </p:cBhvr>
+                                      <p:to>
+                                        <p:strVal val="visible"/>
+                                      </p:to>
+                                    </p:set>
+                                    <p:anim calcmode="lin" valueType="num">
+                                      <p:cBhvr additive="base">
+                                        <p:cTn id="7" dur="500" fill="hold"/>
+                                        <p:tgtEl>
+                                          <p:spTgt spid="64"/>
+                                        </p:tgtEl>
+                                        <p:attrNameLst>
+                                          <p:attrName>ppt_x</p:attrName>
+                                        </p:attrNameLst>
+                                      </p:cBhvr>
+                                      <p:tavLst>
+                                        <p:tav tm="0">
+                                          <p:val>
+                                            <p:strVal val="#ppt_x"/>
+                                          </p:val>
+                                        </p:tav>
+                                        <p:tav tm="100000">
+                                          <p:val>
+                                            <p:strVal val="#ppt_x"/>
+                                          </p:val>
+                                        </p:tav>
+                                      </p:tavLst>
+                                    </p:anim>
+                                    <p:anim calcmode="lin" valueType="num">
+                                      <p:cBhvr additive="base">
+                                        <p:cTn id="8" dur="500" fill="hold"/>
+                                        <p:tgtEl>
+                                          <p:spTgt spid="64"/>
+                                        </p:tgtEl>
+                                        <p:attrNameLst>
+                                          <p:attrName>ppt_y</p:attrName>
+                                        </p:attrNameLst>
+                                      </p:cBhvr>
+                                      <p:tavLst>
+                                        <p:tav tm="0">
+                                          <p:val>
+                                            <p:strVal val="1+#ppt_h/2"/>
+                                          </p:val>
+                                        </p:tav>
+                                        <p:tav tm="100000">
+                                          <p:val>
+                                            <p:strVal val="#ppt_y"/>
+                                          </p:val>
+                                        </p:tav>
+                                      </p:tavLst>
+                                    </p:anim>
+                                  </p:childTnLst>
+                                </p:cTn>
+                              </p:par>
+                            </p:childTnLst>
+                          </p:cTn>
+                        </p:par>
+                      </p:childTnLst>
+                    </p:cTn>
+                  </p:par>
+                  <p:par>
+                    <p:cTn id="9" fill="hold">
+                      <p:stCondLst>
+                        <p:cond delay="indefinite"/>
+                      </p:stCondLst>
+                      <p:childTnLst>
+                        <p:par>
+                          <p:cTn id="10" fill="hold">
+                            <p:stCondLst>
+                              <p:cond delay="0"/>
+                            </p:stCondLst>
+                            <p:childTnLst>
+                              <p:par>
+                                <p:cTn id="11" presetID="2" presetClass="entr" presetSubtype="4" fill="hold" grpId="0" nodeType="clickEffect">
+                                  <p:stCondLst>
+                                    <p:cond delay="0"/>
+                                  </p:stCondLst>
+                                  <p:childTnLst>
+                                    <p:set>
+                                      <p:cBhvr>
+                                        <p:cTn id="12" dur="1" fill="hold">
+                                          <p:stCondLst>
+                                            <p:cond delay="0"/>
+                                          </p:stCondLst>
+                                        </p:cTn>
+                                        <p:tgtEl>
+                                          <p:spTgt spid="65"/>
+                                        </p:tgtEl>
+                                        <p:attrNameLst>
+                                          <p:attrName>style.visibility</p:attrName>
+                                        </p:attrNameLst>
+                                      </p:cBhvr>
+                                      <p:to>
+                                        <p:strVal val="visible"/>
+                                      </p:to>
+                                    </p:set>
+                                    <p:anim calcmode="lin" valueType="num">
+                                      <p:cBhvr additive="base">
+                                        <p:cTn id="13" dur="500" fill="hold"/>
+                                        <p:tgtEl>
+                                          <p:spTgt spid="65"/>
+                                        </p:tgtEl>
+                                        <p:attrNameLst>
+                                          <p:attrName>ppt_x</p:attrName>
+                                        </p:attrNameLst>
+                                      </p:cBhvr>
+                                      <p:tavLst>
+                                        <p:tav tm="0">
+                                          <p:val>
+                                            <p:strVal val="#ppt_x"/>
+                                          </p:val>
+                                        </p:tav>
+                                        <p:tav tm="100000">
+                                          <p:val>
+                                            <p:strVal val="#ppt_x"/>
+                                          </p:val>
+                                        </p:tav>
+                                      </p:tavLst>
+                                    </p:anim>
+                                    <p:anim calcmode="lin" valueType="num">
+                                      <p:cBhvr additive="base">
+                                        <p:cTn id="14" dur="500" fill="hold"/>
+                                        <p:tgtEl>
+                                          <p:spTgt spid="65"/>
+                                        </p:tgtEl>
+                                        <p:attrNameLst>
+                                          <p:attrName>ppt_y</p:attrName>
+                                        </p:attrNameLst>
+                                      </p:cBhvr>
+                                      <p:tavLst>
+                                        <p:tav tm="0">
+                                          <p:val>
+                                            <p:strVal val="1+#ppt_h/2"/>
+                                          </p:val>
+                                        </p:tav>
+                                        <p:tav tm="100000">
+                                          <p:val>
+                                            <p:strVal val="#ppt_y"/>
+                                          </p:val>
+                                        </p:tav>
+                                      </p:tavLst>
+                                    </p:anim>
+                                  </p:childTnLst>
+                                </p:cTn>
+                              </p:par>
+                            </p:childTnLst>
+                          </p:cTn>
+                        </p:par>
+                      </p:childTnLst>
+                    </p:cTn>
+                  </p:par>
+                  <p:par>
+                    <p:cTn id="15" fill="hold">
+                      <p:stCondLst>
+                        <p:cond delay="indefinite"/>
+                      </p:stCondLst>
+                      <p:childTnLst>
+                        <p:par>
+                          <p:cTn id="16" fill="hold">
+                            <p:stCondLst>
+                              <p:cond delay="0"/>
+                            </p:stCondLst>
+                            <p:childTnLst>
+                              <p:par>
+                                <p:cTn id="17" presetID="2" presetClass="entr" presetSubtype="4" fill="hold" grpId="0" nodeType="clickEffect">
+                                  <p:stCondLst>
+                                    <p:cond delay="0"/>
+                                  </p:stCondLst>
+                                  <p:childTnLst>
+                                    <p:set>
+                                      <p:cBhvr>
+                                        <p:cTn id="18" dur="1" fill="hold">
+                                          <p:stCondLst>
+                                            <p:cond delay="0"/>
+                                          </p:stCondLst>
+                                        </p:cTn>
+                                        <p:tgtEl>
+                                          <p:spTgt spid="66"/>
+                                        </p:tgtEl>
+                                        <p:attrNameLst>
+                                          <p:attrName>style.visibility</p:attrName>
+                                        </p:attrNameLst>
+                                      </p:cBhvr>
+                                      <p:to>
+                                        <p:strVal val="visible"/>
+                                      </p:to>
+                                    </p:set>
+                                    <p:anim calcmode="lin" valueType="num">
+                                      <p:cBhvr additive="base">
+                                        <p:cTn id="19" dur="500" fill="hold"/>
+                                        <p:tgtEl>
+                                          <p:spTgt spid="66"/>
+                                        </p:tgtEl>
+                                        <p:attrNameLst>
+                                          <p:attrName>ppt_x</p:attrName>
+                                        </p:attrNameLst>
+                                      </p:cBhvr>
+                                      <p:tavLst>
+                                        <p:tav tm="0">
+                                          <p:val>
+                                            <p:strVal val="#ppt_x"/>
+                                          </p:val>
+                                        </p:tav>
+                                        <p:tav tm="100000">
+                                          <p:val>
+                                            <p:strVal val="#ppt_x"/>
+                                          </p:val>
+                                        </p:tav>
+                                      </p:tavLst>
+                                    </p:anim>
+                                    <p:anim calcmode="lin" valueType="num">
+                                      <p:cBhvr additive="base">
+                                        <p:cTn id="20" dur="500" fill="hold"/>
+                                        <p:tgtEl>
+                                          <p:spTgt spid="66"/>
+                                        </p:tgtEl>
+                                        <p:attrNameLst>
+                                          <p:attrName>ppt_y</p:attrName>
+                                        </p:attrNameLst>
+                                      </p:cBhvr>
+                                      <p:tavLst>
+                                        <p:tav tm="0">
+                                          <p:val>
+                                            <p:strVal val="1+#ppt_h/2"/>
+                                          </p:val>
+                                        </p:tav>
+                                        <p:tav tm="100000">
+                                          <p:val>
+                                            <p:strVal val="#ppt_y"/>
+                                          </p:val>
+                                        </p:tav>
+                                      </p:tavLst>
+                                    </p:anim>
+                                  </p:childTnLst>
+                                </p:cTn>
+                              </p:par>
+                            </p:childTnLst>
+                          </p:cTn>
+                        </p:par>
+                      </p:childTnLst>
+                    </p:cTn>
+                  </p:par>
+                  <p:par>
+                    <p:cTn id="21" fill="hold">
+                      <p:stCondLst>
+                        <p:cond delay="indefinite"/>
+                      </p:stCondLst>
+                      <p:childTnLst>
+                        <p:par>
+                          <p:cTn id="22" fill="hold">
+                            <p:stCondLst>
+                              <p:cond delay="0"/>
+                            </p:stCondLst>
+                            <p:childTnLst>
+                              <p:par>
+                                <p:cTn id="23" presetID="2" presetClass="entr" presetSubtype="4" fill="hold" grpId="0" nodeType="clickEffect">
+                                  <p:stCondLst>
+                                    <p:cond delay="0"/>
+                                  </p:stCondLst>
+                                  <p:childTnLst>
+                                    <p:set>
+                                      <p:cBhvr>
+                                        <p:cTn id="24" dur="1" fill="hold">
+                                          <p:stCondLst>
+                                            <p:cond delay="0"/>
+                                          </p:stCondLst>
+                                        </p:cTn>
+                                        <p:tgtEl>
+                                          <p:spTgt spid="67"/>
+                                        </p:tgtEl>
+                                        <p:attrNameLst>
+                                          <p:attrName>style.visibility</p:attrName>
+                                        </p:attrNameLst>
+                                      </p:cBhvr>
+                                      <p:to>
+                                        <p:strVal val="visible"/>
+                                      </p:to>
+                                    </p:set>
+                                    <p:anim calcmode="lin" valueType="num">
+                                      <p:cBhvr additive="base">
+                                        <p:cTn id="25" dur="500" fill="hold"/>
+                                        <p:tgtEl>
+                                          <p:spTgt spid="67"/>
+                                        </p:tgtEl>
+                                        <p:attrNameLst>
+                                          <p:attrName>ppt_x</p:attrName>
+                                        </p:attrNameLst>
+                                      </p:cBhvr>
+                                      <p:tavLst>
+                                        <p:tav tm="0">
+                                          <p:val>
+                                            <p:strVal val="#ppt_x"/>
+                                          </p:val>
+                                        </p:tav>
+                                        <p:tav tm="100000">
+                                          <p:val>
+                                            <p:strVal val="#ppt_x"/>
+                                          </p:val>
+                                        </p:tav>
+                                      </p:tavLst>
+                                    </p:anim>
+                                    <p:anim calcmode="lin" valueType="num">
+                                      <p:cBhvr additive="base">
+                                        <p:cTn id="26" dur="500" fill="hold"/>
+                                        <p:tgtEl>
+                                          <p:spTgt spid="67"/>
+                                        </p:tgtEl>
+                                        <p:attrNameLst>
+                                          <p:attrName>ppt_y</p:attrName>
+                                        </p:attrNameLst>
+                                      </p:cBhvr>
+                                      <p:tavLst>
+                                        <p:tav tm="0">
+                                          <p:val>
+                                            <p:strVal val="1+#ppt_h/2"/>
+                                          </p:val>
+                                        </p:tav>
+                                        <p:tav tm="100000">
+                                          <p:val>
+                                            <p:strVal val="#ppt_y"/>
+                                          </p:val>
+                                        </p:tav>
+                                      </p:tavLst>
+                                    </p:anim>
+                                  </p:childTnLst>
+                                </p:cTn>
+                              </p:par>
+                            </p:childTnLst>
+                          </p:cTn>
+                        </p:par>
+                      </p:childTnLst>
+                    </p:cTn>
+                  </p:par>
+                </p:childTnLst>
+              </p:cTn>
+              <p:prevCondLst>
+                <p:cond evt="onPrev" delay="0">
+                  <p:tgtEl>
+                    <p:sldTgt/>
+                  </p:tgtEl>
+                </p:cond>
+              </p:prevCondLst>
+              <p:nextCondLst>
+                <p:cond evt="onNext" delay="0">
+                  <p:tgtEl>
+                    <p:sldTgt/>
+                  </p:tgtEl>
+                </p:cond>
+              </p:nextCondLst>
+            </p:seq>
+          </p:childTnLst>
+        </p:cTn>
+      </p:par>
+    </p:tnLst>
+    <p:bldLst>
+      <p:bldP spid="64" grpId="0" animBg="1"/>
+      <p:bldP spid="65" grpId="0" animBg="1"/>
+      <p:bldP spid="66" grpId="0" animBg="1"/>
+      <p:bldP spid="67" grpId="0" animBg="1"/>
+    </p:bldLst>
+  </p:timing>
 </p:sld>
 </file>
 
@@ -29690,44 +33486,37 @@
           <a:p>
             <a:r>
               <a:rPr lang="en-US" dirty="0"/>
-              <a:t>Step 1. Creating the backbone</a:t>
-            </a:r>
-          </a:p>
-        </p:txBody>
-      </p:sp>
-      <p:pic>
-        <p:nvPicPr>
-          <p:cNvPr id="4" name="Picture 3"/>
-          <p:cNvPicPr>
-            <a:picLocks noChangeAspect="1"/>
-          </p:cNvPicPr>
-          <p:nvPr/>
-        </p:nvPicPr>
-        <p:blipFill>
-          <a:blip r:embed="rId2"/>
-          <a:stretch>
-            <a:fillRect/>
-          </a:stretch>
-        </p:blipFill>
-        <p:spPr>
-          <a:xfrm>
-            <a:off x="469900" y="977900"/>
-            <a:ext cx="8204200" cy="3136900"/>
-          </a:xfrm>
-          <a:prstGeom prst="rect">
-            <a:avLst/>
-          </a:prstGeom>
-          <a:ln>
-            <a:solidFill>
-              <a:srgbClr val="C0504D"/>
-            </a:solidFill>
-          </a:ln>
-        </p:spPr>
-      </p:pic>
+              <a:t>Left rotation</a:t>
+            </a:r>
+          </a:p>
+        </p:txBody>
+      </p:sp>
+      <p:sp>
+        <p:nvSpPr>
+          <p:cNvPr id="3" name="Content Placeholder 2"/>
+          <p:cNvSpPr>
+            <a:spLocks noGrp="1"/>
+          </p:cNvSpPr>
+          <p:nvPr>
+            <p:ph idx="1"/>
+          </p:nvPr>
+        </p:nvSpPr>
+        <p:spPr/>
+        <p:txBody>
+          <a:bodyPr/>
+          <a:lstStyle/>
+          <a:p>
+            <a:r>
+              <a:rPr lang="en-US" dirty="0"/>
+              <a:t>Left rotation is the reverse of right rotation.</a:t>
+            </a:r>
+          </a:p>
+        </p:txBody>
+      </p:sp>
     </p:spTree>
     <p:extLst>
       <p:ext uri="{BB962C8B-B14F-4D97-AF65-F5344CB8AC3E}">
-        <p14:creationId xmlns:p14="http://schemas.microsoft.com/office/powerpoint/2010/main" val="1449525422"/>
+        <p14:creationId xmlns:p14="http://schemas.microsoft.com/office/powerpoint/2010/main" val="3480453450"/>
       </p:ext>
     </p:extLst>
   </p:cSld>
@@ -29771,44 +33560,56 @@
           <a:p>
             <a:r>
               <a:rPr lang="en-US" dirty="0"/>
-              <a:t>Step 1. Creating the backbone</a:t>
-            </a:r>
-          </a:p>
-        </p:txBody>
-      </p:sp>
-      <p:pic>
-        <p:nvPicPr>
-          <p:cNvPr id="4" name="Picture 3"/>
-          <p:cNvPicPr>
-            <a:picLocks noChangeAspect="1"/>
-          </p:cNvPicPr>
-          <p:nvPr/>
-        </p:nvPicPr>
-        <p:blipFill>
-          <a:blip r:embed="rId2"/>
-          <a:stretch>
-            <a:fillRect/>
-          </a:stretch>
-        </p:blipFill>
-        <p:spPr>
-          <a:xfrm>
-            <a:off x="0" y="1219200"/>
-            <a:ext cx="9144000" cy="4876800"/>
-          </a:xfrm>
-          <a:prstGeom prst="rect">
-            <a:avLst/>
-          </a:prstGeom>
-          <a:ln>
-            <a:solidFill>
-              <a:srgbClr val="C0504D"/>
-            </a:solidFill>
-          </a:ln>
-        </p:spPr>
-      </p:pic>
+              <a:t>DSW </a:t>
+            </a:r>
+            <a:r>
+              <a:rPr lang="en-US" dirty="0" err="1"/>
+              <a:t>Algo</a:t>
+            </a:r>
+            <a:endParaRPr lang="en-US" dirty="0"/>
+          </a:p>
+        </p:txBody>
+      </p:sp>
+      <p:sp>
+        <p:nvSpPr>
+          <p:cNvPr id="3" name="Content Placeholder 2"/>
+          <p:cNvSpPr>
+            <a:spLocks noGrp="1"/>
+          </p:cNvSpPr>
+          <p:nvPr>
+            <p:ph idx="1"/>
+          </p:nvPr>
+        </p:nvSpPr>
+        <p:spPr/>
+        <p:txBody>
+          <a:bodyPr/>
+          <a:lstStyle/>
+          <a:p>
+            <a:r>
+              <a:rPr lang="en-US" dirty="0"/>
+              <a:t>DSW consists of two steps</a:t>
+            </a:r>
+          </a:p>
+          <a:p>
+            <a:pPr lvl="1"/>
+            <a:r>
+              <a:rPr lang="en-US" dirty="0"/>
+              <a:t>1. Transform tree into link list like tree (backbone or vine)</a:t>
+            </a:r>
+          </a:p>
+          <a:p>
+            <a:pPr lvl="1"/>
+            <a:r>
+              <a:rPr lang="en-US" dirty="0"/>
+              <a:t>2. Rotating every second node of the backbone about its parent</a:t>
+            </a:r>
+          </a:p>
+        </p:txBody>
+      </p:sp>
     </p:spTree>
     <p:extLst>
       <p:ext uri="{BB962C8B-B14F-4D97-AF65-F5344CB8AC3E}">
-        <p14:creationId xmlns:p14="http://schemas.microsoft.com/office/powerpoint/2010/main" val="1297106768"/>
+        <p14:creationId xmlns:p14="http://schemas.microsoft.com/office/powerpoint/2010/main" val="1241075311"/>
       </p:ext>
     </p:extLst>
   </p:cSld>
@@ -29847,69 +33648,13 @@
         </p:nvSpPr>
         <p:spPr/>
         <p:txBody>
-          <a:bodyPr>
-            <a:normAutofit fontScale="90000"/>
-          </a:bodyPr>
-          <a:lstStyle/>
-          <a:p>
-            <a:r>
-              <a:rPr lang="en-US" dirty="0"/>
-              <a:t>Step 2. Building perfectly balanced tree</a:t>
-            </a:r>
-          </a:p>
-        </p:txBody>
-      </p:sp>
-      <p:sp>
-        <p:nvSpPr>
-          <p:cNvPr id="3" name="Content Placeholder 2"/>
-          <p:cNvSpPr>
-            <a:spLocks noGrp="1"/>
-          </p:cNvSpPr>
-          <p:nvPr>
-            <p:ph idx="1"/>
-          </p:nvPr>
-        </p:nvSpPr>
-        <p:spPr>
-          <a:xfrm>
-            <a:off x="76200" y="1066800"/>
-            <a:ext cx="8915400" cy="2819400"/>
-          </a:xfrm>
-        </p:spPr>
-        <p:txBody>
-          <a:bodyPr>
-            <a:normAutofit fontScale="92500" lnSpcReduction="10000"/>
-          </a:bodyPr>
-          <a:lstStyle/>
-          <a:p>
-            <a:r>
-              <a:rPr lang="en-US" dirty="0"/>
-              <a:t>Every second node down to certain point is rotated about its parent</a:t>
-            </a:r>
-          </a:p>
-          <a:p>
-            <a:r>
-              <a:rPr lang="en-US" dirty="0"/>
-              <a:t>The first pass may not reach the end of the backbone:</a:t>
-            </a:r>
-          </a:p>
-          <a:p>
-            <a:pPr lvl="1"/>
-            <a:r>
-              <a:rPr lang="en-US" dirty="0"/>
-              <a:t>It’s used to account for the difference between the number n of nodes in the current tree and the number 2 powers of upper round of </a:t>
-            </a:r>
-            <a:r>
-              <a:rPr lang="en-US" dirty="0" err="1"/>
-              <a:t>lg</a:t>
-            </a:r>
-            <a:r>
-              <a:rPr lang="en-US" dirty="0"/>
-              <a:t>(n+1) then – 1</a:t>
-            </a:r>
-          </a:p>
-          <a:p>
-            <a:pPr lvl="1"/>
-            <a:endParaRPr lang="en-US" dirty="0"/>
+          <a:bodyPr/>
+          <a:lstStyle/>
+          <a:p>
+            <a:r>
+              <a:rPr lang="en-US" dirty="0"/>
+              <a:t>Step 1. Creating the backbone</a:t>
+            </a:r>
           </a:p>
         </p:txBody>
       </p:sp>
@@ -29929,8 +33674,8 @@
         </p:blipFill>
         <p:spPr>
           <a:xfrm>
-            <a:off x="952500" y="3924300"/>
-            <a:ext cx="7239000" cy="2324100"/>
+            <a:off x="469900" y="977900"/>
+            <a:ext cx="8204200" cy="3136900"/>
           </a:xfrm>
           <a:prstGeom prst="rect">
             <a:avLst/>
@@ -29945,7 +33690,7 @@
     </p:spTree>
     <p:extLst>
       <p:ext uri="{BB962C8B-B14F-4D97-AF65-F5344CB8AC3E}">
-        <p14:creationId xmlns:p14="http://schemas.microsoft.com/office/powerpoint/2010/main" val="3496595772"/>
+        <p14:creationId xmlns:p14="http://schemas.microsoft.com/office/powerpoint/2010/main" val="1449525422"/>
       </p:ext>
     </p:extLst>
   </p:cSld>
@@ -29984,14 +33729,12 @@
         </p:nvSpPr>
         <p:spPr/>
         <p:txBody>
-          <a:bodyPr>
-            <a:normAutofit fontScale="90000"/>
-          </a:bodyPr>
-          <a:lstStyle/>
-          <a:p>
-            <a:r>
-              <a:rPr lang="en-US" dirty="0"/>
-              <a:t>Step 2. Building perfectly balanced tree</a:t>
+          <a:bodyPr/>
+          <a:lstStyle/>
+          <a:p>
+            <a:r>
+              <a:rPr lang="en-US" dirty="0"/>
+              <a:t>Step 1. Creating the backbone</a:t>
             </a:r>
           </a:p>
         </p:txBody>
@@ -30012,8 +33755,8 @@
         </p:blipFill>
         <p:spPr>
           <a:xfrm>
-            <a:off x="76200" y="1016000"/>
-            <a:ext cx="8991600" cy="4826000"/>
+            <a:off x="0" y="1219200"/>
+            <a:ext cx="9144000" cy="4876800"/>
           </a:xfrm>
           <a:prstGeom prst="rect">
             <a:avLst/>
@@ -30028,7 +33771,7 @@
     </p:spTree>
     <p:extLst>
       <p:ext uri="{BB962C8B-B14F-4D97-AF65-F5344CB8AC3E}">
-        <p14:creationId xmlns:p14="http://schemas.microsoft.com/office/powerpoint/2010/main" val="2216033629"/>
+        <p14:creationId xmlns:p14="http://schemas.microsoft.com/office/powerpoint/2010/main" val="1297106768"/>
       </p:ext>
     </p:extLst>
   </p:cSld>
@@ -30057,6 +33800,226 @@
       </p:grpSpPr>
       <p:sp>
         <p:nvSpPr>
+          <p:cNvPr id="2" name="Title 1"/>
+          <p:cNvSpPr>
+            <a:spLocks noGrp="1"/>
+          </p:cNvSpPr>
+          <p:nvPr>
+            <p:ph type="title"/>
+          </p:nvPr>
+        </p:nvSpPr>
+        <p:spPr/>
+        <p:txBody>
+          <a:bodyPr>
+            <a:normAutofit fontScale="90000"/>
+          </a:bodyPr>
+          <a:lstStyle/>
+          <a:p>
+            <a:r>
+              <a:rPr lang="en-US" dirty="0"/>
+              <a:t>Step 2. Building perfectly balanced tree</a:t>
+            </a:r>
+          </a:p>
+        </p:txBody>
+      </p:sp>
+      <p:sp>
+        <p:nvSpPr>
+          <p:cNvPr id="3" name="Content Placeholder 2"/>
+          <p:cNvSpPr>
+            <a:spLocks noGrp="1"/>
+          </p:cNvSpPr>
+          <p:nvPr>
+            <p:ph idx="1"/>
+          </p:nvPr>
+        </p:nvSpPr>
+        <p:spPr>
+          <a:xfrm>
+            <a:off x="76200" y="1066800"/>
+            <a:ext cx="8915400" cy="2819400"/>
+          </a:xfrm>
+        </p:spPr>
+        <p:txBody>
+          <a:bodyPr>
+            <a:normAutofit fontScale="92500" lnSpcReduction="10000"/>
+          </a:bodyPr>
+          <a:lstStyle/>
+          <a:p>
+            <a:r>
+              <a:rPr lang="en-US" dirty="0"/>
+              <a:t>Every second node down to certain point is rotated about its parent</a:t>
+            </a:r>
+          </a:p>
+          <a:p>
+            <a:r>
+              <a:rPr lang="en-US" dirty="0"/>
+              <a:t>The first pass may not reach the end of the backbone:</a:t>
+            </a:r>
+          </a:p>
+          <a:p>
+            <a:pPr lvl="1"/>
+            <a:r>
+              <a:rPr lang="en-US" dirty="0"/>
+              <a:t>It’s used to account for the difference between the number n of nodes in the current tree and the number 2 powers of upper round of </a:t>
+            </a:r>
+            <a:r>
+              <a:rPr lang="en-US" dirty="0" err="1"/>
+              <a:t>lg</a:t>
+            </a:r>
+            <a:r>
+              <a:rPr lang="en-US" dirty="0"/>
+              <a:t>(n+1) then – 1</a:t>
+            </a:r>
+          </a:p>
+          <a:p>
+            <a:pPr lvl="1"/>
+            <a:endParaRPr lang="en-US" dirty="0"/>
+          </a:p>
+        </p:txBody>
+      </p:sp>
+      <p:pic>
+        <p:nvPicPr>
+          <p:cNvPr id="4" name="Picture 3"/>
+          <p:cNvPicPr>
+            <a:picLocks noChangeAspect="1"/>
+          </p:cNvPicPr>
+          <p:nvPr/>
+        </p:nvPicPr>
+        <p:blipFill>
+          <a:blip r:embed="rId2"/>
+          <a:stretch>
+            <a:fillRect/>
+          </a:stretch>
+        </p:blipFill>
+        <p:spPr>
+          <a:xfrm>
+            <a:off x="952500" y="3924300"/>
+            <a:ext cx="7239000" cy="2324100"/>
+          </a:xfrm>
+          <a:prstGeom prst="rect">
+            <a:avLst/>
+          </a:prstGeom>
+          <a:ln>
+            <a:solidFill>
+              <a:srgbClr val="C0504D"/>
+            </a:solidFill>
+          </a:ln>
+        </p:spPr>
+      </p:pic>
+    </p:spTree>
+    <p:extLst>
+      <p:ext uri="{BB962C8B-B14F-4D97-AF65-F5344CB8AC3E}">
+        <p14:creationId xmlns:p14="http://schemas.microsoft.com/office/powerpoint/2010/main" val="3496595772"/>
+      </p:ext>
+    </p:extLst>
+  </p:cSld>
+  <p:clrMapOvr>
+    <a:masterClrMapping/>
+  </p:clrMapOvr>
+</p:sld>
+</file>
+
+<file path=ppt/slides/slide66.xml><?xml version="1.0" encoding="utf-8"?>
+<p:sld xmlns:a="http://schemas.openxmlformats.org/drawingml/2006/main" xmlns:r="http://schemas.openxmlformats.org/officeDocument/2006/relationships" xmlns:p="http://schemas.openxmlformats.org/presentationml/2006/main">
+  <p:cSld>
+    <p:spTree>
+      <p:nvGrpSpPr>
+        <p:cNvPr id="1" name=""/>
+        <p:cNvGrpSpPr/>
+        <p:nvPr/>
+      </p:nvGrpSpPr>
+      <p:grpSpPr>
+        <a:xfrm>
+          <a:off x="0" y="0"/>
+          <a:ext cx="0" cy="0"/>
+          <a:chOff x="0" y="0"/>
+          <a:chExt cx="0" cy="0"/>
+        </a:xfrm>
+      </p:grpSpPr>
+      <p:sp>
+        <p:nvSpPr>
+          <p:cNvPr id="2" name="Title 1"/>
+          <p:cNvSpPr>
+            <a:spLocks noGrp="1"/>
+          </p:cNvSpPr>
+          <p:nvPr>
+            <p:ph type="title"/>
+          </p:nvPr>
+        </p:nvSpPr>
+        <p:spPr/>
+        <p:txBody>
+          <a:bodyPr>
+            <a:normAutofit fontScale="90000"/>
+          </a:bodyPr>
+          <a:lstStyle/>
+          <a:p>
+            <a:r>
+              <a:rPr lang="en-US" dirty="0"/>
+              <a:t>Step 2. Building perfectly balanced tree</a:t>
+            </a:r>
+          </a:p>
+        </p:txBody>
+      </p:sp>
+      <p:pic>
+        <p:nvPicPr>
+          <p:cNvPr id="4" name="Picture 3"/>
+          <p:cNvPicPr>
+            <a:picLocks noChangeAspect="1"/>
+          </p:cNvPicPr>
+          <p:nvPr/>
+        </p:nvPicPr>
+        <p:blipFill>
+          <a:blip r:embed="rId2"/>
+          <a:stretch>
+            <a:fillRect/>
+          </a:stretch>
+        </p:blipFill>
+        <p:spPr>
+          <a:xfrm>
+            <a:off x="76200" y="1016000"/>
+            <a:ext cx="8991600" cy="4826000"/>
+          </a:xfrm>
+          <a:prstGeom prst="rect">
+            <a:avLst/>
+          </a:prstGeom>
+          <a:ln>
+            <a:solidFill>
+              <a:srgbClr val="C0504D"/>
+            </a:solidFill>
+          </a:ln>
+        </p:spPr>
+      </p:pic>
+    </p:spTree>
+    <p:extLst>
+      <p:ext uri="{BB962C8B-B14F-4D97-AF65-F5344CB8AC3E}">
+        <p14:creationId xmlns:p14="http://schemas.microsoft.com/office/powerpoint/2010/main" val="2216033629"/>
+      </p:ext>
+    </p:extLst>
+  </p:cSld>
+  <p:clrMapOvr>
+    <a:masterClrMapping/>
+  </p:clrMapOvr>
+</p:sld>
+</file>
+
+<file path=ppt/slides/slide67.xml><?xml version="1.0" encoding="utf-8"?>
+<p:sld xmlns:a="http://schemas.openxmlformats.org/drawingml/2006/main" xmlns:r="http://schemas.openxmlformats.org/officeDocument/2006/relationships" xmlns:p="http://schemas.openxmlformats.org/presentationml/2006/main">
+  <p:cSld>
+    <p:spTree>
+      <p:nvGrpSpPr>
+        <p:cNvPr id="1" name=""/>
+        <p:cNvGrpSpPr/>
+        <p:nvPr/>
+      </p:nvGrpSpPr>
+      <p:grpSpPr>
+        <a:xfrm>
+          <a:off x="0" y="0"/>
+          <a:ext cx="0" cy="0"/>
+          <a:chOff x="0" y="0"/>
+          <a:chExt cx="0" cy="0"/>
+        </a:xfrm>
+      </p:grpSpPr>
+      <p:sp>
+        <p:nvSpPr>
           <p:cNvPr id="14337" name="Title 1"/>
           <p:cNvSpPr>
             <a:spLocks noGrp="1"/>
@@ -30069,14 +34032,14 @@
           <a:noFill/>
           <a:extLst>
             <a:ext uri="{909E8E84-426E-40dd-AFC4-6F175D3DCCD1}">
-              <a14:hiddenFill xmlns:a14="http://schemas.microsoft.com/office/drawing/2010/main" xmlns="">
+              <a14:hiddenFill xmlns="" xmlns:a14="http://schemas.microsoft.com/office/drawing/2010/main">
                 <a:solidFill>
                   <a:srgbClr val="FFFFFF"/>
                 </a:solidFill>
               </a14:hiddenFill>
             </a:ext>
             <a:ext uri="{91240B29-F687-4f45-9708-019B960494DF}">
-              <a14:hiddenLine xmlns:a14="http://schemas.microsoft.com/office/drawing/2010/main" xmlns="" w="9525">
+              <a14:hiddenLine xmlns="" xmlns:a14="http://schemas.microsoft.com/office/drawing/2010/main" w="9525">
                 <a:solidFill>
                   <a:srgbClr val="000000"/>
                 </a:solidFill>
@@ -30086,7 +34049,7 @@
               </a14:hiddenLine>
             </a:ext>
             <a:ext uri="{FAA26D3D-D897-4be2-8F04-BA451C77F1D7}">
-              <ma14:placeholderFlag xmlns:ma14="http://schemas.microsoft.com/office/mac/drawingml/2011/main" xmlns="" val="1"/>
+              <ma14:placeholderFlag xmlns="" xmlns:ma14="http://schemas.microsoft.com/office/mac/drawingml/2011/main" val="1"/>
             </a:ext>
           </a:extLst>
         </p:spPr>
@@ -30122,14 +34085,14 @@
           <a:noFill/>
           <a:extLst>
             <a:ext uri="{909E8E84-426E-40dd-AFC4-6F175D3DCCD1}">
-              <a14:hiddenFill xmlns:a14="http://schemas.microsoft.com/office/drawing/2010/main" xmlns="">
+              <a14:hiddenFill xmlns="" xmlns:a14="http://schemas.microsoft.com/office/drawing/2010/main">
                 <a:solidFill>
                   <a:srgbClr val="FFFFFF"/>
                 </a:solidFill>
               </a14:hiddenFill>
             </a:ext>
             <a:ext uri="{91240B29-F687-4f45-9708-019B960494DF}">
-              <a14:hiddenLine xmlns:a14="http://schemas.microsoft.com/office/drawing/2010/main" xmlns="" w="9525">
+              <a14:hiddenLine xmlns="" xmlns:a14="http://schemas.microsoft.com/office/drawing/2010/main" w="9525">
                 <a:solidFill>
                   <a:srgbClr val="000000"/>
                 </a:solidFill>
@@ -30139,7 +34102,7 @@
               </a14:hiddenLine>
             </a:ext>
             <a:ext uri="{FAA26D3D-D897-4be2-8F04-BA451C77F1D7}">
-              <ma14:placeholderFlag xmlns:ma14="http://schemas.microsoft.com/office/mac/drawingml/2011/main" xmlns="" val="1"/>
+              <ma14:placeholderFlag xmlns="" xmlns:ma14="http://schemas.microsoft.com/office/mac/drawingml/2011/main" val="1"/>
             </a:ext>
           </a:extLst>
         </p:spPr>

--- a/dsa2017-java-online/handouts/data-day05/Lecture 07 - Chapter 06 - Binary Trees - Day 2.pptx
+++ b/dsa2017-java-online/handouts/data-day05/Lecture 07 - Chapter 06 - Binary Trees - Day 2.pptx
@@ -5,7 +5,7 @@
     <p:sldMasterId id="2147483648" r:id="rId1"/>
   </p:sldMasterIdLst>
   <p:notesMasterIdLst>
-    <p:notesMasterId r:id="rId69"/>
+    <p:notesMasterId r:id="rId70"/>
   </p:notesMasterIdLst>
   <p:sldIdLst>
     <p:sldId id="279" r:id="rId2"/>
@@ -74,7 +74,8 @@
     <p:sldId id="297" r:id="rId65"/>
     <p:sldId id="298" r:id="rId66"/>
     <p:sldId id="299" r:id="rId67"/>
-    <p:sldId id="278" r:id="rId68"/>
+    <p:sldId id="330" r:id="rId68"/>
+    <p:sldId id="278" r:id="rId69"/>
   </p:sldIdLst>
   <p:sldSz cx="9144000" cy="6858000" type="screen4x3"/>
   <p:notesSz cx="6858000" cy="9144000"/>
@@ -748,7 +749,7 @@
           <a:p>
             <a:fld id="{0F700D64-C8A8-F44C-A3D6-898140BB9211}" type="slidenum">
               <a:rPr lang="en-US" smtClean="0"/>
-              <a:t>67</a:t>
+              <a:t>68</a:t>
             </a:fld>
             <a:endParaRPr lang="en-US"/>
           </a:p>
@@ -819,14 +820,14 @@
           </a:ln>
           <a:extLst>
             <a:ext uri="{909E8E84-426E-40dd-AFC4-6F175D3DCCD1}">
-              <a14:hiddenFill xmlns="" xmlns:a14="http://schemas.microsoft.com/office/drawing/2010/main">
+              <a14:hiddenFill xmlns:a14="http://schemas.microsoft.com/office/drawing/2010/main" xmlns="">
                 <a:solidFill>
                   <a:srgbClr val="FFFFFF"/>
                 </a:solidFill>
               </a14:hiddenFill>
             </a:ext>
             <a:ext uri="{91240B29-F687-4f45-9708-019B960494DF}">
-              <a14:hiddenLine xmlns="" xmlns:a14="http://schemas.microsoft.com/office/drawing/2010/main" w="9525">
+              <a14:hiddenLine xmlns:a14="http://schemas.microsoft.com/office/drawing/2010/main" xmlns="" w="9525">
                 <a:solidFill>
                   <a:srgbClr val="000000"/>
                 </a:solidFill>
@@ -3799,14 +3800,14 @@
           </a:ln>
           <a:extLst>
             <a:ext uri="{909E8E84-426E-40dd-AFC4-6F175D3DCCD1}">
-              <a14:hiddenFill xmlns="" xmlns:a14="http://schemas.microsoft.com/office/drawing/2010/main">
+              <a14:hiddenFill xmlns:a14="http://schemas.microsoft.com/office/drawing/2010/main" xmlns="">
                 <a:solidFill>
                   <a:srgbClr val="FFFFFF"/>
                 </a:solidFill>
               </a14:hiddenFill>
             </a:ext>
             <a:ext uri="{91240B29-F687-4f45-9708-019B960494DF}">
-              <a14:hiddenLine xmlns="" xmlns:a14="http://schemas.microsoft.com/office/drawing/2010/main" w="9525">
+              <a14:hiddenLine xmlns:a14="http://schemas.microsoft.com/office/drawing/2010/main" xmlns="" w="9525">
                 <a:solidFill>
                   <a:srgbClr val="000000"/>
                 </a:solidFill>
@@ -4259,14 +4260,14 @@
           <a:noFill/>
           <a:extLst>
             <a:ext uri="{909E8E84-426E-40dd-AFC4-6F175D3DCCD1}">
-              <a14:hiddenFill xmlns="" xmlns:a14="http://schemas.microsoft.com/office/drawing/2010/main">
+              <a14:hiddenFill xmlns:a14="http://schemas.microsoft.com/office/drawing/2010/main" xmlns="">
                 <a:solidFill>
                   <a:srgbClr val="FFFFFF"/>
                 </a:solidFill>
               </a14:hiddenFill>
             </a:ext>
             <a:ext uri="{91240B29-F687-4f45-9708-019B960494DF}">
-              <a14:hiddenLine xmlns="" xmlns:a14="http://schemas.microsoft.com/office/drawing/2010/main" w="9525">
+              <a14:hiddenLine xmlns:a14="http://schemas.microsoft.com/office/drawing/2010/main" xmlns="" w="9525">
                 <a:solidFill>
                   <a:srgbClr val="000000"/>
                 </a:solidFill>
@@ -4276,7 +4277,7 @@
               </a14:hiddenLine>
             </a:ext>
             <a:ext uri="{FAA26D3D-D897-4be2-8F04-BA451C77F1D7}">
-              <ma14:placeholderFlag xmlns="" xmlns:ma14="http://schemas.microsoft.com/office/mac/drawingml/2011/main" val="1"/>
+              <ma14:placeholderFlag xmlns:ma14="http://schemas.microsoft.com/office/mac/drawingml/2011/main" xmlns="" val="1"/>
             </a:ext>
           </a:extLst>
         </p:spPr>
@@ -6750,14 +6751,14 @@
           <a:noFill/>
           <a:extLst>
             <a:ext uri="{909E8E84-426E-40dd-AFC4-6F175D3DCCD1}">
-              <a14:hiddenFill xmlns="" xmlns:a14="http://schemas.microsoft.com/office/drawing/2010/main">
+              <a14:hiddenFill xmlns:a14="http://schemas.microsoft.com/office/drawing/2010/main" xmlns="">
                 <a:solidFill>
                   <a:srgbClr val="FFFFFF"/>
                 </a:solidFill>
               </a14:hiddenFill>
             </a:ext>
             <a:ext uri="{91240B29-F687-4f45-9708-019B960494DF}">
-              <a14:hiddenLine xmlns="" xmlns:a14="http://schemas.microsoft.com/office/drawing/2010/main" w="9525">
+              <a14:hiddenLine xmlns:a14="http://schemas.microsoft.com/office/drawing/2010/main" xmlns="" w="9525">
                 <a:solidFill>
                   <a:srgbClr val="000000"/>
                 </a:solidFill>
@@ -6767,7 +6768,7 @@
               </a14:hiddenLine>
             </a:ext>
             <a:ext uri="{FAA26D3D-D897-4be2-8F04-BA451C77F1D7}">
-              <ma14:placeholderFlag xmlns="" xmlns:ma14="http://schemas.microsoft.com/office/mac/drawingml/2011/main" val="1"/>
+              <ma14:placeholderFlag xmlns:ma14="http://schemas.microsoft.com/office/mac/drawingml/2011/main" xmlns="" val="1"/>
             </a:ext>
           </a:extLst>
         </p:spPr>
@@ -6803,14 +6804,14 @@
           <a:noFill/>
           <a:extLst>
             <a:ext uri="{909E8E84-426E-40dd-AFC4-6F175D3DCCD1}">
-              <a14:hiddenFill xmlns="" xmlns:a14="http://schemas.microsoft.com/office/drawing/2010/main">
+              <a14:hiddenFill xmlns:a14="http://schemas.microsoft.com/office/drawing/2010/main" xmlns="">
                 <a:solidFill>
                   <a:srgbClr val="FFFFFF"/>
                 </a:solidFill>
               </a14:hiddenFill>
             </a:ext>
             <a:ext uri="{91240B29-F687-4f45-9708-019B960494DF}">
-              <a14:hiddenLine xmlns="" xmlns:a14="http://schemas.microsoft.com/office/drawing/2010/main" w="9525">
+              <a14:hiddenLine xmlns:a14="http://schemas.microsoft.com/office/drawing/2010/main" xmlns="" w="9525">
                 <a:solidFill>
                   <a:srgbClr val="000000"/>
                 </a:solidFill>
@@ -6820,7 +6821,7 @@
               </a14:hiddenLine>
             </a:ext>
             <a:ext uri="{FAA26D3D-D897-4be2-8F04-BA451C77F1D7}">
-              <ma14:placeholderFlag xmlns="" xmlns:ma14="http://schemas.microsoft.com/office/mac/drawingml/2011/main" val="1"/>
+              <ma14:placeholderFlag xmlns:ma14="http://schemas.microsoft.com/office/mac/drawingml/2011/main" xmlns="" val="1"/>
             </a:ext>
           </a:extLst>
         </p:spPr>
@@ -34020,6 +34021,273 @@
       </p:grpSpPr>
       <p:sp>
         <p:nvSpPr>
+          <p:cNvPr id="2" name="Title 1"/>
+          <p:cNvSpPr>
+            <a:spLocks noGrp="1"/>
+          </p:cNvSpPr>
+          <p:nvPr>
+            <p:ph type="title"/>
+          </p:nvPr>
+        </p:nvSpPr>
+        <p:spPr/>
+        <p:txBody>
+          <a:bodyPr/>
+          <a:lstStyle/>
+          <a:p>
+            <a:r>
+              <a:rPr lang="en-US" dirty="0"/>
+              <a:t>Henry: more tests</a:t>
+            </a:r>
+          </a:p>
+        </p:txBody>
+      </p:sp>
+      <p:sp>
+        <p:nvSpPr>
+          <p:cNvPr id="5" name="Rectangle 4"/>
+          <p:cNvSpPr/>
+          <p:nvPr/>
+        </p:nvSpPr>
+        <p:spPr>
+          <a:xfrm>
+            <a:off x="762000" y="1447800"/>
+            <a:ext cx="1828800" cy="609600"/>
+          </a:xfrm>
+          <a:prstGeom prst="rect">
+            <a:avLst/>
+          </a:prstGeom>
+        </p:spPr>
+        <p:style>
+          <a:lnRef idx="2">
+            <a:schemeClr val="accent1">
+              <a:shade val="50000"/>
+            </a:schemeClr>
+          </a:lnRef>
+          <a:fillRef idx="1">
+            <a:schemeClr val="accent1"/>
+          </a:fillRef>
+          <a:effectRef idx="0">
+            <a:schemeClr val="accent1"/>
+          </a:effectRef>
+          <a:fontRef idx="minor">
+            <a:schemeClr val="lt1"/>
+          </a:fontRef>
+        </p:style>
+        <p:txBody>
+          <a:bodyPr rtlCol="0" anchor="ctr"/>
+          <a:lstStyle/>
+          <a:p>
+            <a:pPr algn="ctr"/>
+            <a:r>
+              <a:rPr lang="en-US" dirty="0"/>
+              <a:t>1  2 3</a:t>
+            </a:r>
+          </a:p>
+        </p:txBody>
+      </p:sp>
+      <p:sp>
+        <p:nvSpPr>
+          <p:cNvPr id="6" name="Rectangle 5"/>
+          <p:cNvSpPr/>
+          <p:nvPr/>
+        </p:nvSpPr>
+        <p:spPr>
+          <a:xfrm>
+            <a:off x="788504" y="2462254"/>
+            <a:ext cx="1828800" cy="609600"/>
+          </a:xfrm>
+          <a:prstGeom prst="rect">
+            <a:avLst/>
+          </a:prstGeom>
+        </p:spPr>
+        <p:style>
+          <a:lnRef idx="2">
+            <a:schemeClr val="accent1">
+              <a:shade val="50000"/>
+            </a:schemeClr>
+          </a:lnRef>
+          <a:fillRef idx="1">
+            <a:schemeClr val="accent1"/>
+          </a:fillRef>
+          <a:effectRef idx="0">
+            <a:schemeClr val="accent1"/>
+          </a:effectRef>
+          <a:fontRef idx="minor">
+            <a:schemeClr val="lt1"/>
+          </a:fontRef>
+        </p:style>
+        <p:txBody>
+          <a:bodyPr rtlCol="0" anchor="ctr"/>
+          <a:lstStyle/>
+          <a:p>
+            <a:pPr algn="ctr"/>
+            <a:r>
+              <a:rPr lang="en-US" dirty="0"/>
+              <a:t>1  2 3 4</a:t>
+            </a:r>
+          </a:p>
+        </p:txBody>
+      </p:sp>
+      <p:sp>
+        <p:nvSpPr>
+          <p:cNvPr id="7" name="Rectangle 6"/>
+          <p:cNvSpPr/>
+          <p:nvPr/>
+        </p:nvSpPr>
+        <p:spPr>
+          <a:xfrm>
+            <a:off x="762000" y="3452854"/>
+            <a:ext cx="1828800" cy="609600"/>
+          </a:xfrm>
+          <a:prstGeom prst="rect">
+            <a:avLst/>
+          </a:prstGeom>
+        </p:spPr>
+        <p:style>
+          <a:lnRef idx="2">
+            <a:schemeClr val="accent1">
+              <a:shade val="50000"/>
+            </a:schemeClr>
+          </a:lnRef>
+          <a:fillRef idx="1">
+            <a:schemeClr val="accent1"/>
+          </a:fillRef>
+          <a:effectRef idx="0">
+            <a:schemeClr val="accent1"/>
+          </a:effectRef>
+          <a:fontRef idx="minor">
+            <a:schemeClr val="lt1"/>
+          </a:fontRef>
+        </p:style>
+        <p:txBody>
+          <a:bodyPr rtlCol="0" anchor="ctr"/>
+          <a:lstStyle/>
+          <a:p>
+            <a:pPr algn="ctr"/>
+            <a:r>
+              <a:rPr lang="en-US" dirty="0"/>
+              <a:t>1  2 3 4 5</a:t>
+            </a:r>
+          </a:p>
+        </p:txBody>
+      </p:sp>
+      <p:sp>
+        <p:nvSpPr>
+          <p:cNvPr id="8" name="Rectangle 7"/>
+          <p:cNvSpPr/>
+          <p:nvPr/>
+        </p:nvSpPr>
+        <p:spPr>
+          <a:xfrm>
+            <a:off x="3657600" y="1447800"/>
+            <a:ext cx="1828800" cy="609600"/>
+          </a:xfrm>
+          <a:prstGeom prst="rect">
+            <a:avLst/>
+          </a:prstGeom>
+        </p:spPr>
+        <p:style>
+          <a:lnRef idx="2">
+            <a:schemeClr val="accent1">
+              <a:shade val="50000"/>
+            </a:schemeClr>
+          </a:lnRef>
+          <a:fillRef idx="1">
+            <a:schemeClr val="accent1"/>
+          </a:fillRef>
+          <a:effectRef idx="0">
+            <a:schemeClr val="accent1"/>
+          </a:effectRef>
+          <a:fontRef idx="minor">
+            <a:schemeClr val="lt1"/>
+          </a:fontRef>
+        </p:style>
+        <p:txBody>
+          <a:bodyPr rtlCol="0" anchor="ctr"/>
+          <a:lstStyle/>
+          <a:p>
+            <a:pPr algn="ctr"/>
+            <a:r>
+              <a:rPr lang="en-US" dirty="0"/>
+              <a:t>1  2 3 4 5 6 7</a:t>
+            </a:r>
+          </a:p>
+        </p:txBody>
+      </p:sp>
+      <p:sp>
+        <p:nvSpPr>
+          <p:cNvPr id="9" name="Rectangle 8"/>
+          <p:cNvSpPr/>
+          <p:nvPr/>
+        </p:nvSpPr>
+        <p:spPr>
+          <a:xfrm>
+            <a:off x="6096000" y="1459727"/>
+            <a:ext cx="1828800" cy="609600"/>
+          </a:xfrm>
+          <a:prstGeom prst="rect">
+            <a:avLst/>
+          </a:prstGeom>
+        </p:spPr>
+        <p:style>
+          <a:lnRef idx="2">
+            <a:schemeClr val="accent1">
+              <a:shade val="50000"/>
+            </a:schemeClr>
+          </a:lnRef>
+          <a:fillRef idx="1">
+            <a:schemeClr val="accent1"/>
+          </a:fillRef>
+          <a:effectRef idx="0">
+            <a:schemeClr val="accent1"/>
+          </a:effectRef>
+          <a:fontRef idx="minor">
+            <a:schemeClr val="lt1"/>
+          </a:fontRef>
+        </p:style>
+        <p:txBody>
+          <a:bodyPr rtlCol="0" anchor="ctr"/>
+          <a:lstStyle/>
+          <a:p>
+            <a:pPr algn="ctr"/>
+            <a:r>
+              <a:rPr lang="en-US" dirty="0"/>
+              <a:t>1  2 3 4 5 6 7 8 9</a:t>
+            </a:r>
+          </a:p>
+        </p:txBody>
+      </p:sp>
+    </p:spTree>
+    <p:extLst>
+      <p:ext uri="{BB962C8B-B14F-4D97-AF65-F5344CB8AC3E}">
+        <p14:creationId xmlns:p14="http://schemas.microsoft.com/office/powerpoint/2010/main" val="3428243550"/>
+      </p:ext>
+    </p:extLst>
+  </p:cSld>
+  <p:clrMapOvr>
+    <a:masterClrMapping/>
+  </p:clrMapOvr>
+</p:sld>
+</file>
+
+<file path=ppt/slides/slide68.xml><?xml version="1.0" encoding="utf-8"?>
+<p:sld xmlns:a="http://schemas.openxmlformats.org/drawingml/2006/main" xmlns:r="http://schemas.openxmlformats.org/officeDocument/2006/relationships" xmlns:p="http://schemas.openxmlformats.org/presentationml/2006/main">
+  <p:cSld>
+    <p:spTree>
+      <p:nvGrpSpPr>
+        <p:cNvPr id="1" name=""/>
+        <p:cNvGrpSpPr/>
+        <p:nvPr/>
+      </p:nvGrpSpPr>
+      <p:grpSpPr>
+        <a:xfrm>
+          <a:off x="0" y="0"/>
+          <a:ext cx="0" cy="0"/>
+          <a:chOff x="0" y="0"/>
+          <a:chExt cx="0" cy="0"/>
+        </a:xfrm>
+      </p:grpSpPr>
+      <p:sp>
+        <p:nvSpPr>
           <p:cNvPr id="14337" name="Title 1"/>
           <p:cNvSpPr>
             <a:spLocks noGrp="1"/>
@@ -34032,14 +34300,14 @@
           <a:noFill/>
           <a:extLst>
             <a:ext uri="{909E8E84-426E-40dd-AFC4-6F175D3DCCD1}">
-              <a14:hiddenFill xmlns="" xmlns:a14="http://schemas.microsoft.com/office/drawing/2010/main">
+              <a14:hiddenFill xmlns:a14="http://schemas.microsoft.com/office/drawing/2010/main" xmlns="">
                 <a:solidFill>
                   <a:srgbClr val="FFFFFF"/>
                 </a:solidFill>
               </a14:hiddenFill>
             </a:ext>
             <a:ext uri="{91240B29-F687-4f45-9708-019B960494DF}">
-              <a14:hiddenLine xmlns="" xmlns:a14="http://schemas.microsoft.com/office/drawing/2010/main" w="9525">
+              <a14:hiddenLine xmlns:a14="http://schemas.microsoft.com/office/drawing/2010/main" xmlns="" w="9525">
                 <a:solidFill>
                   <a:srgbClr val="000000"/>
                 </a:solidFill>
@@ -34049,7 +34317,7 @@
               </a14:hiddenLine>
             </a:ext>
             <a:ext uri="{FAA26D3D-D897-4be2-8F04-BA451C77F1D7}">
-              <ma14:placeholderFlag xmlns="" xmlns:ma14="http://schemas.microsoft.com/office/mac/drawingml/2011/main" val="1"/>
+              <ma14:placeholderFlag xmlns:ma14="http://schemas.microsoft.com/office/mac/drawingml/2011/main" xmlns="" val="1"/>
             </a:ext>
           </a:extLst>
         </p:spPr>
@@ -34085,14 +34353,14 @@
           <a:noFill/>
           <a:extLst>
             <a:ext uri="{909E8E84-426E-40dd-AFC4-6F175D3DCCD1}">
-              <a14:hiddenFill xmlns="" xmlns:a14="http://schemas.microsoft.com/office/drawing/2010/main">
+              <a14:hiddenFill xmlns:a14="http://schemas.microsoft.com/office/drawing/2010/main" xmlns="">
                 <a:solidFill>
                   <a:srgbClr val="FFFFFF"/>
                 </a:solidFill>
               </a14:hiddenFill>
             </a:ext>
             <a:ext uri="{91240B29-F687-4f45-9708-019B960494DF}">
-              <a14:hiddenLine xmlns="" xmlns:a14="http://schemas.microsoft.com/office/drawing/2010/main" w="9525">
+              <a14:hiddenLine xmlns:a14="http://schemas.microsoft.com/office/drawing/2010/main" xmlns="" w="9525">
                 <a:solidFill>
                   <a:srgbClr val="000000"/>
                 </a:solidFill>
@@ -34102,7 +34370,7 @@
               </a14:hiddenLine>
             </a:ext>
             <a:ext uri="{FAA26D3D-D897-4be2-8F04-BA451C77F1D7}">
-              <ma14:placeholderFlag xmlns="" xmlns:ma14="http://schemas.microsoft.com/office/mac/drawingml/2011/main" val="1"/>
+              <ma14:placeholderFlag xmlns:ma14="http://schemas.microsoft.com/office/mac/drawingml/2011/main" xmlns="" val="1"/>
             </a:ext>
           </a:extLst>
         </p:spPr>

--- a/dsa2017-java-online/handouts/data-day05/Lecture 07 - Chapter 06 - Binary Trees - Day 2.pptx
+++ b/dsa2017-java-online/handouts/data-day05/Lecture 07 - Chapter 06 - Binary Trees - Day 2.pptx
@@ -5,7 +5,7 @@
     <p:sldMasterId id="2147483648" r:id="rId1"/>
   </p:sldMasterIdLst>
   <p:notesMasterIdLst>
-    <p:notesMasterId r:id="rId72"/>
+    <p:notesMasterId r:id="rId73"/>
   </p:notesMasterIdLst>
   <p:sldIdLst>
     <p:sldId id="279" r:id="rId2"/>
@@ -78,6 +78,7 @@
     <p:sldId id="299" r:id="rId69"/>
     <p:sldId id="330" r:id="rId70"/>
     <p:sldId id="278" r:id="rId71"/>
+    <p:sldId id="333" r:id="rId72"/>
   </p:sldIdLst>
   <p:sldSz cx="9144000" cy="6858000" type="screen4x3"/>
   <p:notesSz cx="6858000" cy="9144000"/>
@@ -822,14 +823,14 @@
           </a:ln>
           <a:extLst>
             <a:ext uri="{909E8E84-426E-40dd-AFC4-6F175D3DCCD1}">
-              <a14:hiddenFill xmlns="" xmlns:a14="http://schemas.microsoft.com/office/drawing/2010/main">
+              <a14:hiddenFill xmlns:a14="http://schemas.microsoft.com/office/drawing/2010/main" xmlns="">
                 <a:solidFill>
                   <a:srgbClr val="FFFFFF"/>
                 </a:solidFill>
               </a14:hiddenFill>
             </a:ext>
             <a:ext uri="{91240B29-F687-4f45-9708-019B960494DF}">
-              <a14:hiddenLine xmlns="" xmlns:a14="http://schemas.microsoft.com/office/drawing/2010/main" w="9525">
+              <a14:hiddenLine xmlns:a14="http://schemas.microsoft.com/office/drawing/2010/main" xmlns="" w="9525">
                 <a:solidFill>
                   <a:srgbClr val="000000"/>
                 </a:solidFill>
@@ -3802,14 +3803,14 @@
           </a:ln>
           <a:extLst>
             <a:ext uri="{909E8E84-426E-40dd-AFC4-6F175D3DCCD1}">
-              <a14:hiddenFill xmlns="" xmlns:a14="http://schemas.microsoft.com/office/drawing/2010/main">
+              <a14:hiddenFill xmlns:a14="http://schemas.microsoft.com/office/drawing/2010/main" xmlns="">
                 <a:solidFill>
                   <a:srgbClr val="FFFFFF"/>
                 </a:solidFill>
               </a14:hiddenFill>
             </a:ext>
             <a:ext uri="{91240B29-F687-4f45-9708-019B960494DF}">
-              <a14:hiddenLine xmlns="" xmlns:a14="http://schemas.microsoft.com/office/drawing/2010/main" w="9525">
+              <a14:hiddenLine xmlns:a14="http://schemas.microsoft.com/office/drawing/2010/main" xmlns="" w="9525">
                 <a:solidFill>
                   <a:srgbClr val="000000"/>
                 </a:solidFill>
@@ -4262,14 +4263,14 @@
           <a:noFill/>
           <a:extLst>
             <a:ext uri="{909E8E84-426E-40dd-AFC4-6F175D3DCCD1}">
-              <a14:hiddenFill xmlns="" xmlns:a14="http://schemas.microsoft.com/office/drawing/2010/main">
+              <a14:hiddenFill xmlns:a14="http://schemas.microsoft.com/office/drawing/2010/main" xmlns="">
                 <a:solidFill>
                   <a:srgbClr val="FFFFFF"/>
                 </a:solidFill>
               </a14:hiddenFill>
             </a:ext>
             <a:ext uri="{91240B29-F687-4f45-9708-019B960494DF}">
-              <a14:hiddenLine xmlns="" xmlns:a14="http://schemas.microsoft.com/office/drawing/2010/main" w="9525">
+              <a14:hiddenLine xmlns:a14="http://schemas.microsoft.com/office/drawing/2010/main" xmlns="" w="9525">
                 <a:solidFill>
                   <a:srgbClr val="000000"/>
                 </a:solidFill>
@@ -4279,7 +4280,7 @@
               </a14:hiddenLine>
             </a:ext>
             <a:ext uri="{FAA26D3D-D897-4be2-8F04-BA451C77F1D7}">
-              <ma14:placeholderFlag xmlns="" xmlns:ma14="http://schemas.microsoft.com/office/mac/drawingml/2011/main" val="1"/>
+              <ma14:placeholderFlag xmlns:ma14="http://schemas.microsoft.com/office/mac/drawingml/2011/main" xmlns="" val="1"/>
             </a:ext>
           </a:extLst>
         </p:spPr>
@@ -5675,14 +5676,14 @@
           <a:noFill/>
           <a:extLst>
             <a:ext uri="{909E8E84-426E-40dd-AFC4-6F175D3DCCD1}">
-              <a14:hiddenFill xmlns="" xmlns:a14="http://schemas.microsoft.com/office/drawing/2010/main">
+              <a14:hiddenFill xmlns:a14="http://schemas.microsoft.com/office/drawing/2010/main" xmlns="">
                 <a:solidFill>
                   <a:srgbClr val="FFFFFF"/>
                 </a:solidFill>
               </a14:hiddenFill>
             </a:ext>
             <a:ext uri="{91240B29-F687-4f45-9708-019B960494DF}">
-              <a14:hiddenLine xmlns="" xmlns:a14="http://schemas.microsoft.com/office/drawing/2010/main" w="9525">
+              <a14:hiddenLine xmlns:a14="http://schemas.microsoft.com/office/drawing/2010/main" xmlns="" w="9525">
                 <a:solidFill>
                   <a:srgbClr val="000000"/>
                 </a:solidFill>
@@ -5692,7 +5693,7 @@
               </a14:hiddenLine>
             </a:ext>
             <a:ext uri="{FAA26D3D-D897-4be2-8F04-BA451C77F1D7}">
-              <ma14:placeholderFlag xmlns="" xmlns:ma14="http://schemas.microsoft.com/office/mac/drawingml/2011/main" val="1"/>
+              <ma14:placeholderFlag xmlns:ma14="http://schemas.microsoft.com/office/mac/drawingml/2011/main" xmlns="" val="1"/>
             </a:ext>
           </a:extLst>
         </p:spPr>
@@ -5728,14 +5729,14 @@
           <a:noFill/>
           <a:extLst>
             <a:ext uri="{909E8E84-426E-40dd-AFC4-6F175D3DCCD1}">
-              <a14:hiddenFill xmlns="" xmlns:a14="http://schemas.microsoft.com/office/drawing/2010/main">
+              <a14:hiddenFill xmlns:a14="http://schemas.microsoft.com/office/drawing/2010/main" xmlns="">
                 <a:solidFill>
                   <a:srgbClr val="FFFFFF"/>
                 </a:solidFill>
               </a14:hiddenFill>
             </a:ext>
             <a:ext uri="{91240B29-F687-4f45-9708-019B960494DF}">
-              <a14:hiddenLine xmlns="" xmlns:a14="http://schemas.microsoft.com/office/drawing/2010/main" w="9525">
+              <a14:hiddenLine xmlns:a14="http://schemas.microsoft.com/office/drawing/2010/main" xmlns="" w="9525">
                 <a:solidFill>
                   <a:srgbClr val="000000"/>
                 </a:solidFill>
@@ -5745,7 +5746,7 @@
               </a14:hiddenLine>
             </a:ext>
             <a:ext uri="{FAA26D3D-D897-4be2-8F04-BA451C77F1D7}">
-              <ma14:placeholderFlag xmlns="" xmlns:ma14="http://schemas.microsoft.com/office/mac/drawingml/2011/main" val="1"/>
+              <ma14:placeholderFlag xmlns:ma14="http://schemas.microsoft.com/office/mac/drawingml/2011/main" xmlns="" val="1"/>
             </a:ext>
           </a:extLst>
         </p:spPr>
@@ -39495,14 +39496,14 @@
           <a:noFill/>
           <a:extLst>
             <a:ext uri="{909E8E84-426E-40dd-AFC4-6F175D3DCCD1}">
-              <a14:hiddenFill xmlns="" xmlns:a14="http://schemas.microsoft.com/office/drawing/2010/main">
+              <a14:hiddenFill xmlns:a14="http://schemas.microsoft.com/office/drawing/2010/main" xmlns="">
                 <a:solidFill>
                   <a:srgbClr val="FFFFFF"/>
                 </a:solidFill>
               </a14:hiddenFill>
             </a:ext>
             <a:ext uri="{91240B29-F687-4f45-9708-019B960494DF}">
-              <a14:hiddenLine xmlns="" xmlns:a14="http://schemas.microsoft.com/office/drawing/2010/main" w="9525">
+              <a14:hiddenLine xmlns:a14="http://schemas.microsoft.com/office/drawing/2010/main" xmlns="" w="9525">
                 <a:solidFill>
                   <a:srgbClr val="000000"/>
                 </a:solidFill>
@@ -39512,7 +39513,7 @@
               </a14:hiddenLine>
             </a:ext>
             <a:ext uri="{FAA26D3D-D897-4be2-8F04-BA451C77F1D7}">
-              <ma14:placeholderFlag xmlns="" xmlns:ma14="http://schemas.microsoft.com/office/mac/drawingml/2011/main" val="1"/>
+              <ma14:placeholderFlag xmlns:ma14="http://schemas.microsoft.com/office/mac/drawingml/2011/main" xmlns="" val="1"/>
             </a:ext>
           </a:extLst>
         </p:spPr>
@@ -39548,14 +39549,14 @@
           <a:noFill/>
           <a:extLst>
             <a:ext uri="{909E8E84-426E-40dd-AFC4-6F175D3DCCD1}">
-              <a14:hiddenFill xmlns="" xmlns:a14="http://schemas.microsoft.com/office/drawing/2010/main">
+              <a14:hiddenFill xmlns:a14="http://schemas.microsoft.com/office/drawing/2010/main" xmlns="">
                 <a:solidFill>
                   <a:srgbClr val="FFFFFF"/>
                 </a:solidFill>
               </a14:hiddenFill>
             </a:ext>
             <a:ext uri="{91240B29-F687-4f45-9708-019B960494DF}">
-              <a14:hiddenLine xmlns="" xmlns:a14="http://schemas.microsoft.com/office/drawing/2010/main" w="9525">
+              <a14:hiddenLine xmlns:a14="http://schemas.microsoft.com/office/drawing/2010/main" xmlns="" w="9525">
                 <a:solidFill>
                   <a:srgbClr val="000000"/>
                 </a:solidFill>
@@ -39565,7 +39566,7 @@
               </a14:hiddenLine>
             </a:ext>
             <a:ext uri="{FAA26D3D-D897-4be2-8F04-BA451C77F1D7}">
-              <ma14:placeholderFlag xmlns="" xmlns:ma14="http://schemas.microsoft.com/office/mac/drawingml/2011/main" val="1"/>
+              <ma14:placeholderFlag xmlns:ma14="http://schemas.microsoft.com/office/mac/drawingml/2011/main" xmlns="" val="1"/>
             </a:ext>
           </a:extLst>
         </p:spPr>
@@ -39681,6 +39682,775 @@
     <p:extLst>
       <p:ext uri="{BB962C8B-B14F-4D97-AF65-F5344CB8AC3E}">
         <p14:creationId xmlns:p14="http://schemas.microsoft.com/office/powerpoint/2010/main" val="2948036597"/>
+      </p:ext>
+    </p:extLst>
+  </p:cSld>
+  <p:clrMapOvr>
+    <a:masterClrMapping/>
+  </p:clrMapOvr>
+</p:sld>
+</file>
+
+<file path=ppt/slides/slide71.xml><?xml version="1.0" encoding="utf-8"?>
+<p:sld xmlns:a="http://schemas.openxmlformats.org/drawingml/2006/main" xmlns:r="http://schemas.openxmlformats.org/officeDocument/2006/relationships" xmlns:p="http://schemas.openxmlformats.org/presentationml/2006/main">
+  <p:cSld>
+    <p:spTree>
+      <p:nvGrpSpPr>
+        <p:cNvPr id="1" name=""/>
+        <p:cNvGrpSpPr/>
+        <p:nvPr/>
+      </p:nvGrpSpPr>
+      <p:grpSpPr>
+        <a:xfrm>
+          <a:off x="0" y="0"/>
+          <a:ext cx="0" cy="0"/>
+          <a:chOff x="0" y="0"/>
+          <a:chExt cx="0" cy="0"/>
+        </a:xfrm>
+      </p:grpSpPr>
+      <p:sp>
+        <p:nvSpPr>
+          <p:cNvPr id="2" name="Title 1"/>
+          <p:cNvSpPr>
+            <a:spLocks noGrp="1"/>
+          </p:cNvSpPr>
+          <p:nvPr>
+            <p:ph type="title"/>
+          </p:nvPr>
+        </p:nvSpPr>
+        <p:spPr/>
+        <p:txBody>
+          <a:bodyPr/>
+          <a:lstStyle/>
+          <a:p>
+            <a:r>
+              <a:rPr lang="en-US" dirty="0" err="1"/>
+              <a:t>Tổ</a:t>
+            </a:r>
+            <a:r>
+              <a:rPr lang="en-US" dirty="0"/>
+              <a:t> </a:t>
+            </a:r>
+            <a:r>
+              <a:rPr lang="en-US" dirty="0" err="1"/>
+              <a:t>chức</a:t>
+            </a:r>
+            <a:r>
+              <a:rPr lang="en-US" dirty="0"/>
+              <a:t> </a:t>
+            </a:r>
+            <a:r>
+              <a:rPr lang="en-US" dirty="0" err="1"/>
+              <a:t>chư</a:t>
+            </a:r>
+            <a:r>
+              <a:rPr lang="vi-VN" dirty="0"/>
+              <a:t>ơ</a:t>
+            </a:r>
+            <a:r>
+              <a:rPr lang="en-US" dirty="0"/>
+              <a:t>ng </a:t>
+            </a:r>
+            <a:r>
+              <a:rPr lang="en-US" dirty="0" err="1"/>
+              <a:t>trình</a:t>
+            </a:r>
+            <a:endParaRPr lang="en-US" dirty="0"/>
+          </a:p>
+        </p:txBody>
+      </p:sp>
+      <p:sp>
+        <p:nvSpPr>
+          <p:cNvPr id="3" name="Content Placeholder 2"/>
+          <p:cNvSpPr>
+            <a:spLocks noGrp="1"/>
+          </p:cNvSpPr>
+          <p:nvPr>
+            <p:ph idx="1"/>
+          </p:nvPr>
+        </p:nvSpPr>
+        <p:spPr/>
+        <p:txBody>
+          <a:bodyPr/>
+          <a:lstStyle/>
+          <a:p>
+            <a:r>
+              <a:rPr lang="en-US" dirty="0" err="1"/>
+              <a:t>Có</a:t>
+            </a:r>
+            <a:r>
+              <a:rPr lang="en-US" dirty="0"/>
+              <a:t> </a:t>
+            </a:r>
+            <a:r>
+              <a:rPr lang="en-US" dirty="0" err="1"/>
+              <a:t>các</a:t>
+            </a:r>
+            <a:r>
+              <a:rPr lang="en-US" dirty="0"/>
+              <a:t> </a:t>
+            </a:r>
+            <a:r>
+              <a:rPr lang="en-US" dirty="0" err="1"/>
+              <a:t>hàm</a:t>
+            </a:r>
+            <a:r>
+              <a:rPr lang="en-US" dirty="0"/>
+              <a:t> </a:t>
+            </a:r>
+            <a:r>
+              <a:rPr lang="en-US" dirty="0" err="1"/>
+              <a:t>căn</a:t>
+            </a:r>
+            <a:r>
+              <a:rPr lang="en-US" dirty="0"/>
+              <a:t> </a:t>
+            </a:r>
+            <a:r>
+              <a:rPr lang="en-US" dirty="0" err="1"/>
+              <a:t>bản</a:t>
+            </a:r>
+            <a:r>
+              <a:rPr lang="en-US" dirty="0"/>
+              <a:t> &gt;&gt; </a:t>
+            </a:r>
+            <a:r>
+              <a:rPr lang="en-US" dirty="0" err="1"/>
+              <a:t>biến</a:t>
+            </a:r>
+            <a:r>
+              <a:rPr lang="en-US" dirty="0"/>
+              <a:t> </a:t>
+            </a:r>
+            <a:r>
+              <a:rPr lang="en-US" dirty="0" err="1"/>
+              <a:t>thành</a:t>
+            </a:r>
+            <a:r>
+              <a:rPr lang="en-US" dirty="0"/>
+              <a:t> </a:t>
+            </a:r>
+            <a:r>
+              <a:rPr lang="en-US" dirty="0" err="1"/>
+              <a:t>ch</a:t>
+            </a:r>
+            <a:r>
+              <a:rPr lang="vi-VN" dirty="0"/>
+              <a:t>ư</a:t>
+            </a:r>
+            <a:r>
+              <a:rPr lang="en-US" dirty="0" err="1"/>
+              <a:t>ơng</a:t>
+            </a:r>
+            <a:r>
+              <a:rPr lang="en-US" dirty="0"/>
+              <a:t> </a:t>
+            </a:r>
+            <a:r>
+              <a:rPr lang="en-US" dirty="0" err="1"/>
+              <a:t>trình</a:t>
+            </a:r>
+            <a:endParaRPr lang="en-US" dirty="0"/>
+          </a:p>
+          <a:p>
+            <a:r>
+              <a:rPr lang="en-US" dirty="0" err="1"/>
+              <a:t>Có</a:t>
+            </a:r>
+            <a:r>
+              <a:rPr lang="en-US" dirty="0"/>
+              <a:t> </a:t>
+            </a:r>
+            <a:r>
+              <a:rPr lang="en-US" dirty="0" err="1"/>
+              <a:t>yêu</a:t>
+            </a:r>
+            <a:r>
+              <a:rPr lang="en-US" dirty="0"/>
+              <a:t> </a:t>
+            </a:r>
+            <a:r>
+              <a:rPr lang="en-US" dirty="0" err="1"/>
+              <a:t>cầu</a:t>
+            </a:r>
+            <a:r>
+              <a:rPr lang="en-US" dirty="0"/>
+              <a:t> </a:t>
+            </a:r>
+            <a:r>
+              <a:rPr lang="en-US" dirty="0" err="1"/>
+              <a:t>của</a:t>
+            </a:r>
+            <a:r>
+              <a:rPr lang="en-US" dirty="0"/>
+              <a:t> </a:t>
+            </a:r>
+            <a:r>
+              <a:rPr lang="en-US" dirty="0" err="1"/>
+              <a:t>khách</a:t>
+            </a:r>
+            <a:r>
+              <a:rPr lang="en-US" dirty="0"/>
+              <a:t> &gt;&gt; </a:t>
+            </a:r>
+            <a:r>
+              <a:rPr lang="en-US" dirty="0" err="1"/>
+              <a:t>biến</a:t>
+            </a:r>
+            <a:r>
+              <a:rPr lang="en-US" dirty="0"/>
+              <a:t> </a:t>
+            </a:r>
+            <a:r>
+              <a:rPr lang="en-US" dirty="0" err="1"/>
+              <a:t>thành</a:t>
+            </a:r>
+            <a:r>
+              <a:rPr lang="en-US" dirty="0"/>
+              <a:t> </a:t>
+            </a:r>
+            <a:r>
+              <a:rPr lang="en-US" dirty="0" err="1"/>
+              <a:t>hệ</a:t>
+            </a:r>
+            <a:r>
+              <a:rPr lang="en-US" dirty="0"/>
+              <a:t> </a:t>
+            </a:r>
+            <a:r>
+              <a:rPr lang="en-US" dirty="0" err="1"/>
+              <a:t>thống</a:t>
+            </a:r>
+            <a:endParaRPr lang="en-US" dirty="0"/>
+          </a:p>
+          <a:p>
+            <a:endParaRPr lang="en-US" dirty="0"/>
+          </a:p>
+        </p:txBody>
+      </p:sp>
+      <p:sp>
+        <p:nvSpPr>
+          <p:cNvPr id="4" name="Rectangle 3"/>
+          <p:cNvSpPr/>
+          <p:nvPr/>
+        </p:nvSpPr>
+        <p:spPr>
+          <a:xfrm>
+            <a:off x="3124200" y="2667000"/>
+            <a:ext cx="2514600" cy="762000"/>
+          </a:xfrm>
+          <a:prstGeom prst="rect">
+            <a:avLst/>
+          </a:prstGeom>
+        </p:spPr>
+        <p:style>
+          <a:lnRef idx="2">
+            <a:schemeClr val="accent1">
+              <a:shade val="50000"/>
+            </a:schemeClr>
+          </a:lnRef>
+          <a:fillRef idx="1">
+            <a:schemeClr val="accent1"/>
+          </a:fillRef>
+          <a:effectRef idx="0">
+            <a:schemeClr val="accent1"/>
+          </a:effectRef>
+          <a:fontRef idx="minor">
+            <a:schemeClr val="lt1"/>
+          </a:fontRef>
+        </p:style>
+        <p:txBody>
+          <a:bodyPr rtlCol="0" anchor="ctr"/>
+          <a:lstStyle/>
+          <a:p>
+            <a:pPr algn="ctr"/>
+            <a:r>
+              <a:rPr lang="en-US" dirty="0"/>
+              <a:t>Module </a:t>
+            </a:r>
+            <a:r>
+              <a:rPr lang="en-US" dirty="0" err="1"/>
+              <a:t>khách</a:t>
+            </a:r>
+            <a:r>
+              <a:rPr lang="en-US" dirty="0"/>
+              <a:t> </a:t>
+            </a:r>
+            <a:r>
+              <a:rPr lang="en-US" dirty="0" err="1"/>
+              <a:t>hàng</a:t>
+            </a:r>
+            <a:endParaRPr lang="en-US" dirty="0"/>
+          </a:p>
+        </p:txBody>
+      </p:sp>
+      <p:sp>
+        <p:nvSpPr>
+          <p:cNvPr id="5" name="Rectangle 4"/>
+          <p:cNvSpPr/>
+          <p:nvPr/>
+        </p:nvSpPr>
+        <p:spPr>
+          <a:xfrm>
+            <a:off x="3124200" y="3657600"/>
+            <a:ext cx="2514600" cy="914400"/>
+          </a:xfrm>
+          <a:prstGeom prst="rect">
+            <a:avLst/>
+          </a:prstGeom>
+        </p:spPr>
+        <p:style>
+          <a:lnRef idx="2">
+            <a:schemeClr val="accent1">
+              <a:shade val="50000"/>
+            </a:schemeClr>
+          </a:lnRef>
+          <a:fillRef idx="1">
+            <a:schemeClr val="accent1"/>
+          </a:fillRef>
+          <a:effectRef idx="0">
+            <a:schemeClr val="accent1"/>
+          </a:effectRef>
+          <a:fontRef idx="minor">
+            <a:schemeClr val="lt1"/>
+          </a:fontRef>
+        </p:style>
+        <p:txBody>
+          <a:bodyPr rtlCol="0" anchor="ctr"/>
+          <a:lstStyle/>
+          <a:p>
+            <a:pPr algn="ctr"/>
+            <a:r>
+              <a:rPr lang="en-US" dirty="0"/>
+              <a:t>Module đ</a:t>
+            </a:r>
+            <a:r>
+              <a:rPr lang="vi-VN" dirty="0"/>
+              <a:t>ơ</a:t>
+            </a:r>
+            <a:r>
+              <a:rPr lang="en-US" dirty="0"/>
+              <a:t>n </a:t>
+            </a:r>
+            <a:r>
+              <a:rPr lang="en-US" dirty="0" err="1"/>
+              <a:t>hàng</a:t>
+            </a:r>
+            <a:endParaRPr lang="en-US" dirty="0"/>
+          </a:p>
+        </p:txBody>
+      </p:sp>
+      <p:sp>
+        <p:nvSpPr>
+          <p:cNvPr id="6" name="Rectangle 5"/>
+          <p:cNvSpPr/>
+          <p:nvPr/>
+        </p:nvSpPr>
+        <p:spPr>
+          <a:xfrm>
+            <a:off x="3118338" y="4888523"/>
+            <a:ext cx="2514600" cy="914400"/>
+          </a:xfrm>
+          <a:prstGeom prst="rect">
+            <a:avLst/>
+          </a:prstGeom>
+        </p:spPr>
+        <p:style>
+          <a:lnRef idx="2">
+            <a:schemeClr val="accent1">
+              <a:shade val="50000"/>
+            </a:schemeClr>
+          </a:lnRef>
+          <a:fillRef idx="1">
+            <a:schemeClr val="accent1"/>
+          </a:fillRef>
+          <a:effectRef idx="0">
+            <a:schemeClr val="accent1"/>
+          </a:effectRef>
+          <a:fontRef idx="minor">
+            <a:schemeClr val="lt1"/>
+          </a:fontRef>
+        </p:style>
+        <p:txBody>
+          <a:bodyPr rtlCol="0" anchor="ctr"/>
+          <a:lstStyle/>
+          <a:p>
+            <a:pPr algn="ctr"/>
+            <a:r>
+              <a:rPr lang="en-US" dirty="0"/>
+              <a:t>Module </a:t>
+            </a:r>
+            <a:r>
+              <a:rPr lang="en-US" dirty="0" err="1"/>
+              <a:t>sản</a:t>
+            </a:r>
+            <a:r>
+              <a:rPr lang="en-US" dirty="0"/>
+              <a:t> </a:t>
+            </a:r>
+            <a:r>
+              <a:rPr lang="en-US" dirty="0" err="1"/>
+              <a:t>phẩm</a:t>
+            </a:r>
+            <a:endParaRPr lang="en-US" dirty="0"/>
+          </a:p>
+        </p:txBody>
+      </p:sp>
+      <p:sp>
+        <p:nvSpPr>
+          <p:cNvPr id="7" name="Arrow: Right 6"/>
+          <p:cNvSpPr/>
+          <p:nvPr/>
+        </p:nvSpPr>
+        <p:spPr>
+          <a:xfrm>
+            <a:off x="533400" y="2971800"/>
+            <a:ext cx="1905000" cy="1143000"/>
+          </a:xfrm>
+          <a:prstGeom prst="rightArrow">
+            <a:avLst/>
+          </a:prstGeom>
+        </p:spPr>
+        <p:style>
+          <a:lnRef idx="2">
+            <a:schemeClr val="accent1">
+              <a:shade val="50000"/>
+            </a:schemeClr>
+          </a:lnRef>
+          <a:fillRef idx="1">
+            <a:schemeClr val="accent1"/>
+          </a:fillRef>
+          <a:effectRef idx="0">
+            <a:schemeClr val="accent1"/>
+          </a:effectRef>
+          <a:fontRef idx="minor">
+            <a:schemeClr val="lt1"/>
+          </a:fontRef>
+        </p:style>
+        <p:txBody>
+          <a:bodyPr rtlCol="0" anchor="ctr"/>
+          <a:lstStyle/>
+          <a:p>
+            <a:pPr algn="ctr"/>
+            <a:r>
+              <a:rPr lang="en-US" dirty="0"/>
+              <a:t>Testing units</a:t>
+            </a:r>
+          </a:p>
+        </p:txBody>
+      </p:sp>
+      <p:sp>
+        <p:nvSpPr>
+          <p:cNvPr id="8" name="Arrow: Right 7"/>
+          <p:cNvSpPr/>
+          <p:nvPr/>
+        </p:nvSpPr>
+        <p:spPr>
+          <a:xfrm>
+            <a:off x="533400" y="4484077"/>
+            <a:ext cx="1905000" cy="1143000"/>
+          </a:xfrm>
+          <a:prstGeom prst="rightArrow">
+            <a:avLst/>
+          </a:prstGeom>
+        </p:spPr>
+        <p:style>
+          <a:lnRef idx="2">
+            <a:schemeClr val="accent1">
+              <a:shade val="50000"/>
+            </a:schemeClr>
+          </a:lnRef>
+          <a:fillRef idx="1">
+            <a:schemeClr val="accent1"/>
+          </a:fillRef>
+          <a:effectRef idx="0">
+            <a:schemeClr val="accent1"/>
+          </a:effectRef>
+          <a:fontRef idx="minor">
+            <a:schemeClr val="lt1"/>
+          </a:fontRef>
+        </p:style>
+        <p:txBody>
+          <a:bodyPr rtlCol="0" anchor="ctr"/>
+          <a:lstStyle/>
+          <a:p>
+            <a:pPr algn="ctr"/>
+            <a:r>
+              <a:rPr lang="en-US" dirty="0"/>
+              <a:t>Main frame</a:t>
+            </a:r>
+          </a:p>
+        </p:txBody>
+      </p:sp>
+      <p:sp>
+        <p:nvSpPr>
+          <p:cNvPr id="9" name="Rectangle 8"/>
+          <p:cNvSpPr/>
+          <p:nvPr/>
+        </p:nvSpPr>
+        <p:spPr>
+          <a:xfrm>
+            <a:off x="6324600" y="2572683"/>
+            <a:ext cx="2514600" cy="692727"/>
+          </a:xfrm>
+          <a:prstGeom prst="rect">
+            <a:avLst/>
+          </a:prstGeom>
+        </p:spPr>
+        <p:style>
+          <a:lnRef idx="2">
+            <a:schemeClr val="accent1">
+              <a:shade val="50000"/>
+            </a:schemeClr>
+          </a:lnRef>
+          <a:fillRef idx="1">
+            <a:schemeClr val="accent1"/>
+          </a:fillRef>
+          <a:effectRef idx="0">
+            <a:schemeClr val="accent1"/>
+          </a:effectRef>
+          <a:fontRef idx="minor">
+            <a:schemeClr val="lt1"/>
+          </a:fontRef>
+        </p:style>
+        <p:txBody>
+          <a:bodyPr rtlCol="0" anchor="ctr"/>
+          <a:lstStyle/>
+          <a:p>
+            <a:pPr algn="ctr"/>
+            <a:r>
+              <a:rPr lang="en-US" dirty="0" err="1"/>
+              <a:t>Đọc</a:t>
+            </a:r>
+            <a:r>
+              <a:rPr lang="en-US" dirty="0"/>
+              <a:t> </a:t>
+            </a:r>
+            <a:r>
+              <a:rPr lang="en-US" dirty="0" err="1"/>
+              <a:t>danh</a:t>
+            </a:r>
+            <a:r>
+              <a:rPr lang="en-US" dirty="0"/>
+              <a:t> </a:t>
+            </a:r>
+            <a:r>
+              <a:rPr lang="en-US" dirty="0" err="1"/>
+              <a:t>sách</a:t>
+            </a:r>
+            <a:r>
+              <a:rPr lang="en-US" dirty="0"/>
+              <a:t> </a:t>
+            </a:r>
+            <a:r>
+              <a:rPr lang="en-US" dirty="0" err="1"/>
+              <a:t>khách</a:t>
+            </a:r>
+            <a:endParaRPr lang="en-US" dirty="0"/>
+          </a:p>
+        </p:txBody>
+      </p:sp>
+      <p:sp>
+        <p:nvSpPr>
+          <p:cNvPr id="10" name="Rectangle 9"/>
+          <p:cNvSpPr/>
+          <p:nvPr/>
+        </p:nvSpPr>
+        <p:spPr>
+          <a:xfrm>
+            <a:off x="6324600" y="3521719"/>
+            <a:ext cx="2514600" cy="692727"/>
+          </a:xfrm>
+          <a:prstGeom prst="rect">
+            <a:avLst/>
+          </a:prstGeom>
+        </p:spPr>
+        <p:style>
+          <a:lnRef idx="2">
+            <a:schemeClr val="accent1">
+              <a:shade val="50000"/>
+            </a:schemeClr>
+          </a:lnRef>
+          <a:fillRef idx="1">
+            <a:schemeClr val="accent1"/>
+          </a:fillRef>
+          <a:effectRef idx="0">
+            <a:schemeClr val="accent1"/>
+          </a:effectRef>
+          <a:fontRef idx="minor">
+            <a:schemeClr val="lt1"/>
+          </a:fontRef>
+        </p:style>
+        <p:txBody>
+          <a:bodyPr rtlCol="0" anchor="ctr"/>
+          <a:lstStyle/>
+          <a:p>
+            <a:pPr algn="ctr"/>
+            <a:r>
+              <a:rPr lang="en-US" dirty="0" err="1"/>
+              <a:t>Ghi</a:t>
+            </a:r>
+            <a:r>
+              <a:rPr lang="en-US" dirty="0"/>
+              <a:t> </a:t>
+            </a:r>
+            <a:r>
+              <a:rPr lang="en-US" dirty="0" err="1"/>
+              <a:t>danh</a:t>
+            </a:r>
+            <a:r>
+              <a:rPr lang="en-US" dirty="0"/>
+              <a:t> </a:t>
+            </a:r>
+            <a:r>
+              <a:rPr lang="en-US" dirty="0" err="1"/>
+              <a:t>sách</a:t>
+            </a:r>
+            <a:r>
+              <a:rPr lang="en-US" dirty="0"/>
+              <a:t> </a:t>
+            </a:r>
+            <a:r>
+              <a:rPr lang="en-US" dirty="0" err="1"/>
+              <a:t>khách</a:t>
+            </a:r>
+            <a:endParaRPr lang="en-US" dirty="0"/>
+          </a:p>
+        </p:txBody>
+      </p:sp>
+      <p:sp>
+        <p:nvSpPr>
+          <p:cNvPr id="11" name="Rectangle 10"/>
+          <p:cNvSpPr/>
+          <p:nvPr/>
+        </p:nvSpPr>
+        <p:spPr>
+          <a:xfrm>
+            <a:off x="6324600" y="4470755"/>
+            <a:ext cx="2514600" cy="692727"/>
+          </a:xfrm>
+          <a:prstGeom prst="rect">
+            <a:avLst/>
+          </a:prstGeom>
+        </p:spPr>
+        <p:style>
+          <a:lnRef idx="2">
+            <a:schemeClr val="accent1">
+              <a:shade val="50000"/>
+            </a:schemeClr>
+          </a:lnRef>
+          <a:fillRef idx="1">
+            <a:schemeClr val="accent1"/>
+          </a:fillRef>
+          <a:effectRef idx="0">
+            <a:schemeClr val="accent1"/>
+          </a:effectRef>
+          <a:fontRef idx="minor">
+            <a:schemeClr val="lt1"/>
+          </a:fontRef>
+        </p:style>
+        <p:txBody>
+          <a:bodyPr rtlCol="0" anchor="ctr"/>
+          <a:lstStyle/>
+          <a:p>
+            <a:pPr algn="ctr"/>
+            <a:r>
+              <a:rPr lang="en-US" dirty="0" err="1"/>
+              <a:t>Tìm</a:t>
+            </a:r>
+            <a:r>
+              <a:rPr lang="en-US" dirty="0"/>
+              <a:t> </a:t>
+            </a:r>
+            <a:r>
+              <a:rPr lang="en-US" dirty="0" err="1"/>
+              <a:t>kiếm</a:t>
+            </a:r>
+            <a:r>
+              <a:rPr lang="en-US" dirty="0"/>
+              <a:t> </a:t>
+            </a:r>
+            <a:r>
+              <a:rPr lang="en-US" dirty="0" err="1"/>
+              <a:t>khách</a:t>
+            </a:r>
+            <a:r>
+              <a:rPr lang="en-US" dirty="0"/>
+              <a:t> hang</a:t>
+            </a:r>
+          </a:p>
+        </p:txBody>
+      </p:sp>
+      <p:cxnSp>
+        <p:nvCxnSpPr>
+          <p:cNvPr id="13" name="Straight Arrow Connector 12"/>
+          <p:cNvCxnSpPr/>
+          <p:nvPr/>
+        </p:nvCxnSpPr>
+        <p:spPr>
+          <a:xfrm flipV="1">
+            <a:off x="5867400" y="2667000"/>
+            <a:ext cx="304800" cy="457200"/>
+          </a:xfrm>
+          <a:prstGeom prst="straightConnector1">
+            <a:avLst/>
+          </a:prstGeom>
+          <a:ln>
+            <a:tailEnd type="triangle"/>
+          </a:ln>
+        </p:spPr>
+        <p:style>
+          <a:lnRef idx="1">
+            <a:schemeClr val="accent1"/>
+          </a:lnRef>
+          <a:fillRef idx="0">
+            <a:schemeClr val="accent1"/>
+          </a:fillRef>
+          <a:effectRef idx="0">
+            <a:schemeClr val="accent1"/>
+          </a:effectRef>
+          <a:fontRef idx="minor">
+            <a:schemeClr val="tx1"/>
+          </a:fontRef>
+        </p:style>
+      </p:cxnSp>
+      <p:cxnSp>
+        <p:nvCxnSpPr>
+          <p:cNvPr id="15" name="Straight Arrow Connector 14"/>
+          <p:cNvCxnSpPr/>
+          <p:nvPr/>
+        </p:nvCxnSpPr>
+        <p:spPr>
+          <a:xfrm>
+            <a:off x="5829300" y="3429000"/>
+            <a:ext cx="342900" cy="533400"/>
+          </a:xfrm>
+          <a:prstGeom prst="straightConnector1">
+            <a:avLst/>
+          </a:prstGeom>
+          <a:ln>
+            <a:tailEnd type="triangle"/>
+          </a:ln>
+        </p:spPr>
+        <p:style>
+          <a:lnRef idx="1">
+            <a:schemeClr val="accent1"/>
+          </a:lnRef>
+          <a:fillRef idx="0">
+            <a:schemeClr val="accent1"/>
+          </a:fillRef>
+          <a:effectRef idx="0">
+            <a:schemeClr val="accent1"/>
+          </a:effectRef>
+          <a:fontRef idx="minor">
+            <a:schemeClr val="tx1"/>
+          </a:fontRef>
+        </p:style>
+      </p:cxnSp>
+    </p:spTree>
+    <p:extLst>
+      <p:ext uri="{BB962C8B-B14F-4D97-AF65-F5344CB8AC3E}">
+        <p14:creationId xmlns:p14="http://schemas.microsoft.com/office/powerpoint/2010/main" val="2815850845"/>
       </p:ext>
     </p:extLst>
   </p:cSld>
